--- a/Automatisation des déploiements d’applications et d’équipements réseaux via.pptx
+++ b/Automatisation des déploiements d’applications et d’équipements réseaux via.pptx
@@ -5,7 +5,7 @@
     <p:sldMasterId id="2147484076" r:id="rId1"/>
   </p:sldMasterIdLst>
   <p:notesMasterIdLst>
-    <p:notesMasterId r:id="rId15"/>
+    <p:notesMasterId r:id="rId24"/>
   </p:notesMasterIdLst>
   <p:sldIdLst>
     <p:sldId id="256" r:id="rId2"/>
@@ -20,7 +20,16 @@
     <p:sldId id="267" r:id="rId11"/>
     <p:sldId id="265" r:id="rId12"/>
     <p:sldId id="266" r:id="rId13"/>
-    <p:sldId id="268" r:id="rId14"/>
+    <p:sldId id="273" r:id="rId14"/>
+    <p:sldId id="270" r:id="rId15"/>
+    <p:sldId id="271" r:id="rId16"/>
+    <p:sldId id="269" r:id="rId17"/>
+    <p:sldId id="268" r:id="rId18"/>
+    <p:sldId id="272" r:id="rId19"/>
+    <p:sldId id="277" r:id="rId20"/>
+    <p:sldId id="274" r:id="rId21"/>
+    <p:sldId id="276" r:id="rId22"/>
+    <p:sldId id="275" r:id="rId23"/>
   </p:sldIdLst>
   <p:sldSz cx="12192000" cy="6858000"/>
   <p:notesSz cx="6858000" cy="9144000"/>
@@ -213,7 +222,7 @@
           <a:p>
             <a:fld id="{3EDF3FFF-8697-4D76-BBA4-6FCA23460B13}" type="datetimeFigureOut">
               <a:rPr lang="fr-BE" smtClean="0"/>
-              <a:t>03-06-17</a:t>
+              <a:t>04-06-17</a:t>
             </a:fld>
             <a:endParaRPr lang="fr-BE"/>
           </a:p>
@@ -983,7 +992,7 @@
           <a:p>
             <a:fld id="{9FD175BB-5AFE-44ED-8009-15B5C754A469}" type="datetime1">
               <a:rPr lang="fr-BE" smtClean="0"/>
-              <a:t>03-06-17</a:t>
+              <a:t>04-06-17</a:t>
             </a:fld>
             <a:endParaRPr lang="fr-BE"/>
           </a:p>
@@ -1282,7 +1291,7 @@
           <a:p>
             <a:fld id="{FC400C49-9F4F-455B-8218-694CB408BAB7}" type="datetime1">
               <a:rPr lang="fr-BE" smtClean="0"/>
-              <a:t>03-06-17</a:t>
+              <a:t>04-06-17</a:t>
             </a:fld>
             <a:endParaRPr lang="fr-BE"/>
           </a:p>
@@ -1534,7 +1543,7 @@
           <a:p>
             <a:fld id="{FC400C49-9F4F-455B-8218-694CB408BAB7}" type="datetime1">
               <a:rPr lang="fr-BE" smtClean="0"/>
-              <a:t>03-06-17</a:t>
+              <a:t>04-06-17</a:t>
             </a:fld>
             <a:endParaRPr lang="fr-BE"/>
           </a:p>
@@ -2078,7 +2087,7 @@
           <a:p>
             <a:fld id="{FC400C49-9F4F-455B-8218-694CB408BAB7}" type="datetime1">
               <a:rPr lang="fr-BE" smtClean="0"/>
-              <a:t>03-06-17</a:t>
+              <a:t>04-06-17</a:t>
             </a:fld>
             <a:endParaRPr lang="fr-BE"/>
           </a:p>
@@ -2330,7 +2339,7 @@
           <a:p>
             <a:fld id="{FC400C49-9F4F-455B-8218-694CB408BAB7}" type="datetime1">
               <a:rPr lang="fr-BE" smtClean="0"/>
-              <a:t>03-06-17</a:t>
+              <a:t>04-06-17</a:t>
             </a:fld>
             <a:endParaRPr lang="fr-BE"/>
           </a:p>
@@ -2866,7 +2875,7 @@
           <a:p>
             <a:fld id="{FC400C49-9F4F-455B-8218-694CB408BAB7}" type="datetime1">
               <a:rPr lang="fr-BE" smtClean="0"/>
-              <a:t>03-06-17</a:t>
+              <a:t>04-06-17</a:t>
             </a:fld>
             <a:endParaRPr lang="fr-BE"/>
           </a:p>
@@ -3167,7 +3176,7 @@
           <a:p>
             <a:fld id="{FC400C49-9F4F-455B-8218-694CB408BAB7}" type="datetime1">
               <a:rPr lang="fr-BE" smtClean="0"/>
-              <a:t>03-06-17</a:t>
+              <a:t>04-06-17</a:t>
             </a:fld>
             <a:endParaRPr lang="fr-BE"/>
           </a:p>
@@ -3345,7 +3354,7 @@
           <a:p>
             <a:fld id="{D54F012B-64F2-4E32-9FA7-669B10916F24}" type="datetime1">
               <a:rPr lang="fr-BE" smtClean="0"/>
-              <a:t>03-06-17</a:t>
+              <a:t>04-06-17</a:t>
             </a:fld>
             <a:endParaRPr lang="fr-BE"/>
           </a:p>
@@ -3528,7 +3537,7 @@
           <a:p>
             <a:fld id="{D3334801-E1C3-4473-8641-4D27F0381641}" type="datetime1">
               <a:rPr lang="fr-BE" smtClean="0"/>
-              <a:t>03-06-17</a:t>
+              <a:t>04-06-17</a:t>
             </a:fld>
             <a:endParaRPr lang="fr-BE"/>
           </a:p>
@@ -3706,7 +3715,7 @@
           <a:p>
             <a:fld id="{79D041C4-9CF1-402E-A8EB-3685967486CC}" type="datetime1">
               <a:rPr lang="fr-BE" smtClean="0"/>
-              <a:t>03-06-17</a:t>
+              <a:t>04-06-17</a:t>
             </a:fld>
             <a:endParaRPr lang="fr-BE" dirty="0"/>
           </a:p>
@@ -3965,7 +3974,7 @@
           <a:p>
             <a:fld id="{15AA01C7-21A2-4013-B398-9577C3B22EDF}" type="datetime1">
               <a:rPr lang="fr-BE" smtClean="0"/>
-              <a:t>03-06-17</a:t>
+              <a:t>04-06-17</a:t>
             </a:fld>
             <a:endParaRPr lang="fr-BE"/>
           </a:p>
@@ -4265,7 +4274,7 @@
           <a:p>
             <a:fld id="{AA8ADBA6-F81E-4985-A543-62336F5113B3}" type="datetime1">
               <a:rPr lang="fr-BE" smtClean="0"/>
-              <a:t>03-06-17</a:t>
+              <a:t>04-06-17</a:t>
             </a:fld>
             <a:endParaRPr lang="fr-BE"/>
           </a:p>
@@ -4330,7 +4339,7 @@
 </file>
 
 <file path=ppt/slideLayouts/slideLayout5.xml><?xml version="1.0" encoding="utf-8"?>
-<p:sldLayout xmlns:a="http://schemas.openxmlformats.org/drawingml/2006/main" xmlns:r="http://schemas.openxmlformats.org/officeDocument/2006/relationships" xmlns:p="http://schemas.openxmlformats.org/presentationml/2006/main" type="twoTxTwoObj" preserve="1">
+<p:sldLayout xmlns:a="http://schemas.openxmlformats.org/drawingml/2006/main" xmlns:r="http://schemas.openxmlformats.org/officeDocument/2006/relationships" xmlns:p="http://schemas.openxmlformats.org/presentationml/2006/main" preserve="1" userDrawn="1">
   <p:cSld name="Comparaison">
     <p:spTree>
       <p:nvGrpSpPr>
@@ -4348,33 +4357,6 @@
       </p:grpSpPr>
       <p:sp>
         <p:nvSpPr>
-          <p:cNvPr id="2" name="Title 1"/>
-          <p:cNvSpPr>
-            <a:spLocks noGrp="1"/>
-          </p:cNvSpPr>
-          <p:nvPr>
-            <p:ph type="title"/>
-          </p:nvPr>
-        </p:nvSpPr>
-        <p:spPr/>
-        <p:txBody>
-          <a:bodyPr/>
-          <a:lstStyle>
-            <a:lvl1pPr>
-              <a:defRPr/>
-            </a:lvl1pPr>
-          </a:lstStyle>
-          <a:p>
-            <a:r>
-              <a:rPr lang="fr-FR"/>
-              <a:t>Modifiez le style du titre</a:t>
-            </a:r>
-            <a:endParaRPr lang="en-US" dirty="0"/>
-          </a:p>
-        </p:txBody>
-      </p:sp>
-      <p:sp>
-        <p:nvSpPr>
           <p:cNvPr id="3" name="Text Placeholder 2"/>
           <p:cNvSpPr>
             <a:spLocks noGrp="1"/>
@@ -4385,7 +4367,7 @@
         </p:nvSpPr>
         <p:spPr>
           <a:xfrm>
-            <a:off x="1772179" y="2658533"/>
+            <a:off x="1598610" y="340770"/>
             <a:ext cx="4607188" cy="576262"/>
           </a:xfrm>
         </p:spPr>
@@ -4440,7 +4422,7 @@
           <a:p>
             <a:pPr lvl="0"/>
             <a:r>
-              <a:rPr lang="fr-FR"/>
+              <a:rPr lang="fr-FR" dirty="0"/>
               <a:t>Modifier les styles du texte du masque</a:t>
             </a:r>
           </a:p>
@@ -4458,8 +4440,8 @@
         </p:nvSpPr>
         <p:spPr>
           <a:xfrm>
-            <a:off x="1484311" y="3335337"/>
-            <a:ext cx="4895056" cy="2455862"/>
+            <a:off x="1598610" y="945789"/>
+            <a:ext cx="4895056" cy="4937486"/>
           </a:xfrm>
         </p:spPr>
         <p:txBody>
@@ -4498,35 +4480,35 @@
           <a:p>
             <a:pPr lvl="0"/>
             <a:r>
-              <a:rPr lang="fr-FR"/>
+              <a:rPr lang="fr-FR" dirty="0"/>
               <a:t>Modifier les styles du texte du masque</a:t>
             </a:r>
           </a:p>
           <a:p>
             <a:pPr lvl="1"/>
             <a:r>
-              <a:rPr lang="fr-FR"/>
+              <a:rPr lang="fr-FR" dirty="0"/>
               <a:t>Deuxième niveau</a:t>
             </a:r>
           </a:p>
           <a:p>
             <a:pPr lvl="2"/>
             <a:r>
-              <a:rPr lang="fr-FR"/>
+              <a:rPr lang="fr-FR" dirty="0"/>
               <a:t>Troisième niveau</a:t>
             </a:r>
           </a:p>
           <a:p>
             <a:pPr lvl="3"/>
             <a:r>
-              <a:rPr lang="fr-FR"/>
+              <a:rPr lang="fr-FR" dirty="0"/>
               <a:t>Quatrième niveau</a:t>
             </a:r>
           </a:p>
           <a:p>
             <a:pPr lvl="4"/>
             <a:r>
-              <a:rPr lang="fr-FR"/>
+              <a:rPr lang="fr-FR" dirty="0"/>
               <a:t>Cinquième niveau</a:t>
             </a:r>
             <a:endParaRPr lang="en-US" dirty="0"/>
@@ -4545,7 +4527,7 @@
         </p:nvSpPr>
         <p:spPr>
           <a:xfrm>
-            <a:off x="6880487" y="2667000"/>
+            <a:off x="6994786" y="340770"/>
             <a:ext cx="4622537" cy="576262"/>
           </a:xfrm>
         </p:spPr>
@@ -4600,7 +4582,7 @@
           <a:p>
             <a:pPr lvl="0"/>
             <a:r>
-              <a:rPr lang="fr-FR"/>
+              <a:rPr lang="fr-FR" dirty="0"/>
               <a:t>Modifier les styles du texte du masque</a:t>
             </a:r>
           </a:p>
@@ -4618,8 +4600,8 @@
         </p:nvSpPr>
         <p:spPr>
           <a:xfrm>
-            <a:off x="6607967" y="3335337"/>
-            <a:ext cx="4895056" cy="2455862"/>
+            <a:off x="6701246" y="917031"/>
+            <a:ext cx="4916077" cy="4966243"/>
           </a:xfrm>
         </p:spPr>
         <p:txBody>
@@ -4658,35 +4640,35 @@
           <a:p>
             <a:pPr lvl="0"/>
             <a:r>
-              <a:rPr lang="fr-FR"/>
+              <a:rPr lang="fr-FR" dirty="0"/>
               <a:t>Modifier les styles du texte du masque</a:t>
             </a:r>
           </a:p>
           <a:p>
             <a:pPr lvl="1"/>
             <a:r>
-              <a:rPr lang="fr-FR"/>
+              <a:rPr lang="fr-FR" dirty="0"/>
               <a:t>Deuxième niveau</a:t>
             </a:r>
           </a:p>
           <a:p>
             <a:pPr lvl="2"/>
             <a:r>
-              <a:rPr lang="fr-FR"/>
+              <a:rPr lang="fr-FR" dirty="0"/>
               <a:t>Troisième niveau</a:t>
             </a:r>
           </a:p>
           <a:p>
             <a:pPr lvl="3"/>
             <a:r>
-              <a:rPr lang="fr-FR"/>
+              <a:rPr lang="fr-FR" dirty="0"/>
               <a:t>Quatrième niveau</a:t>
             </a:r>
           </a:p>
           <a:p>
             <a:pPr lvl="4"/>
             <a:r>
-              <a:rPr lang="fr-FR"/>
+              <a:rPr lang="fr-FR" dirty="0"/>
               <a:t>Cinquième niveau</a:t>
             </a:r>
             <a:endParaRPr lang="en-US" dirty="0"/>
@@ -4710,7 +4692,7 @@
           <a:p>
             <a:fld id="{C377ACCB-38FC-47E4-B190-701398D5C7B8}" type="datetime1">
               <a:rPr lang="fr-BE" smtClean="0"/>
-              <a:t>03-06-17</a:t>
+              <a:t>04-06-17</a:t>
             </a:fld>
             <a:endParaRPr lang="fr-BE"/>
           </a:p>
@@ -4831,7 +4813,7 @@
           <a:p>
             <a:fld id="{310C1E99-E74B-4DCA-B5AC-104DCC18E7ED}" type="datetime1">
               <a:rPr lang="fr-BE" smtClean="0"/>
-              <a:t>03-06-17</a:t>
+              <a:t>04-06-17</a:t>
             </a:fld>
             <a:endParaRPr lang="fr-BE"/>
           </a:p>
@@ -4929,7 +4911,7 @@
           <a:p>
             <a:fld id="{F5821D90-3C5F-4637-A839-9309B0FE8046}" type="datetime1">
               <a:rPr lang="fr-BE" smtClean="0"/>
-              <a:t>03-06-17</a:t>
+              <a:t>04-06-17</a:t>
             </a:fld>
             <a:endParaRPr lang="fr-BE"/>
           </a:p>
@@ -5215,7 +5197,7 @@
           <a:p>
             <a:fld id="{00351FEE-A0D1-4DF9-A40C-343DA3FC5823}" type="datetime1">
               <a:rPr lang="fr-BE" smtClean="0"/>
-              <a:t>03-06-17</a:t>
+              <a:t>04-06-17</a:t>
             </a:fld>
             <a:endParaRPr lang="fr-BE"/>
           </a:p>
@@ -5509,7 +5491,7 @@
           <a:p>
             <a:fld id="{3FF7FB76-2025-41B6-9242-3E504C4ED6AC}" type="datetime1">
               <a:rPr lang="fr-BE" smtClean="0"/>
-              <a:t>03-06-17</a:t>
+              <a:t>04-06-17</a:t>
             </a:fld>
             <a:endParaRPr lang="fr-BE"/>
           </a:p>
@@ -6040,7 +6022,7 @@
             <a:fld id="{FC400C49-9F4F-455B-8218-694CB408BAB7}" type="datetime1">
               <a:rPr lang="fr-BE" smtClean="0"/>
               <a:pPr/>
-              <a:t>03-06-17</a:t>
+              <a:t>04-06-17</a:t>
             </a:fld>
             <a:endParaRPr lang="fr-BE" dirty="0"/>
           </a:p>
@@ -6675,7 +6657,7 @@
           <a:p>
             <a:fld id="{79D041C4-9CF1-402E-A8EB-3685967486CC}" type="datetime1">
               <a:rPr lang="fr-BE" smtClean="0"/>
-              <a:t>03-06-17</a:t>
+              <a:t>04-06-17</a:t>
             </a:fld>
             <a:endParaRPr lang="fr-BE" dirty="0"/>
           </a:p>
@@ -7862,7 +7844,7 @@
           <a:lstStyle/>
           <a:p>
             <a:r>
-              <a:rPr lang="fr-BE" dirty="0"/>
+              <a:rPr lang="fr-BE" b="1" u="sng" dirty="0"/>
               <a:t>Les fichiers de configuration</a:t>
             </a:r>
           </a:p>
@@ -7885,7 +7867,7 @@
           <a:p>
             <a:fld id="{79D041C4-9CF1-402E-A8EB-3685967486CC}" type="datetime1">
               <a:rPr lang="fr-BE" smtClean="0"/>
-              <a:t>03-06-17</a:t>
+              <a:t>04-06-17</a:t>
             </a:fld>
             <a:endParaRPr lang="fr-BE" dirty="0"/>
           </a:p>
@@ -8775,7 +8757,7 @@
           <a:lstStyle/>
           <a:p>
             <a:r>
-              <a:rPr lang="fr-BE" dirty="0"/>
+              <a:rPr lang="fr-BE" b="1" u="sng" dirty="0"/>
               <a:t>Les modules atomiques</a:t>
             </a:r>
           </a:p>
@@ -8804,7 +8786,7 @@
           <a:p>
             <a:fld id="{79D041C4-9CF1-402E-A8EB-3685967486CC}" type="datetime1">
               <a:rPr lang="fr-BE" smtClean="0"/>
-              <a:t>03-06-17</a:t>
+              <a:t>04-06-17</a:t>
             </a:fld>
             <a:endParaRPr lang="fr-BE" dirty="0"/>
           </a:p>
@@ -9713,6 +9695,3923 @@
           <p:cNvPr id="2" name="Titre 1">
             <a:extLst>
               <a:ext uri="{FF2B5EF4-FFF2-40B4-BE49-F238E27FC236}">
+                <a16:creationId xmlns:a16="http://schemas.microsoft.com/office/drawing/2014/main" id="{D8564875-F1DF-44CE-8792-D13E4550A538}"/>
+              </a:ext>
+            </a:extLst>
+          </p:cNvPr>
+          <p:cNvSpPr>
+            <a:spLocks noGrp="1"/>
+          </p:cNvSpPr>
+          <p:nvPr>
+            <p:ph type="title"/>
+          </p:nvPr>
+        </p:nvSpPr>
+        <p:spPr/>
+        <p:txBody>
+          <a:bodyPr/>
+          <a:lstStyle/>
+          <a:p>
+            <a:r>
+              <a:rPr lang="fr-BE" b="1" u="sng" dirty="0"/>
+              <a:t>Règles de bonnes pratiques</a:t>
+            </a:r>
+          </a:p>
+        </p:txBody>
+      </p:sp>
+      <p:sp>
+        <p:nvSpPr>
+          <p:cNvPr id="3" name="Espace réservé du contenu 2">
+            <a:extLst>
+              <a:ext uri="{FF2B5EF4-FFF2-40B4-BE49-F238E27FC236}">
+                <a16:creationId xmlns:a16="http://schemas.microsoft.com/office/drawing/2014/main" id="{8D6E3EA1-2341-4663-B8E9-AE469FAC9F02}"/>
+              </a:ext>
+            </a:extLst>
+          </p:cNvPr>
+          <p:cNvSpPr>
+            <a:spLocks noGrp="1"/>
+          </p:cNvSpPr>
+          <p:nvPr>
+            <p:ph idx="1"/>
+          </p:nvPr>
+        </p:nvSpPr>
+        <p:spPr>
+          <a:xfrm>
+            <a:off x="1484310" y="2269434"/>
+            <a:ext cx="10018713" cy="3124201"/>
+          </a:xfrm>
+        </p:spPr>
+        <p:txBody>
+          <a:bodyPr>
+            <a:normAutofit fontScale="77500" lnSpcReduction="20000"/>
+          </a:bodyPr>
+          <a:lstStyle/>
+          <a:p>
+            <a:pPr>
+              <a:lnSpc>
+                <a:spcPct val="150000"/>
+              </a:lnSpc>
+            </a:pPr>
+            <a:r>
+              <a:rPr lang="fr-BE" dirty="0"/>
+              <a:t>Atomique</a:t>
+            </a:r>
+          </a:p>
+          <a:p>
+            <a:pPr>
+              <a:lnSpc>
+                <a:spcPct val="150000"/>
+              </a:lnSpc>
+            </a:pPr>
+            <a:r>
+              <a:rPr lang="fr-BE" dirty="0"/>
+              <a:t>Simple</a:t>
+            </a:r>
+          </a:p>
+          <a:p>
+            <a:pPr>
+              <a:lnSpc>
+                <a:spcPct val="150000"/>
+              </a:lnSpc>
+            </a:pPr>
+            <a:r>
+              <a:rPr lang="fr-BE" dirty="0"/>
+              <a:t>Modulaire</a:t>
+            </a:r>
+          </a:p>
+          <a:p>
+            <a:pPr>
+              <a:lnSpc>
+                <a:spcPct val="150000"/>
+              </a:lnSpc>
+            </a:pPr>
+            <a:r>
+              <a:rPr lang="fr-BE" dirty="0"/>
+              <a:t>Lisible</a:t>
+            </a:r>
+          </a:p>
+          <a:p>
+            <a:pPr>
+              <a:lnSpc>
+                <a:spcPct val="150000"/>
+              </a:lnSpc>
+            </a:pPr>
+            <a:r>
+              <a:rPr lang="fr-BE" dirty="0"/>
+              <a:t>Documenté</a:t>
+            </a:r>
+          </a:p>
+          <a:p>
+            <a:pPr>
+              <a:lnSpc>
+                <a:spcPct val="150000"/>
+              </a:lnSpc>
+            </a:pPr>
+            <a:r>
+              <a:rPr lang="fr-BE" dirty="0"/>
+              <a:t>Vérifiable et déployable</a:t>
+            </a:r>
+          </a:p>
+        </p:txBody>
+      </p:sp>
+      <p:sp>
+        <p:nvSpPr>
+          <p:cNvPr id="4" name="Espace réservé de la date 3">
+            <a:extLst>
+              <a:ext uri="{FF2B5EF4-FFF2-40B4-BE49-F238E27FC236}">
+                <a16:creationId xmlns:a16="http://schemas.microsoft.com/office/drawing/2014/main" id="{0F1004BF-5093-4D68-8872-153FFC571E19}"/>
+              </a:ext>
+            </a:extLst>
+          </p:cNvPr>
+          <p:cNvSpPr>
+            <a:spLocks noGrp="1"/>
+          </p:cNvSpPr>
+          <p:nvPr>
+            <p:ph type="dt" sz="half" idx="10"/>
+          </p:nvPr>
+        </p:nvSpPr>
+        <p:spPr/>
+        <p:txBody>
+          <a:bodyPr/>
+          <a:lstStyle/>
+          <a:p>
+            <a:fld id="{79D041C4-9CF1-402E-A8EB-3685967486CC}" type="datetime1">
+              <a:rPr lang="fr-BE" smtClean="0"/>
+              <a:t>04-06-17</a:t>
+            </a:fld>
+            <a:endParaRPr lang="fr-BE" dirty="0"/>
+          </a:p>
+        </p:txBody>
+      </p:sp>
+      <p:sp>
+        <p:nvSpPr>
+          <p:cNvPr id="5" name="Espace réservé du pied de page 4">
+            <a:extLst>
+              <a:ext uri="{FF2B5EF4-FFF2-40B4-BE49-F238E27FC236}">
+                <a16:creationId xmlns:a16="http://schemas.microsoft.com/office/drawing/2014/main" id="{F6C8104B-16F0-4F6A-A241-CADB0F2EC537}"/>
+              </a:ext>
+            </a:extLst>
+          </p:cNvPr>
+          <p:cNvSpPr>
+            <a:spLocks noGrp="1"/>
+          </p:cNvSpPr>
+          <p:nvPr>
+            <p:ph type="ftr" sz="quarter" idx="11"/>
+          </p:nvPr>
+        </p:nvSpPr>
+        <p:spPr/>
+        <p:txBody>
+          <a:bodyPr/>
+          <a:lstStyle/>
+          <a:p>
+            <a:r>
+              <a:rPr lang="fr-BE" dirty="0"/>
+              <a:t>YASC</a:t>
+            </a:r>
+          </a:p>
+        </p:txBody>
+      </p:sp>
+      <p:sp>
+        <p:nvSpPr>
+          <p:cNvPr id="6" name="Espace réservé du numéro de diapositive 5">
+            <a:extLst>
+              <a:ext uri="{FF2B5EF4-FFF2-40B4-BE49-F238E27FC236}">
+                <a16:creationId xmlns:a16="http://schemas.microsoft.com/office/drawing/2014/main" id="{5D39A606-7F85-42A6-A8FE-DB29B6E346D1}"/>
+              </a:ext>
+            </a:extLst>
+          </p:cNvPr>
+          <p:cNvSpPr>
+            <a:spLocks noGrp="1"/>
+          </p:cNvSpPr>
+          <p:nvPr>
+            <p:ph type="sldNum" sz="quarter" idx="12"/>
+          </p:nvPr>
+        </p:nvSpPr>
+        <p:spPr/>
+        <p:txBody>
+          <a:bodyPr/>
+          <a:lstStyle/>
+          <a:p>
+            <a:fld id="{6EE1A1CC-AF33-4215-8A11-806382416FAD}" type="slidenum">
+              <a:rPr lang="fr-BE" smtClean="0"/>
+              <a:t>13</a:t>
+            </a:fld>
+            <a:endParaRPr lang="fr-BE" dirty="0"/>
+          </a:p>
+        </p:txBody>
+      </p:sp>
+    </p:spTree>
+    <p:extLst>
+      <p:ext uri="{BB962C8B-B14F-4D97-AF65-F5344CB8AC3E}">
+        <p14:creationId xmlns:p14="http://schemas.microsoft.com/office/powerpoint/2010/main" val="1179789780"/>
+      </p:ext>
+    </p:extLst>
+  </p:cSld>
+  <p:clrMapOvr>
+    <a:masterClrMapping/>
+  </p:clrMapOvr>
+</p:sld>
+</file>
+
+<file path=ppt/slides/slide14.xml><?xml version="1.0" encoding="utf-8"?>
+<p:sld xmlns:a="http://schemas.openxmlformats.org/drawingml/2006/main" xmlns:r="http://schemas.openxmlformats.org/officeDocument/2006/relationships" xmlns:p="http://schemas.openxmlformats.org/presentationml/2006/main">
+  <p:cSld>
+    <p:spTree>
+      <p:nvGrpSpPr>
+        <p:cNvPr id="1" name=""/>
+        <p:cNvGrpSpPr/>
+        <p:nvPr/>
+      </p:nvGrpSpPr>
+      <p:grpSpPr>
+        <a:xfrm>
+          <a:off x="0" y="0"/>
+          <a:ext cx="0" cy="0"/>
+          <a:chOff x="0" y="0"/>
+          <a:chExt cx="0" cy="0"/>
+        </a:xfrm>
+      </p:grpSpPr>
+      <p:sp>
+        <p:nvSpPr>
+          <p:cNvPr id="2" name="Titre 1">
+            <a:extLst>
+              <a:ext uri="{FF2B5EF4-FFF2-40B4-BE49-F238E27FC236}">
+                <a16:creationId xmlns:a16="http://schemas.microsoft.com/office/drawing/2014/main" id="{DF0BC5DD-8F9F-4966-8A9C-058B4EF97971}"/>
+              </a:ext>
+            </a:extLst>
+          </p:cNvPr>
+          <p:cNvSpPr>
+            <a:spLocks noGrp="1"/>
+          </p:cNvSpPr>
+          <p:nvPr>
+            <p:ph type="title"/>
+          </p:nvPr>
+        </p:nvSpPr>
+        <p:spPr>
+          <a:xfrm>
+            <a:off x="1484310" y="0"/>
+            <a:ext cx="10018713" cy="1752599"/>
+          </a:xfrm>
+        </p:spPr>
+        <p:txBody>
+          <a:bodyPr/>
+          <a:lstStyle/>
+          <a:p>
+            <a:r>
+              <a:rPr lang="fr-BE" b="1" u="sng" dirty="0"/>
+              <a:t>Séquence YASC</a:t>
+            </a:r>
+          </a:p>
+        </p:txBody>
+      </p:sp>
+      <p:sp>
+        <p:nvSpPr>
+          <p:cNvPr id="4" name="Espace réservé de la date 3">
+            <a:extLst>
+              <a:ext uri="{FF2B5EF4-FFF2-40B4-BE49-F238E27FC236}">
+                <a16:creationId xmlns:a16="http://schemas.microsoft.com/office/drawing/2014/main" id="{C0F49A56-5119-4C27-9618-74F4A133DB6F}"/>
+              </a:ext>
+            </a:extLst>
+          </p:cNvPr>
+          <p:cNvSpPr>
+            <a:spLocks noGrp="1"/>
+          </p:cNvSpPr>
+          <p:nvPr>
+            <p:ph type="dt" sz="half" idx="10"/>
+          </p:nvPr>
+        </p:nvSpPr>
+        <p:spPr/>
+        <p:txBody>
+          <a:bodyPr/>
+          <a:lstStyle/>
+          <a:p>
+            <a:fld id="{79D041C4-9CF1-402E-A8EB-3685967486CC}" type="datetime1">
+              <a:rPr lang="fr-BE" smtClean="0"/>
+              <a:t>04-06-17</a:t>
+            </a:fld>
+            <a:endParaRPr lang="fr-BE" dirty="0"/>
+          </a:p>
+        </p:txBody>
+      </p:sp>
+      <p:sp>
+        <p:nvSpPr>
+          <p:cNvPr id="5" name="Espace réservé du pied de page 4">
+            <a:extLst>
+              <a:ext uri="{FF2B5EF4-FFF2-40B4-BE49-F238E27FC236}">
+                <a16:creationId xmlns:a16="http://schemas.microsoft.com/office/drawing/2014/main" id="{9D19121F-8941-4588-98AB-73DE8789946F}"/>
+              </a:ext>
+            </a:extLst>
+          </p:cNvPr>
+          <p:cNvSpPr>
+            <a:spLocks noGrp="1"/>
+          </p:cNvSpPr>
+          <p:nvPr>
+            <p:ph type="ftr" sz="quarter" idx="11"/>
+          </p:nvPr>
+        </p:nvSpPr>
+        <p:spPr/>
+        <p:txBody>
+          <a:bodyPr/>
+          <a:lstStyle/>
+          <a:p>
+            <a:r>
+              <a:rPr lang="fr-BE"/>
+              <a:t>YASC</a:t>
+            </a:r>
+            <a:endParaRPr lang="fr-BE" dirty="0"/>
+          </a:p>
+        </p:txBody>
+      </p:sp>
+      <p:sp>
+        <p:nvSpPr>
+          <p:cNvPr id="6" name="Espace réservé du numéro de diapositive 5">
+            <a:extLst>
+              <a:ext uri="{FF2B5EF4-FFF2-40B4-BE49-F238E27FC236}">
+                <a16:creationId xmlns:a16="http://schemas.microsoft.com/office/drawing/2014/main" id="{958F5323-AA66-4178-87E6-E25447FEF3D2}"/>
+              </a:ext>
+            </a:extLst>
+          </p:cNvPr>
+          <p:cNvSpPr>
+            <a:spLocks noGrp="1"/>
+          </p:cNvSpPr>
+          <p:nvPr>
+            <p:ph type="sldNum" sz="quarter" idx="12"/>
+          </p:nvPr>
+        </p:nvSpPr>
+        <p:spPr/>
+        <p:txBody>
+          <a:bodyPr/>
+          <a:lstStyle/>
+          <a:p>
+            <a:fld id="{6EE1A1CC-AF33-4215-8A11-806382416FAD}" type="slidenum">
+              <a:rPr lang="fr-BE" smtClean="0"/>
+              <a:t>14</a:t>
+            </a:fld>
+            <a:endParaRPr lang="fr-BE" dirty="0"/>
+          </a:p>
+        </p:txBody>
+      </p:sp>
+      <p:sp>
+        <p:nvSpPr>
+          <p:cNvPr id="7" name="ZoneTexte 6">
+            <a:extLst>
+              <a:ext uri="{FF2B5EF4-FFF2-40B4-BE49-F238E27FC236}">
+                <a16:creationId xmlns:a16="http://schemas.microsoft.com/office/drawing/2014/main" id="{52DCC75D-5125-4B03-909D-09B5B2544642}"/>
+              </a:ext>
+            </a:extLst>
+          </p:cNvPr>
+          <p:cNvSpPr txBox="1"/>
+          <p:nvPr/>
+        </p:nvSpPr>
+        <p:spPr>
+          <a:xfrm>
+            <a:off x="1484310" y="1484243"/>
+            <a:ext cx="10601673" cy="4154984"/>
+          </a:xfrm>
+          <a:prstGeom prst="rect">
+            <a:avLst/>
+          </a:prstGeom>
+          <a:noFill/>
+        </p:spPr>
+        <p:txBody>
+          <a:bodyPr wrap="square" rtlCol="0">
+            <a:spAutoFit/>
+          </a:bodyPr>
+          <a:lstStyle/>
+          <a:p>
+            <a:pPr marL="400050" indent="-400050">
+              <a:lnSpc>
+                <a:spcPct val="150000"/>
+              </a:lnSpc>
+              <a:buFont typeface="+mj-lt"/>
+              <a:buAutoNum type="romanUcPeriod"/>
+            </a:pPr>
+            <a:r>
+              <a:rPr lang="fr-BE" sz="2200" dirty="0"/>
+              <a:t>Passer les paramètres : nom de l’application, version, environnement, timestamp, mode, etc…</a:t>
+            </a:r>
+          </a:p>
+          <a:p>
+            <a:pPr marL="400050" indent="-400050">
+              <a:lnSpc>
+                <a:spcPct val="150000"/>
+              </a:lnSpc>
+              <a:buFont typeface="+mj-lt"/>
+              <a:buAutoNum type="romanUcPeriod"/>
+            </a:pPr>
+            <a:r>
+              <a:rPr lang="fr-BE" sz="2200" dirty="0"/>
+              <a:t>Charger les modules complémentaires.</a:t>
+            </a:r>
+          </a:p>
+          <a:p>
+            <a:pPr marL="400050" indent="-400050">
+              <a:lnSpc>
+                <a:spcPct val="150000"/>
+              </a:lnSpc>
+              <a:buFont typeface="+mj-lt"/>
+              <a:buAutoNum type="romanUcPeriod"/>
+            </a:pPr>
+            <a:r>
+              <a:rPr lang="fr-BE" sz="2200" dirty="0"/>
+              <a:t>Charger les fichiers de configuration (YascConfig, YascMeta, YascEngine).</a:t>
+            </a:r>
+          </a:p>
+          <a:p>
+            <a:pPr marL="400050" indent="-400050">
+              <a:lnSpc>
+                <a:spcPct val="150000"/>
+              </a:lnSpc>
+              <a:buFont typeface="+mj-lt"/>
+              <a:buAutoNum type="romanUcPeriod"/>
+            </a:pPr>
+            <a:r>
+              <a:rPr lang="fr-BE" sz="2200" dirty="0"/>
+              <a:t>Charger le fichier de déploiement de l’application (</a:t>
+            </a:r>
+            <a:r>
+              <a:rPr lang="fr-BE" sz="2200" dirty="0" err="1"/>
+              <a:t>AppData</a:t>
+            </a:r>
+            <a:r>
+              <a:rPr lang="fr-BE" sz="2200" dirty="0"/>
+              <a:t>). </a:t>
+            </a:r>
+          </a:p>
+          <a:p>
+            <a:pPr marL="400050" indent="-400050">
+              <a:lnSpc>
+                <a:spcPct val="150000"/>
+              </a:lnSpc>
+              <a:buFont typeface="+mj-lt"/>
+              <a:buAutoNum type="romanUcPeriod"/>
+            </a:pPr>
+            <a:r>
+              <a:rPr lang="fr-BE" sz="2200" dirty="0"/>
+              <a:t>Générer le script de déploiement.</a:t>
+            </a:r>
+          </a:p>
+          <a:p>
+            <a:pPr marL="400050" indent="-400050">
+              <a:lnSpc>
+                <a:spcPct val="150000"/>
+              </a:lnSpc>
+              <a:buFont typeface="+mj-lt"/>
+              <a:buAutoNum type="romanUcPeriod"/>
+            </a:pPr>
+            <a:r>
+              <a:rPr lang="fr-BE" sz="2200" dirty="0"/>
+              <a:t>Générer la documentation.</a:t>
+            </a:r>
+          </a:p>
+          <a:p>
+            <a:pPr marL="400050" indent="-400050">
+              <a:lnSpc>
+                <a:spcPct val="150000"/>
+              </a:lnSpc>
+              <a:buFont typeface="+mj-lt"/>
+              <a:buAutoNum type="romanUcPeriod"/>
+            </a:pPr>
+            <a:r>
+              <a:rPr lang="fr-BE" sz="2200" dirty="0"/>
+              <a:t>Envoyer un ou plusieurs e-mail.</a:t>
+            </a:r>
+          </a:p>
+        </p:txBody>
+      </p:sp>
+    </p:spTree>
+    <p:extLst>
+      <p:ext uri="{BB962C8B-B14F-4D97-AF65-F5344CB8AC3E}">
+        <p14:creationId xmlns:p14="http://schemas.microsoft.com/office/powerpoint/2010/main" val="1962227219"/>
+      </p:ext>
+    </p:extLst>
+  </p:cSld>
+  <p:clrMapOvr>
+    <a:masterClrMapping/>
+  </p:clrMapOvr>
+  <p:timing>
+    <p:tnLst>
+      <p:par>
+        <p:cTn id="1" dur="indefinite" restart="never" nodeType="tmRoot">
+          <p:childTnLst>
+            <p:seq concurrent="1" nextAc="seek">
+              <p:cTn id="2" dur="indefinite" nodeType="mainSeq">
+                <p:childTnLst>
+                  <p:par>
+                    <p:cTn id="3" fill="hold">
+                      <p:stCondLst>
+                        <p:cond delay="indefinite"/>
+                        <p:cond evt="onBegin" delay="0">
+                          <p:tn val="2"/>
+                        </p:cond>
+                      </p:stCondLst>
+                      <p:childTnLst>
+                        <p:par>
+                          <p:cTn id="4" fill="hold">
+                            <p:stCondLst>
+                              <p:cond delay="0"/>
+                            </p:stCondLst>
+                            <p:childTnLst>
+                              <p:par>
+                                <p:cTn id="5" presetID="10" presetClass="entr" presetSubtype="0" fill="hold" nodeType="withEffect">
+                                  <p:stCondLst>
+                                    <p:cond delay="1000"/>
+                                  </p:stCondLst>
+                                  <p:childTnLst>
+                                    <p:set>
+                                      <p:cBhvr>
+                                        <p:cTn id="6" dur="1" fill="hold">
+                                          <p:stCondLst>
+                                            <p:cond delay="0"/>
+                                          </p:stCondLst>
+                                        </p:cTn>
+                                        <p:tgtEl>
+                                          <p:spTgt spid="7">
+                                            <p:txEl>
+                                              <p:pRg st="0" end="0"/>
+                                            </p:txEl>
+                                          </p:spTgt>
+                                        </p:tgtEl>
+                                        <p:attrNameLst>
+                                          <p:attrName>style.visibility</p:attrName>
+                                        </p:attrNameLst>
+                                      </p:cBhvr>
+                                      <p:to>
+                                        <p:strVal val="visible"/>
+                                      </p:to>
+                                    </p:set>
+                                    <p:animEffect transition="in" filter="fade">
+                                      <p:cBhvr>
+                                        <p:cTn id="7" dur="500"/>
+                                        <p:tgtEl>
+                                          <p:spTgt spid="7">
+                                            <p:txEl>
+                                              <p:pRg st="0" end="0"/>
+                                            </p:txEl>
+                                          </p:spTgt>
+                                        </p:tgtEl>
+                                      </p:cBhvr>
+                                    </p:animEffect>
+                                  </p:childTnLst>
+                                </p:cTn>
+                              </p:par>
+                            </p:childTnLst>
+                          </p:cTn>
+                        </p:par>
+                        <p:par>
+                          <p:cTn id="8" fill="hold">
+                            <p:stCondLst>
+                              <p:cond delay="1500"/>
+                            </p:stCondLst>
+                            <p:childTnLst>
+                              <p:par>
+                                <p:cTn id="9" presetID="10" presetClass="entr" presetSubtype="0" fill="hold" nodeType="afterEffect">
+                                  <p:stCondLst>
+                                    <p:cond delay="0"/>
+                                  </p:stCondLst>
+                                  <p:childTnLst>
+                                    <p:set>
+                                      <p:cBhvr>
+                                        <p:cTn id="10" dur="1" fill="hold">
+                                          <p:stCondLst>
+                                            <p:cond delay="0"/>
+                                          </p:stCondLst>
+                                        </p:cTn>
+                                        <p:tgtEl>
+                                          <p:spTgt spid="7">
+                                            <p:txEl>
+                                              <p:pRg st="1" end="1"/>
+                                            </p:txEl>
+                                          </p:spTgt>
+                                        </p:tgtEl>
+                                        <p:attrNameLst>
+                                          <p:attrName>style.visibility</p:attrName>
+                                        </p:attrNameLst>
+                                      </p:cBhvr>
+                                      <p:to>
+                                        <p:strVal val="visible"/>
+                                      </p:to>
+                                    </p:set>
+                                    <p:animEffect transition="in" filter="fade">
+                                      <p:cBhvr>
+                                        <p:cTn id="11" dur="500"/>
+                                        <p:tgtEl>
+                                          <p:spTgt spid="7">
+                                            <p:txEl>
+                                              <p:pRg st="1" end="1"/>
+                                            </p:txEl>
+                                          </p:spTgt>
+                                        </p:tgtEl>
+                                      </p:cBhvr>
+                                    </p:animEffect>
+                                  </p:childTnLst>
+                                </p:cTn>
+                              </p:par>
+                            </p:childTnLst>
+                          </p:cTn>
+                        </p:par>
+                        <p:par>
+                          <p:cTn id="12" fill="hold">
+                            <p:stCondLst>
+                              <p:cond delay="2000"/>
+                            </p:stCondLst>
+                            <p:childTnLst>
+                              <p:par>
+                                <p:cTn id="13" presetID="10" presetClass="entr" presetSubtype="0" fill="hold" nodeType="afterEffect">
+                                  <p:stCondLst>
+                                    <p:cond delay="0"/>
+                                  </p:stCondLst>
+                                  <p:childTnLst>
+                                    <p:set>
+                                      <p:cBhvr>
+                                        <p:cTn id="14" dur="1" fill="hold">
+                                          <p:stCondLst>
+                                            <p:cond delay="0"/>
+                                          </p:stCondLst>
+                                        </p:cTn>
+                                        <p:tgtEl>
+                                          <p:spTgt spid="7">
+                                            <p:txEl>
+                                              <p:pRg st="2" end="2"/>
+                                            </p:txEl>
+                                          </p:spTgt>
+                                        </p:tgtEl>
+                                        <p:attrNameLst>
+                                          <p:attrName>style.visibility</p:attrName>
+                                        </p:attrNameLst>
+                                      </p:cBhvr>
+                                      <p:to>
+                                        <p:strVal val="visible"/>
+                                      </p:to>
+                                    </p:set>
+                                    <p:animEffect transition="in" filter="fade">
+                                      <p:cBhvr>
+                                        <p:cTn id="15" dur="500"/>
+                                        <p:tgtEl>
+                                          <p:spTgt spid="7">
+                                            <p:txEl>
+                                              <p:pRg st="2" end="2"/>
+                                            </p:txEl>
+                                          </p:spTgt>
+                                        </p:tgtEl>
+                                      </p:cBhvr>
+                                    </p:animEffect>
+                                  </p:childTnLst>
+                                </p:cTn>
+                              </p:par>
+                            </p:childTnLst>
+                          </p:cTn>
+                        </p:par>
+                        <p:par>
+                          <p:cTn id="16" fill="hold">
+                            <p:stCondLst>
+                              <p:cond delay="2500"/>
+                            </p:stCondLst>
+                            <p:childTnLst>
+                              <p:par>
+                                <p:cTn id="17" presetID="10" presetClass="entr" presetSubtype="0" fill="hold" nodeType="afterEffect">
+                                  <p:stCondLst>
+                                    <p:cond delay="0"/>
+                                  </p:stCondLst>
+                                  <p:childTnLst>
+                                    <p:set>
+                                      <p:cBhvr>
+                                        <p:cTn id="18" dur="1" fill="hold">
+                                          <p:stCondLst>
+                                            <p:cond delay="0"/>
+                                          </p:stCondLst>
+                                        </p:cTn>
+                                        <p:tgtEl>
+                                          <p:spTgt spid="7">
+                                            <p:txEl>
+                                              <p:pRg st="3" end="3"/>
+                                            </p:txEl>
+                                          </p:spTgt>
+                                        </p:tgtEl>
+                                        <p:attrNameLst>
+                                          <p:attrName>style.visibility</p:attrName>
+                                        </p:attrNameLst>
+                                      </p:cBhvr>
+                                      <p:to>
+                                        <p:strVal val="visible"/>
+                                      </p:to>
+                                    </p:set>
+                                    <p:animEffect transition="in" filter="fade">
+                                      <p:cBhvr>
+                                        <p:cTn id="19" dur="500"/>
+                                        <p:tgtEl>
+                                          <p:spTgt spid="7">
+                                            <p:txEl>
+                                              <p:pRg st="3" end="3"/>
+                                            </p:txEl>
+                                          </p:spTgt>
+                                        </p:tgtEl>
+                                      </p:cBhvr>
+                                    </p:animEffect>
+                                  </p:childTnLst>
+                                </p:cTn>
+                              </p:par>
+                            </p:childTnLst>
+                          </p:cTn>
+                        </p:par>
+                        <p:par>
+                          <p:cTn id="20" fill="hold">
+                            <p:stCondLst>
+                              <p:cond delay="3000"/>
+                            </p:stCondLst>
+                            <p:childTnLst>
+                              <p:par>
+                                <p:cTn id="21" presetID="10" presetClass="entr" presetSubtype="0" fill="hold" nodeType="afterEffect">
+                                  <p:stCondLst>
+                                    <p:cond delay="0"/>
+                                  </p:stCondLst>
+                                  <p:childTnLst>
+                                    <p:set>
+                                      <p:cBhvr>
+                                        <p:cTn id="22" dur="1" fill="hold">
+                                          <p:stCondLst>
+                                            <p:cond delay="0"/>
+                                          </p:stCondLst>
+                                        </p:cTn>
+                                        <p:tgtEl>
+                                          <p:spTgt spid="7">
+                                            <p:txEl>
+                                              <p:pRg st="4" end="4"/>
+                                            </p:txEl>
+                                          </p:spTgt>
+                                        </p:tgtEl>
+                                        <p:attrNameLst>
+                                          <p:attrName>style.visibility</p:attrName>
+                                        </p:attrNameLst>
+                                      </p:cBhvr>
+                                      <p:to>
+                                        <p:strVal val="visible"/>
+                                      </p:to>
+                                    </p:set>
+                                    <p:animEffect transition="in" filter="fade">
+                                      <p:cBhvr>
+                                        <p:cTn id="23" dur="500"/>
+                                        <p:tgtEl>
+                                          <p:spTgt spid="7">
+                                            <p:txEl>
+                                              <p:pRg st="4" end="4"/>
+                                            </p:txEl>
+                                          </p:spTgt>
+                                        </p:tgtEl>
+                                      </p:cBhvr>
+                                    </p:animEffect>
+                                  </p:childTnLst>
+                                </p:cTn>
+                              </p:par>
+                            </p:childTnLst>
+                          </p:cTn>
+                        </p:par>
+                        <p:par>
+                          <p:cTn id="24" fill="hold">
+                            <p:stCondLst>
+                              <p:cond delay="3500"/>
+                            </p:stCondLst>
+                            <p:childTnLst>
+                              <p:par>
+                                <p:cTn id="25" presetID="10" presetClass="entr" presetSubtype="0" fill="hold" nodeType="afterEffect">
+                                  <p:stCondLst>
+                                    <p:cond delay="0"/>
+                                  </p:stCondLst>
+                                  <p:childTnLst>
+                                    <p:set>
+                                      <p:cBhvr>
+                                        <p:cTn id="26" dur="1" fill="hold">
+                                          <p:stCondLst>
+                                            <p:cond delay="0"/>
+                                          </p:stCondLst>
+                                        </p:cTn>
+                                        <p:tgtEl>
+                                          <p:spTgt spid="7">
+                                            <p:txEl>
+                                              <p:pRg st="5" end="5"/>
+                                            </p:txEl>
+                                          </p:spTgt>
+                                        </p:tgtEl>
+                                        <p:attrNameLst>
+                                          <p:attrName>style.visibility</p:attrName>
+                                        </p:attrNameLst>
+                                      </p:cBhvr>
+                                      <p:to>
+                                        <p:strVal val="visible"/>
+                                      </p:to>
+                                    </p:set>
+                                    <p:animEffect transition="in" filter="fade">
+                                      <p:cBhvr>
+                                        <p:cTn id="27" dur="500"/>
+                                        <p:tgtEl>
+                                          <p:spTgt spid="7">
+                                            <p:txEl>
+                                              <p:pRg st="5" end="5"/>
+                                            </p:txEl>
+                                          </p:spTgt>
+                                        </p:tgtEl>
+                                      </p:cBhvr>
+                                    </p:animEffect>
+                                  </p:childTnLst>
+                                </p:cTn>
+                              </p:par>
+                            </p:childTnLst>
+                          </p:cTn>
+                        </p:par>
+                        <p:par>
+                          <p:cTn id="28" fill="hold">
+                            <p:stCondLst>
+                              <p:cond delay="4000"/>
+                            </p:stCondLst>
+                            <p:childTnLst>
+                              <p:par>
+                                <p:cTn id="29" presetID="10" presetClass="entr" presetSubtype="0" fill="hold" nodeType="afterEffect">
+                                  <p:stCondLst>
+                                    <p:cond delay="0"/>
+                                  </p:stCondLst>
+                                  <p:childTnLst>
+                                    <p:set>
+                                      <p:cBhvr>
+                                        <p:cTn id="30" dur="1" fill="hold">
+                                          <p:stCondLst>
+                                            <p:cond delay="0"/>
+                                          </p:stCondLst>
+                                        </p:cTn>
+                                        <p:tgtEl>
+                                          <p:spTgt spid="7">
+                                            <p:txEl>
+                                              <p:pRg st="6" end="6"/>
+                                            </p:txEl>
+                                          </p:spTgt>
+                                        </p:tgtEl>
+                                        <p:attrNameLst>
+                                          <p:attrName>style.visibility</p:attrName>
+                                        </p:attrNameLst>
+                                      </p:cBhvr>
+                                      <p:to>
+                                        <p:strVal val="visible"/>
+                                      </p:to>
+                                    </p:set>
+                                    <p:animEffect transition="in" filter="fade">
+                                      <p:cBhvr>
+                                        <p:cTn id="31" dur="500"/>
+                                        <p:tgtEl>
+                                          <p:spTgt spid="7">
+                                            <p:txEl>
+                                              <p:pRg st="6" end="6"/>
+                                            </p:txEl>
+                                          </p:spTgt>
+                                        </p:tgtEl>
+                                      </p:cBhvr>
+                                    </p:animEffect>
+                                  </p:childTnLst>
+                                </p:cTn>
+                              </p:par>
+                            </p:childTnLst>
+                          </p:cTn>
+                        </p:par>
+                      </p:childTnLst>
+                    </p:cTn>
+                  </p:par>
+                  <p:par>
+                    <p:cTn id="32" fill="hold">
+                      <p:stCondLst>
+                        <p:cond delay="indefinite"/>
+                      </p:stCondLst>
+                      <p:childTnLst>
+                        <p:par>
+                          <p:cTn id="33" fill="hold">
+                            <p:stCondLst>
+                              <p:cond delay="0"/>
+                            </p:stCondLst>
+                            <p:childTnLst>
+                              <p:par>
+                                <p:cTn id="34" presetID="9" presetClass="emph" presetSubtype="0" nodeType="clickEffect">
+                                  <p:stCondLst>
+                                    <p:cond delay="0"/>
+                                  </p:stCondLst>
+                                  <p:childTnLst>
+                                    <p:set>
+                                      <p:cBhvr>
+                                        <p:cTn id="35" dur="indefinite"/>
+                                        <p:tgtEl>
+                                          <p:spTgt spid="7">
+                                            <p:txEl>
+                                              <p:pRg st="3" end="3"/>
+                                            </p:txEl>
+                                          </p:spTgt>
+                                        </p:tgtEl>
+                                        <p:attrNameLst>
+                                          <p:attrName>style.opacity</p:attrName>
+                                        </p:attrNameLst>
+                                      </p:cBhvr>
+                                      <p:to>
+                                        <p:strVal val="0.5"/>
+                                      </p:to>
+                                    </p:set>
+                                    <p:animEffect filter="image" prLst="opacity: 0.5">
+                                      <p:cBhvr rctx="IE">
+                                        <p:cTn id="36" dur="indefinite"/>
+                                        <p:tgtEl>
+                                          <p:spTgt spid="7">
+                                            <p:txEl>
+                                              <p:pRg st="3" end="3"/>
+                                            </p:txEl>
+                                          </p:spTgt>
+                                        </p:tgtEl>
+                                      </p:cBhvr>
+                                    </p:animEffect>
+                                  </p:childTnLst>
+                                </p:cTn>
+                              </p:par>
+                              <p:par>
+                                <p:cTn id="37" presetID="24" presetClass="emph" presetSubtype="0" fill="hold" nodeType="withEffect">
+                                  <p:stCondLst>
+                                    <p:cond delay="0"/>
+                                  </p:stCondLst>
+                                  <p:childTnLst>
+                                    <p:animClr clrSpc="hsl" dir="cw">
+                                      <p:cBhvr override="childStyle">
+                                        <p:cTn id="38" dur="500" fill="hold"/>
+                                        <p:tgtEl>
+                                          <p:spTgt spid="7">
+                                            <p:txEl>
+                                              <p:pRg st="4" end="4"/>
+                                            </p:txEl>
+                                          </p:spTgt>
+                                        </p:tgtEl>
+                                        <p:attrNameLst>
+                                          <p:attrName>style.color</p:attrName>
+                                        </p:attrNameLst>
+                                      </p:cBhvr>
+                                      <p:by>
+                                        <p:hsl h="0" s="-12549" l="-25098"/>
+                                      </p:by>
+                                    </p:animClr>
+                                    <p:animClr clrSpc="hsl" dir="cw">
+                                      <p:cBhvr>
+                                        <p:cTn id="39" dur="500" fill="hold"/>
+                                        <p:tgtEl>
+                                          <p:spTgt spid="7">
+                                            <p:txEl>
+                                              <p:pRg st="4" end="4"/>
+                                            </p:txEl>
+                                          </p:spTgt>
+                                        </p:tgtEl>
+                                        <p:attrNameLst>
+                                          <p:attrName>fillcolor</p:attrName>
+                                        </p:attrNameLst>
+                                      </p:cBhvr>
+                                      <p:by>
+                                        <p:hsl h="0" s="-12549" l="-25098"/>
+                                      </p:by>
+                                    </p:animClr>
+                                    <p:animClr clrSpc="hsl" dir="cw">
+                                      <p:cBhvr>
+                                        <p:cTn id="40" dur="500" fill="hold"/>
+                                        <p:tgtEl>
+                                          <p:spTgt spid="7">
+                                            <p:txEl>
+                                              <p:pRg st="4" end="4"/>
+                                            </p:txEl>
+                                          </p:spTgt>
+                                        </p:tgtEl>
+                                        <p:attrNameLst>
+                                          <p:attrName>stroke.color</p:attrName>
+                                        </p:attrNameLst>
+                                      </p:cBhvr>
+                                      <p:by>
+                                        <p:hsl h="0" s="-12549" l="-25098"/>
+                                      </p:by>
+                                    </p:animClr>
+                                    <p:set>
+                                      <p:cBhvr>
+                                        <p:cTn id="41" dur="500" fill="hold"/>
+                                        <p:tgtEl>
+                                          <p:spTgt spid="7">
+                                            <p:txEl>
+                                              <p:pRg st="4" end="4"/>
+                                            </p:txEl>
+                                          </p:spTgt>
+                                        </p:tgtEl>
+                                        <p:attrNameLst>
+                                          <p:attrName>fill.type</p:attrName>
+                                        </p:attrNameLst>
+                                      </p:cBhvr>
+                                      <p:to>
+                                        <p:strVal val="solid"/>
+                                      </p:to>
+                                    </p:set>
+                                  </p:childTnLst>
+                                </p:cTn>
+                              </p:par>
+                              <p:par>
+                                <p:cTn id="42" presetID="9" presetClass="emph" presetSubtype="0" nodeType="withEffect">
+                                  <p:stCondLst>
+                                    <p:cond delay="0"/>
+                                  </p:stCondLst>
+                                  <p:childTnLst>
+                                    <p:set>
+                                      <p:cBhvr>
+                                        <p:cTn id="43" dur="indefinite"/>
+                                        <p:tgtEl>
+                                          <p:spTgt spid="7">
+                                            <p:txEl>
+                                              <p:pRg st="5" end="5"/>
+                                            </p:txEl>
+                                          </p:spTgt>
+                                        </p:tgtEl>
+                                        <p:attrNameLst>
+                                          <p:attrName>style.opacity</p:attrName>
+                                        </p:attrNameLst>
+                                      </p:cBhvr>
+                                      <p:to>
+                                        <p:strVal val="0.5"/>
+                                      </p:to>
+                                    </p:set>
+                                    <p:animEffect filter="image" prLst="opacity: 0.5">
+                                      <p:cBhvr rctx="IE">
+                                        <p:cTn id="44" dur="indefinite"/>
+                                        <p:tgtEl>
+                                          <p:spTgt spid="7">
+                                            <p:txEl>
+                                              <p:pRg st="5" end="5"/>
+                                            </p:txEl>
+                                          </p:spTgt>
+                                        </p:tgtEl>
+                                      </p:cBhvr>
+                                    </p:animEffect>
+                                  </p:childTnLst>
+                                </p:cTn>
+                              </p:par>
+                              <p:par>
+                                <p:cTn id="45" presetID="9" presetClass="emph" presetSubtype="0" nodeType="withEffect">
+                                  <p:stCondLst>
+                                    <p:cond delay="0"/>
+                                  </p:stCondLst>
+                                  <p:childTnLst>
+                                    <p:set>
+                                      <p:cBhvr>
+                                        <p:cTn id="46" dur="indefinite"/>
+                                        <p:tgtEl>
+                                          <p:spTgt spid="7">
+                                            <p:txEl>
+                                              <p:pRg st="6" end="6"/>
+                                            </p:txEl>
+                                          </p:spTgt>
+                                        </p:tgtEl>
+                                        <p:attrNameLst>
+                                          <p:attrName>style.opacity</p:attrName>
+                                        </p:attrNameLst>
+                                      </p:cBhvr>
+                                      <p:to>
+                                        <p:strVal val="0.5"/>
+                                      </p:to>
+                                    </p:set>
+                                    <p:animEffect filter="image" prLst="opacity: 0.5">
+                                      <p:cBhvr rctx="IE">
+                                        <p:cTn id="47" dur="indefinite"/>
+                                        <p:tgtEl>
+                                          <p:spTgt spid="7">
+                                            <p:txEl>
+                                              <p:pRg st="6" end="6"/>
+                                            </p:txEl>
+                                          </p:spTgt>
+                                        </p:tgtEl>
+                                      </p:cBhvr>
+                                    </p:animEffect>
+                                  </p:childTnLst>
+                                </p:cTn>
+                              </p:par>
+                              <p:par>
+                                <p:cTn id="48" presetID="9" presetClass="emph" presetSubtype="0" nodeType="withEffect">
+                                  <p:stCondLst>
+                                    <p:cond delay="0"/>
+                                  </p:stCondLst>
+                                  <p:childTnLst>
+                                    <p:set>
+                                      <p:cBhvr>
+                                        <p:cTn id="49" dur="indefinite"/>
+                                        <p:tgtEl>
+                                          <p:spTgt spid="7">
+                                            <p:txEl>
+                                              <p:pRg st="0" end="0"/>
+                                            </p:txEl>
+                                          </p:spTgt>
+                                        </p:tgtEl>
+                                        <p:attrNameLst>
+                                          <p:attrName>style.opacity</p:attrName>
+                                        </p:attrNameLst>
+                                      </p:cBhvr>
+                                      <p:to>
+                                        <p:strVal val="0.5"/>
+                                      </p:to>
+                                    </p:set>
+                                    <p:animEffect filter="image" prLst="opacity: 0.5">
+                                      <p:cBhvr rctx="IE">
+                                        <p:cTn id="50" dur="indefinite"/>
+                                        <p:tgtEl>
+                                          <p:spTgt spid="7">
+                                            <p:txEl>
+                                              <p:pRg st="0" end="0"/>
+                                            </p:txEl>
+                                          </p:spTgt>
+                                        </p:tgtEl>
+                                      </p:cBhvr>
+                                    </p:animEffect>
+                                  </p:childTnLst>
+                                </p:cTn>
+                              </p:par>
+                              <p:par>
+                                <p:cTn id="51" presetID="9" presetClass="emph" presetSubtype="0" nodeType="withEffect">
+                                  <p:stCondLst>
+                                    <p:cond delay="0"/>
+                                  </p:stCondLst>
+                                  <p:childTnLst>
+                                    <p:set>
+                                      <p:cBhvr>
+                                        <p:cTn id="52" dur="indefinite"/>
+                                        <p:tgtEl>
+                                          <p:spTgt spid="7">
+                                            <p:txEl>
+                                              <p:pRg st="1" end="1"/>
+                                            </p:txEl>
+                                          </p:spTgt>
+                                        </p:tgtEl>
+                                        <p:attrNameLst>
+                                          <p:attrName>style.opacity</p:attrName>
+                                        </p:attrNameLst>
+                                      </p:cBhvr>
+                                      <p:to>
+                                        <p:strVal val="0.5"/>
+                                      </p:to>
+                                    </p:set>
+                                    <p:animEffect filter="image" prLst="opacity: 0.5">
+                                      <p:cBhvr rctx="IE">
+                                        <p:cTn id="53" dur="indefinite"/>
+                                        <p:tgtEl>
+                                          <p:spTgt spid="7">
+                                            <p:txEl>
+                                              <p:pRg st="1" end="1"/>
+                                            </p:txEl>
+                                          </p:spTgt>
+                                        </p:tgtEl>
+                                      </p:cBhvr>
+                                    </p:animEffect>
+                                  </p:childTnLst>
+                                </p:cTn>
+                              </p:par>
+                              <p:par>
+                                <p:cTn id="54" presetID="9" presetClass="emph" presetSubtype="0" nodeType="withEffect">
+                                  <p:stCondLst>
+                                    <p:cond delay="0"/>
+                                  </p:stCondLst>
+                                  <p:childTnLst>
+                                    <p:set>
+                                      <p:cBhvr>
+                                        <p:cTn id="55" dur="indefinite"/>
+                                        <p:tgtEl>
+                                          <p:spTgt spid="7">
+                                            <p:txEl>
+                                              <p:pRg st="2" end="2"/>
+                                            </p:txEl>
+                                          </p:spTgt>
+                                        </p:tgtEl>
+                                        <p:attrNameLst>
+                                          <p:attrName>style.opacity</p:attrName>
+                                        </p:attrNameLst>
+                                      </p:cBhvr>
+                                      <p:to>
+                                        <p:strVal val="0.5"/>
+                                      </p:to>
+                                    </p:set>
+                                    <p:animEffect filter="image" prLst="opacity: 0.5">
+                                      <p:cBhvr rctx="IE">
+                                        <p:cTn id="56" dur="indefinite"/>
+                                        <p:tgtEl>
+                                          <p:spTgt spid="7">
+                                            <p:txEl>
+                                              <p:pRg st="2" end="2"/>
+                                            </p:txEl>
+                                          </p:spTgt>
+                                        </p:tgtEl>
+                                      </p:cBhvr>
+                                    </p:animEffect>
+                                  </p:childTnLst>
+                                </p:cTn>
+                              </p:par>
+                            </p:childTnLst>
+                          </p:cTn>
+                        </p:par>
+                      </p:childTnLst>
+                    </p:cTn>
+                  </p:par>
+                </p:childTnLst>
+              </p:cTn>
+              <p:prevCondLst>
+                <p:cond evt="onPrev" delay="0">
+                  <p:tgtEl>
+                    <p:sldTgt/>
+                  </p:tgtEl>
+                </p:cond>
+              </p:prevCondLst>
+              <p:nextCondLst>
+                <p:cond evt="onNext" delay="0">
+                  <p:tgtEl>
+                    <p:sldTgt/>
+                  </p:tgtEl>
+                </p:cond>
+              </p:nextCondLst>
+            </p:seq>
+          </p:childTnLst>
+        </p:cTn>
+      </p:par>
+    </p:tnLst>
+  </p:timing>
+</p:sld>
+</file>
+
+<file path=ppt/slides/slide15.xml><?xml version="1.0" encoding="utf-8"?>
+<p:sld xmlns:a="http://schemas.openxmlformats.org/drawingml/2006/main" xmlns:r="http://schemas.openxmlformats.org/officeDocument/2006/relationships" xmlns:p="http://schemas.openxmlformats.org/presentationml/2006/main">
+  <p:cSld>
+    <p:spTree>
+      <p:nvGrpSpPr>
+        <p:cNvPr id="1" name=""/>
+        <p:cNvGrpSpPr/>
+        <p:nvPr/>
+      </p:nvGrpSpPr>
+      <p:grpSpPr>
+        <a:xfrm>
+          <a:off x="0" y="0"/>
+          <a:ext cx="0" cy="0"/>
+          <a:chOff x="0" y="0"/>
+          <a:chExt cx="0" cy="0"/>
+        </a:xfrm>
+      </p:grpSpPr>
+      <p:sp>
+        <p:nvSpPr>
+          <p:cNvPr id="2" name="Espace réservé du texte 1">
+            <a:extLst>
+              <a:ext uri="{FF2B5EF4-FFF2-40B4-BE49-F238E27FC236}">
+                <a16:creationId xmlns:a16="http://schemas.microsoft.com/office/drawing/2014/main" id="{A5D22A43-D8DF-475F-9F8A-FE8EC6ECBCFC}"/>
+              </a:ext>
+            </a:extLst>
+          </p:cNvPr>
+          <p:cNvSpPr>
+            <a:spLocks noGrp="1"/>
+          </p:cNvSpPr>
+          <p:nvPr>
+            <p:ph type="body" idx="1"/>
+          </p:nvPr>
+        </p:nvSpPr>
+        <p:spPr/>
+        <p:txBody>
+          <a:bodyPr/>
+          <a:lstStyle/>
+          <a:p>
+            <a:r>
+              <a:rPr lang="fr-BE" dirty="0"/>
+              <a:t>AppData.xml</a:t>
+            </a:r>
+          </a:p>
+        </p:txBody>
+      </p:sp>
+      <p:sp>
+        <p:nvSpPr>
+          <p:cNvPr id="3" name="Espace réservé du contenu 2">
+            <a:extLst>
+              <a:ext uri="{FF2B5EF4-FFF2-40B4-BE49-F238E27FC236}">
+                <a16:creationId xmlns:a16="http://schemas.microsoft.com/office/drawing/2014/main" id="{DAF026D2-9881-4540-BDE4-169AC03DA0F5}"/>
+              </a:ext>
+            </a:extLst>
+          </p:cNvPr>
+          <p:cNvSpPr>
+            <a:spLocks noGrp="1"/>
+          </p:cNvSpPr>
+          <p:nvPr>
+            <p:ph sz="half" idx="2"/>
+          </p:nvPr>
+        </p:nvSpPr>
+        <p:spPr>
+          <a:xfrm>
+            <a:off x="1598610" y="945789"/>
+            <a:ext cx="4895056" cy="4937486"/>
+          </a:xfrm>
+        </p:spPr>
+        <p:txBody>
+          <a:bodyPr>
+            <a:normAutofit/>
+          </a:bodyPr>
+          <a:lstStyle/>
+          <a:p>
+            <a:pPr marL="0" indent="0">
+              <a:buNone/>
+            </a:pPr>
+            <a:r>
+              <a:rPr lang="fr-BE" sz="1700" dirty="0">
+                <a:latin typeface="Comic Sans MS" panose="030F0702030302020204" pitchFamily="66" charset="0"/>
+              </a:rPr>
+              <a:t>…</a:t>
+            </a:r>
+          </a:p>
+          <a:p>
+            <a:pPr marL="0" indent="0">
+              <a:buNone/>
+            </a:pPr>
+            <a:r>
+              <a:rPr lang="fr-BE" sz="1700" b="1" dirty="0">
+                <a:solidFill>
+                  <a:schemeClr val="accent1">
+                    <a:lumMod val="50000"/>
+                  </a:schemeClr>
+                </a:solidFill>
+                <a:latin typeface="Comic Sans MS" panose="030F0702030302020204" pitchFamily="66" charset="0"/>
+              </a:rPr>
+              <a:t>&lt;Data&gt;</a:t>
+            </a:r>
+          </a:p>
+          <a:p>
+            <a:pPr marL="0" indent="0">
+              <a:buNone/>
+            </a:pPr>
+            <a:r>
+              <a:rPr lang="fr-BE" sz="1700" dirty="0">
+                <a:latin typeface="Comic Sans MS" panose="030F0702030302020204" pitchFamily="66" charset="0"/>
+              </a:rPr>
+              <a:t>	&lt;General&gt;…&lt;/General&gt;</a:t>
+            </a:r>
+          </a:p>
+          <a:p>
+            <a:pPr marL="0" indent="0">
+              <a:buNone/>
+            </a:pPr>
+            <a:r>
+              <a:rPr lang="fr-BE" sz="1700" dirty="0">
+                <a:latin typeface="Comic Sans MS" panose="030F0702030302020204" pitchFamily="66" charset="0"/>
+              </a:rPr>
+              <a:t>	</a:t>
+            </a:r>
+            <a:r>
+              <a:rPr lang="fr-BE" sz="1700" b="1" dirty="0">
+                <a:solidFill>
+                  <a:schemeClr val="accent2">
+                    <a:lumMod val="50000"/>
+                  </a:schemeClr>
+                </a:solidFill>
+                <a:latin typeface="Comic Sans MS" panose="030F0702030302020204" pitchFamily="66" charset="0"/>
+              </a:rPr>
+              <a:t>&lt;</a:t>
+            </a:r>
+            <a:r>
+              <a:rPr lang="fr-BE" sz="1700" b="1" dirty="0" err="1">
+                <a:solidFill>
+                  <a:schemeClr val="accent2">
+                    <a:lumMod val="50000"/>
+                  </a:schemeClr>
+                </a:solidFill>
+                <a:latin typeface="Comic Sans MS" panose="030F0702030302020204" pitchFamily="66" charset="0"/>
+              </a:rPr>
+              <a:t>Steps</a:t>
+            </a:r>
+            <a:r>
+              <a:rPr lang="fr-BE" sz="1700" b="1" dirty="0">
+                <a:solidFill>
+                  <a:schemeClr val="accent2">
+                    <a:lumMod val="50000"/>
+                  </a:schemeClr>
+                </a:solidFill>
+                <a:latin typeface="Comic Sans MS" panose="030F0702030302020204" pitchFamily="66" charset="0"/>
+              </a:rPr>
+              <a:t>&gt;</a:t>
+            </a:r>
+          </a:p>
+          <a:p>
+            <a:pPr marL="0" indent="0">
+              <a:buNone/>
+            </a:pPr>
+            <a:r>
+              <a:rPr lang="fr-BE" sz="1700" dirty="0">
+                <a:latin typeface="Comic Sans MS" panose="030F0702030302020204" pitchFamily="66" charset="0"/>
+              </a:rPr>
+              <a:t>		</a:t>
+            </a:r>
+            <a:r>
+              <a:rPr lang="fr-BE" sz="1700" b="1" dirty="0">
+                <a:solidFill>
+                  <a:srgbClr val="FF0000"/>
+                </a:solidFill>
+                <a:latin typeface="Comic Sans MS" panose="030F0702030302020204" pitchFamily="66" charset="0"/>
+              </a:rPr>
+              <a:t>&lt;</a:t>
+            </a:r>
+            <a:r>
+              <a:rPr lang="fr-BE" sz="1700" b="1" dirty="0" err="1">
+                <a:solidFill>
+                  <a:srgbClr val="FF0000"/>
+                </a:solidFill>
+                <a:latin typeface="Comic Sans MS" panose="030F0702030302020204" pitchFamily="66" charset="0"/>
+              </a:rPr>
+              <a:t>Step</a:t>
+            </a:r>
+            <a:r>
+              <a:rPr lang="fr-BE" sz="1700" b="1" dirty="0">
+                <a:solidFill>
+                  <a:srgbClr val="FF0000"/>
+                </a:solidFill>
+                <a:latin typeface="Comic Sans MS" panose="030F0702030302020204" pitchFamily="66" charset="0"/>
+              </a:rPr>
+              <a:t>&gt;</a:t>
+            </a:r>
+          </a:p>
+          <a:p>
+            <a:pPr marL="0" indent="0">
+              <a:buNone/>
+            </a:pPr>
+            <a:r>
+              <a:rPr lang="fr-BE" sz="1700" dirty="0">
+                <a:latin typeface="Comic Sans MS" panose="030F0702030302020204" pitchFamily="66" charset="0"/>
+              </a:rPr>
+              <a:t>			&lt;Name&gt;</a:t>
+            </a:r>
+            <a:r>
+              <a:rPr lang="fr-BE" sz="1700" dirty="0" err="1">
+                <a:latin typeface="Comic Sans MS" panose="030F0702030302020204" pitchFamily="66" charset="0"/>
+              </a:rPr>
+              <a:t>Create</a:t>
+            </a:r>
+            <a:r>
+              <a:rPr lang="fr-BE" sz="1700" dirty="0">
+                <a:latin typeface="Comic Sans MS" panose="030F0702030302020204" pitchFamily="66" charset="0"/>
+              </a:rPr>
+              <a:t> Vlan 10&lt;/Name&gt;</a:t>
+            </a:r>
+          </a:p>
+          <a:p>
+            <a:pPr marL="0" indent="0">
+              <a:buNone/>
+            </a:pPr>
+            <a:r>
+              <a:rPr lang="fr-BE" sz="1700" dirty="0">
+                <a:latin typeface="Comic Sans MS" panose="030F0702030302020204" pitchFamily="66" charset="0"/>
+              </a:rPr>
+              <a:t>			&lt;</a:t>
+            </a:r>
+            <a:r>
+              <a:rPr lang="fr-BE" sz="1700" dirty="0" err="1">
+                <a:latin typeface="Comic Sans MS" panose="030F0702030302020204" pitchFamily="66" charset="0"/>
+              </a:rPr>
+              <a:t>Yasc</a:t>
+            </a:r>
+            <a:r>
+              <a:rPr lang="fr-BE" sz="1700" dirty="0">
+                <a:latin typeface="Comic Sans MS" panose="030F0702030302020204" pitchFamily="66" charset="0"/>
+              </a:rPr>
+              <a:t>&gt;Switch-Vlan&lt;/</a:t>
+            </a:r>
+            <a:r>
+              <a:rPr lang="fr-BE" sz="1700" dirty="0" err="1">
+                <a:latin typeface="Comic Sans MS" panose="030F0702030302020204" pitchFamily="66" charset="0"/>
+              </a:rPr>
+              <a:t>Yasc</a:t>
+            </a:r>
+            <a:r>
+              <a:rPr lang="fr-BE" sz="1700" dirty="0">
+                <a:latin typeface="Comic Sans MS" panose="030F0702030302020204" pitchFamily="66" charset="0"/>
+              </a:rPr>
+              <a:t>&gt;</a:t>
+            </a:r>
+          </a:p>
+          <a:p>
+            <a:pPr marL="0" indent="0">
+              <a:buNone/>
+            </a:pPr>
+            <a:r>
+              <a:rPr lang="fr-BE" sz="1700" dirty="0">
+                <a:latin typeface="Comic Sans MS" panose="030F0702030302020204" pitchFamily="66" charset="0"/>
+              </a:rPr>
+              <a:t>			&lt;</a:t>
+            </a:r>
+            <a:r>
+              <a:rPr lang="fr-BE" sz="1700" dirty="0" err="1">
+                <a:latin typeface="Comic Sans MS" panose="030F0702030302020204" pitchFamily="66" charset="0"/>
+              </a:rPr>
+              <a:t>Param</a:t>
+            </a:r>
+            <a:r>
+              <a:rPr lang="fr-BE" sz="1700" dirty="0">
+                <a:latin typeface="Comic Sans MS" panose="030F0702030302020204" pitchFamily="66" charset="0"/>
+              </a:rPr>
+              <a:t>&gt; … &lt;/</a:t>
+            </a:r>
+            <a:r>
+              <a:rPr lang="fr-BE" sz="1700" dirty="0" err="1">
+                <a:latin typeface="Comic Sans MS" panose="030F0702030302020204" pitchFamily="66" charset="0"/>
+              </a:rPr>
+              <a:t>Param</a:t>
+            </a:r>
+            <a:r>
+              <a:rPr lang="fr-BE" sz="1700" dirty="0">
+                <a:latin typeface="Comic Sans MS" panose="030F0702030302020204" pitchFamily="66" charset="0"/>
+              </a:rPr>
+              <a:t>&gt;</a:t>
+            </a:r>
+          </a:p>
+          <a:p>
+            <a:pPr marL="0" indent="0">
+              <a:buNone/>
+            </a:pPr>
+            <a:r>
+              <a:rPr lang="fr-BE" sz="1700" dirty="0">
+                <a:latin typeface="Comic Sans MS" panose="030F0702030302020204" pitchFamily="66" charset="0"/>
+              </a:rPr>
+              <a:t>		</a:t>
+            </a:r>
+            <a:r>
+              <a:rPr lang="fr-BE" sz="1700" b="1" dirty="0">
+                <a:solidFill>
+                  <a:srgbClr val="FF0000"/>
+                </a:solidFill>
+                <a:latin typeface="Comic Sans MS" panose="030F0702030302020204" pitchFamily="66" charset="0"/>
+              </a:rPr>
+              <a:t>&lt;/</a:t>
+            </a:r>
+            <a:r>
+              <a:rPr lang="fr-BE" sz="1700" b="1" dirty="0" err="1">
+                <a:solidFill>
+                  <a:srgbClr val="FF0000"/>
+                </a:solidFill>
+                <a:latin typeface="Comic Sans MS" panose="030F0702030302020204" pitchFamily="66" charset="0"/>
+              </a:rPr>
+              <a:t>Step</a:t>
+            </a:r>
+            <a:r>
+              <a:rPr lang="fr-BE" sz="1700" b="1" dirty="0">
+                <a:solidFill>
+                  <a:srgbClr val="FF0000"/>
+                </a:solidFill>
+                <a:latin typeface="Comic Sans MS" panose="030F0702030302020204" pitchFamily="66" charset="0"/>
+              </a:rPr>
+              <a:t>&gt;</a:t>
+            </a:r>
+          </a:p>
+          <a:p>
+            <a:pPr marL="0" indent="0">
+              <a:buNone/>
+            </a:pPr>
+            <a:r>
+              <a:rPr lang="fr-BE" sz="1700" dirty="0">
+                <a:latin typeface="Comic Sans MS" panose="030F0702030302020204" pitchFamily="66" charset="0"/>
+              </a:rPr>
+              <a:t>	…</a:t>
+            </a:r>
+          </a:p>
+          <a:p>
+            <a:pPr marL="0" indent="0">
+              <a:buNone/>
+            </a:pPr>
+            <a:r>
+              <a:rPr lang="fr-BE" sz="1700" dirty="0">
+                <a:latin typeface="Comic Sans MS" panose="030F0702030302020204" pitchFamily="66" charset="0"/>
+              </a:rPr>
+              <a:t>	</a:t>
+            </a:r>
+            <a:r>
+              <a:rPr lang="fr-BE" sz="1700" b="1" dirty="0">
+                <a:solidFill>
+                  <a:schemeClr val="accent2">
+                    <a:lumMod val="50000"/>
+                  </a:schemeClr>
+                </a:solidFill>
+                <a:latin typeface="Comic Sans MS" panose="030F0702030302020204" pitchFamily="66" charset="0"/>
+              </a:rPr>
+              <a:t>&lt;/</a:t>
+            </a:r>
+            <a:r>
+              <a:rPr lang="fr-BE" sz="1700" b="1" dirty="0" err="1">
+                <a:solidFill>
+                  <a:schemeClr val="accent2">
+                    <a:lumMod val="50000"/>
+                  </a:schemeClr>
+                </a:solidFill>
+                <a:latin typeface="Comic Sans MS" panose="030F0702030302020204" pitchFamily="66" charset="0"/>
+              </a:rPr>
+              <a:t>Steps</a:t>
+            </a:r>
+            <a:r>
+              <a:rPr lang="fr-BE" sz="1700" b="1" dirty="0">
+                <a:solidFill>
+                  <a:schemeClr val="accent2">
+                    <a:lumMod val="50000"/>
+                  </a:schemeClr>
+                </a:solidFill>
+                <a:latin typeface="Comic Sans MS" panose="030F0702030302020204" pitchFamily="66" charset="0"/>
+              </a:rPr>
+              <a:t>&gt;</a:t>
+            </a:r>
+          </a:p>
+          <a:p>
+            <a:pPr marL="0" indent="0">
+              <a:buNone/>
+            </a:pPr>
+            <a:r>
+              <a:rPr lang="fr-BE" sz="1700" b="1" dirty="0">
+                <a:solidFill>
+                  <a:schemeClr val="accent1">
+                    <a:lumMod val="50000"/>
+                  </a:schemeClr>
+                </a:solidFill>
+                <a:latin typeface="Comic Sans MS" panose="030F0702030302020204" pitchFamily="66" charset="0"/>
+              </a:rPr>
+              <a:t>&lt;/Data&gt;</a:t>
+            </a:r>
+          </a:p>
+        </p:txBody>
+      </p:sp>
+      <p:sp>
+        <p:nvSpPr>
+          <p:cNvPr id="4" name="Espace réservé du texte 3">
+            <a:extLst>
+              <a:ext uri="{FF2B5EF4-FFF2-40B4-BE49-F238E27FC236}">
+                <a16:creationId xmlns:a16="http://schemas.microsoft.com/office/drawing/2014/main" id="{971E558F-1D2E-4C2A-AA83-36D5668D32BE}"/>
+              </a:ext>
+            </a:extLst>
+          </p:cNvPr>
+          <p:cNvSpPr>
+            <a:spLocks noGrp="1"/>
+          </p:cNvSpPr>
+          <p:nvPr>
+            <p:ph type="body" sz="quarter" idx="3"/>
+          </p:nvPr>
+        </p:nvSpPr>
+        <p:spPr/>
+        <p:txBody>
+          <a:bodyPr/>
+          <a:lstStyle/>
+          <a:p>
+            <a:r>
+              <a:rPr lang="fr-BE" dirty="0"/>
+              <a:t>YascEngine.xml</a:t>
+            </a:r>
+          </a:p>
+        </p:txBody>
+      </p:sp>
+      <p:sp>
+        <p:nvSpPr>
+          <p:cNvPr id="5" name="Espace réservé du contenu 4">
+            <a:extLst>
+              <a:ext uri="{FF2B5EF4-FFF2-40B4-BE49-F238E27FC236}">
+                <a16:creationId xmlns:a16="http://schemas.microsoft.com/office/drawing/2014/main" id="{770ED445-DAAB-44BF-B7FD-128567FFD81B}"/>
+              </a:ext>
+            </a:extLst>
+          </p:cNvPr>
+          <p:cNvSpPr>
+            <a:spLocks noGrp="1"/>
+          </p:cNvSpPr>
+          <p:nvPr>
+            <p:ph sz="quarter" idx="4"/>
+          </p:nvPr>
+        </p:nvSpPr>
+        <p:spPr>
+          <a:xfrm>
+            <a:off x="6701246" y="917031"/>
+            <a:ext cx="4916077" cy="4966243"/>
+          </a:xfrm>
+        </p:spPr>
+        <p:txBody>
+          <a:bodyPr>
+            <a:normAutofit fontScale="77500" lnSpcReduction="20000"/>
+          </a:bodyPr>
+          <a:lstStyle/>
+          <a:p>
+            <a:pPr marL="0" indent="0">
+              <a:buNone/>
+            </a:pPr>
+            <a:r>
+              <a:rPr lang="fr-BE" dirty="0">
+                <a:latin typeface="Comic Sans MS" panose="030F0702030302020204" pitchFamily="66" charset="0"/>
+              </a:rPr>
+              <a:t>…</a:t>
+            </a:r>
+          </a:p>
+          <a:p>
+            <a:pPr marL="0" indent="0">
+              <a:buNone/>
+            </a:pPr>
+            <a:r>
+              <a:rPr lang="fr-BE" sz="1900" b="1" dirty="0">
+                <a:solidFill>
+                  <a:schemeClr val="accent1">
+                    <a:lumMod val="50000"/>
+                  </a:schemeClr>
+                </a:solidFill>
+                <a:latin typeface="Comic Sans MS" panose="030F0702030302020204" pitchFamily="66" charset="0"/>
+              </a:rPr>
+              <a:t>&lt;Engine&gt;</a:t>
+            </a:r>
+          </a:p>
+          <a:p>
+            <a:pPr marL="0" indent="0">
+              <a:buNone/>
+            </a:pPr>
+            <a:r>
+              <a:rPr lang="fr-BE" sz="1900" b="1" dirty="0">
+                <a:latin typeface="Comic Sans MS" panose="030F0702030302020204" pitchFamily="66" charset="0"/>
+              </a:rPr>
+              <a:t>	</a:t>
+            </a:r>
+            <a:r>
+              <a:rPr lang="fr-BE" sz="1900" b="1" dirty="0">
+                <a:solidFill>
+                  <a:schemeClr val="accent2">
+                    <a:lumMod val="50000"/>
+                  </a:schemeClr>
+                </a:solidFill>
+                <a:latin typeface="Comic Sans MS" panose="030F0702030302020204" pitchFamily="66" charset="0"/>
+              </a:rPr>
+              <a:t>&lt;Tests&gt;</a:t>
+            </a:r>
+          </a:p>
+          <a:p>
+            <a:pPr marL="0" indent="0">
+              <a:buNone/>
+            </a:pPr>
+            <a:r>
+              <a:rPr lang="fr-BE" sz="1900" dirty="0">
+                <a:latin typeface="Comic Sans MS" panose="030F0702030302020204" pitchFamily="66" charset="0"/>
+              </a:rPr>
+              <a:t>		…</a:t>
+            </a:r>
+            <a:endParaRPr lang="fr-BE" sz="1900" dirty="0">
+              <a:solidFill>
+                <a:schemeClr val="accent2">
+                  <a:lumMod val="50000"/>
+                </a:schemeClr>
+              </a:solidFill>
+              <a:latin typeface="Comic Sans MS" panose="030F0702030302020204" pitchFamily="66" charset="0"/>
+            </a:endParaRPr>
+          </a:p>
+          <a:p>
+            <a:pPr marL="0" indent="0">
+              <a:buNone/>
+            </a:pPr>
+            <a:r>
+              <a:rPr lang="fr-BE" sz="1900" dirty="0">
+                <a:solidFill>
+                  <a:schemeClr val="accent2">
+                    <a:lumMod val="50000"/>
+                  </a:schemeClr>
+                </a:solidFill>
+                <a:latin typeface="Comic Sans MS" panose="030F0702030302020204" pitchFamily="66" charset="0"/>
+              </a:rPr>
+              <a:t>	</a:t>
+            </a:r>
+            <a:r>
+              <a:rPr lang="fr-BE" sz="1900" b="1" dirty="0">
+                <a:solidFill>
+                  <a:schemeClr val="accent2">
+                    <a:lumMod val="50000"/>
+                  </a:schemeClr>
+                </a:solidFill>
+                <a:latin typeface="Comic Sans MS" panose="030F0702030302020204" pitchFamily="66" charset="0"/>
+              </a:rPr>
+              <a:t>&lt;/Tests&gt;</a:t>
+            </a:r>
+          </a:p>
+          <a:p>
+            <a:pPr marL="0" indent="0">
+              <a:buNone/>
+            </a:pPr>
+            <a:r>
+              <a:rPr lang="fr-BE" sz="1900" b="1" dirty="0">
+                <a:latin typeface="Comic Sans MS" panose="030F0702030302020204" pitchFamily="66" charset="0"/>
+              </a:rPr>
+              <a:t>	</a:t>
+            </a:r>
+            <a:r>
+              <a:rPr lang="fr-BE" sz="1900" b="1" dirty="0">
+                <a:solidFill>
+                  <a:schemeClr val="accent2">
+                    <a:lumMod val="50000"/>
+                  </a:schemeClr>
+                </a:solidFill>
+                <a:latin typeface="Comic Sans MS" panose="030F0702030302020204" pitchFamily="66" charset="0"/>
+              </a:rPr>
+              <a:t>&lt;Actions&gt;</a:t>
+            </a:r>
+          </a:p>
+          <a:p>
+            <a:pPr marL="0" indent="0">
+              <a:buNone/>
+            </a:pPr>
+            <a:r>
+              <a:rPr lang="fr-BE" sz="1900" b="1" dirty="0">
+                <a:solidFill>
+                  <a:schemeClr val="accent2">
+                    <a:lumMod val="50000"/>
+                  </a:schemeClr>
+                </a:solidFill>
+                <a:latin typeface="Comic Sans MS" panose="030F0702030302020204" pitchFamily="66" charset="0"/>
+              </a:rPr>
+              <a:t>		</a:t>
+            </a:r>
+            <a:r>
+              <a:rPr lang="fr-BE" sz="1900" b="1" dirty="0">
+                <a:solidFill>
+                  <a:schemeClr val="accent4">
+                    <a:lumMod val="75000"/>
+                  </a:schemeClr>
+                </a:solidFill>
+                <a:latin typeface="Comic Sans MS" panose="030F0702030302020204" pitchFamily="66" charset="0"/>
+              </a:rPr>
+              <a:t>&lt;Switch-Vlan&gt;</a:t>
+            </a:r>
+          </a:p>
+          <a:p>
+            <a:pPr marL="457200" lvl="1" indent="0">
+              <a:buNone/>
+            </a:pPr>
+            <a:r>
+              <a:rPr lang="fr-BE" sz="1900" dirty="0">
+                <a:latin typeface="Comic Sans MS" panose="030F0702030302020204" pitchFamily="66" charset="0"/>
+              </a:rPr>
+              <a:t>		</a:t>
+            </a:r>
+            <a:r>
+              <a:rPr lang="fr-BE" sz="1900" b="1" dirty="0">
+                <a:solidFill>
+                  <a:srgbClr val="FF0000"/>
+                </a:solidFill>
+                <a:latin typeface="Comic Sans MS" panose="030F0702030302020204" pitchFamily="66" charset="0"/>
+              </a:rPr>
+              <a:t>&lt;</a:t>
+            </a:r>
+            <a:r>
+              <a:rPr lang="fr-BE" sz="1900" b="1" dirty="0" err="1">
+                <a:solidFill>
+                  <a:srgbClr val="FF0000"/>
+                </a:solidFill>
+                <a:latin typeface="Comic Sans MS" panose="030F0702030302020204" pitchFamily="66" charset="0"/>
+              </a:rPr>
+              <a:t>CmdLet</a:t>
+            </a:r>
+            <a:r>
+              <a:rPr lang="fr-BE" sz="1900" b="1" dirty="0">
+                <a:solidFill>
+                  <a:srgbClr val="FF0000"/>
+                </a:solidFill>
+                <a:latin typeface="Comic Sans MS" panose="030F0702030302020204" pitchFamily="66" charset="0"/>
+              </a:rPr>
+              <a:t>&gt;</a:t>
+            </a:r>
+            <a:r>
+              <a:rPr lang="fr-BE" sz="1900" dirty="0">
+                <a:latin typeface="Comic Sans MS" panose="030F0702030302020204" pitchFamily="66" charset="0"/>
+              </a:rPr>
+              <a:t>Set-</a:t>
+            </a:r>
+            <a:r>
+              <a:rPr lang="fr-BE" sz="1900" dirty="0" err="1">
+                <a:latin typeface="Comic Sans MS" panose="030F0702030302020204" pitchFamily="66" charset="0"/>
+              </a:rPr>
+              <a:t>SwitchVlan</a:t>
+            </a:r>
+            <a:r>
+              <a:rPr lang="fr-BE" sz="1900" b="1" dirty="0">
+                <a:solidFill>
+                  <a:srgbClr val="FF0000"/>
+                </a:solidFill>
+                <a:latin typeface="Comic Sans MS" panose="030F0702030302020204" pitchFamily="66" charset="0"/>
+              </a:rPr>
+              <a:t>&lt;/</a:t>
+            </a:r>
+            <a:r>
+              <a:rPr lang="fr-BE" sz="1900" b="1" dirty="0" err="1">
+                <a:solidFill>
+                  <a:srgbClr val="FF0000"/>
+                </a:solidFill>
+                <a:latin typeface="Comic Sans MS" panose="030F0702030302020204" pitchFamily="66" charset="0"/>
+              </a:rPr>
+              <a:t>CmdLet</a:t>
+            </a:r>
+            <a:r>
+              <a:rPr lang="fr-BE" sz="1900" b="1" dirty="0">
+                <a:solidFill>
+                  <a:srgbClr val="FF0000"/>
+                </a:solidFill>
+                <a:latin typeface="Comic Sans MS" panose="030F0702030302020204" pitchFamily="66" charset="0"/>
+              </a:rPr>
+              <a:t>&gt;</a:t>
+            </a:r>
+          </a:p>
+          <a:p>
+            <a:pPr marL="457200" lvl="1" indent="0">
+              <a:buNone/>
+            </a:pPr>
+            <a:r>
+              <a:rPr lang="fr-BE" sz="1900" dirty="0">
+                <a:latin typeface="Comic Sans MS" panose="030F0702030302020204" pitchFamily="66" charset="0"/>
+              </a:rPr>
+              <a:t>		</a:t>
+            </a:r>
+            <a:r>
+              <a:rPr lang="fr-BE" sz="1900" b="1" dirty="0">
+                <a:solidFill>
+                  <a:srgbClr val="FF0000"/>
+                </a:solidFill>
+                <a:latin typeface="Comic Sans MS" panose="030F0702030302020204" pitchFamily="66" charset="0"/>
+              </a:rPr>
+              <a:t>&lt;</a:t>
+            </a:r>
+            <a:r>
+              <a:rPr lang="fr-BE" sz="1900" b="1" dirty="0" err="1">
+                <a:solidFill>
+                  <a:srgbClr val="FF0000"/>
+                </a:solidFill>
+                <a:latin typeface="Comic Sans MS" panose="030F0702030302020204" pitchFamily="66" charset="0"/>
+              </a:rPr>
+              <a:t>Param</a:t>
+            </a:r>
+            <a:r>
+              <a:rPr lang="fr-BE" sz="1900" b="1" dirty="0">
+                <a:solidFill>
+                  <a:srgbClr val="FF0000"/>
+                </a:solidFill>
+                <a:latin typeface="Comic Sans MS" panose="030F0702030302020204" pitchFamily="66" charset="0"/>
+              </a:rPr>
+              <a:t>&gt;</a:t>
+            </a:r>
+          </a:p>
+          <a:p>
+            <a:pPr marL="457200" lvl="1" indent="0">
+              <a:buNone/>
+            </a:pPr>
+            <a:r>
+              <a:rPr lang="fr-BE" sz="1900" dirty="0">
+                <a:latin typeface="Comic Sans MS" panose="030F0702030302020204" pitchFamily="66" charset="0"/>
+              </a:rPr>
+              <a:t>			&lt;Name&gt;</a:t>
+            </a:r>
+            <a:r>
+              <a:rPr lang="fr-BE" sz="1900" dirty="0" err="1">
+                <a:latin typeface="Comic Sans MS" panose="030F0702030302020204" pitchFamily="66" charset="0"/>
+              </a:rPr>
+              <a:t>VlanNumer</a:t>
+            </a:r>
+            <a:r>
+              <a:rPr lang="fr-BE" sz="1900" dirty="0">
+                <a:latin typeface="Comic Sans MS" panose="030F0702030302020204" pitchFamily="66" charset="0"/>
+              </a:rPr>
+              <a:t>&lt;/Name&gt;</a:t>
+            </a:r>
+          </a:p>
+          <a:p>
+            <a:pPr marL="457200" lvl="1" indent="0">
+              <a:buNone/>
+            </a:pPr>
+            <a:r>
+              <a:rPr lang="fr-BE" sz="1900" dirty="0">
+                <a:latin typeface="Comic Sans MS" panose="030F0702030302020204" pitchFamily="66" charset="0"/>
+              </a:rPr>
+              <a:t>			&lt;</a:t>
+            </a:r>
+            <a:r>
+              <a:rPr lang="fr-BE" sz="1900" dirty="0" err="1">
+                <a:latin typeface="Comic Sans MS" panose="030F0702030302020204" pitchFamily="66" charset="0"/>
+              </a:rPr>
+              <a:t>From</a:t>
+            </a:r>
+            <a:r>
+              <a:rPr lang="fr-BE" sz="1900" dirty="0">
+                <a:latin typeface="Comic Sans MS" panose="030F0702030302020204" pitchFamily="66" charset="0"/>
+              </a:rPr>
+              <a:t>&gt;</a:t>
+            </a:r>
+            <a:r>
+              <a:rPr lang="fr-BE" sz="1900" dirty="0" err="1">
+                <a:latin typeface="Comic Sans MS" panose="030F0702030302020204" pitchFamily="66" charset="0"/>
+              </a:rPr>
+              <a:t>Step</a:t>
+            </a:r>
+            <a:r>
+              <a:rPr lang="fr-BE" sz="1900" dirty="0">
+                <a:latin typeface="Comic Sans MS" panose="030F0702030302020204" pitchFamily="66" charset="0"/>
+              </a:rPr>
+              <a:t>&lt;/</a:t>
+            </a:r>
+            <a:r>
+              <a:rPr lang="fr-BE" sz="1900" dirty="0" err="1">
+                <a:latin typeface="Comic Sans MS" panose="030F0702030302020204" pitchFamily="66" charset="0"/>
+              </a:rPr>
+              <a:t>From</a:t>
+            </a:r>
+            <a:r>
+              <a:rPr lang="fr-BE" sz="1900" dirty="0">
+                <a:latin typeface="Comic Sans MS" panose="030F0702030302020204" pitchFamily="66" charset="0"/>
+              </a:rPr>
+              <a:t>&gt;</a:t>
+            </a:r>
+          </a:p>
+          <a:p>
+            <a:pPr marL="457200" lvl="1" indent="0">
+              <a:buNone/>
+            </a:pPr>
+            <a:r>
+              <a:rPr lang="fr-BE" sz="1900" dirty="0">
+                <a:latin typeface="Comic Sans MS" panose="030F0702030302020204" pitchFamily="66" charset="0"/>
+              </a:rPr>
+              <a:t>		</a:t>
+            </a:r>
+            <a:r>
+              <a:rPr lang="fr-BE" sz="1900" b="1" dirty="0">
+                <a:solidFill>
+                  <a:srgbClr val="FF0000"/>
+                </a:solidFill>
+                <a:latin typeface="Comic Sans MS" panose="030F0702030302020204" pitchFamily="66" charset="0"/>
+              </a:rPr>
+              <a:t>&lt;/</a:t>
+            </a:r>
+            <a:r>
+              <a:rPr lang="fr-BE" sz="1900" b="1" dirty="0" err="1">
+                <a:solidFill>
+                  <a:srgbClr val="FF0000"/>
+                </a:solidFill>
+                <a:latin typeface="Comic Sans MS" panose="030F0702030302020204" pitchFamily="66" charset="0"/>
+              </a:rPr>
+              <a:t>Param</a:t>
+            </a:r>
+            <a:r>
+              <a:rPr lang="fr-BE" sz="1900" b="1" dirty="0">
+                <a:solidFill>
+                  <a:srgbClr val="FF0000"/>
+                </a:solidFill>
+                <a:latin typeface="Comic Sans MS" panose="030F0702030302020204" pitchFamily="66" charset="0"/>
+              </a:rPr>
+              <a:t>&gt;	</a:t>
+            </a:r>
+            <a:r>
+              <a:rPr lang="fr-BE" sz="1900" dirty="0">
+                <a:latin typeface="Comic Sans MS" panose="030F0702030302020204" pitchFamily="66" charset="0"/>
+              </a:rPr>
+              <a:t>	</a:t>
+            </a:r>
+          </a:p>
+          <a:p>
+            <a:pPr marL="0" indent="0">
+              <a:buNone/>
+            </a:pPr>
+            <a:r>
+              <a:rPr lang="fr-BE" sz="1900" b="1" dirty="0">
+                <a:solidFill>
+                  <a:schemeClr val="accent2">
+                    <a:lumMod val="50000"/>
+                  </a:schemeClr>
+                </a:solidFill>
+                <a:latin typeface="Comic Sans MS" panose="030F0702030302020204" pitchFamily="66" charset="0"/>
+              </a:rPr>
+              <a:t>		</a:t>
+            </a:r>
+            <a:r>
+              <a:rPr lang="fr-BE" sz="1900" b="1" dirty="0">
+                <a:solidFill>
+                  <a:schemeClr val="accent4">
+                    <a:lumMod val="75000"/>
+                  </a:schemeClr>
+                </a:solidFill>
+                <a:latin typeface="Comic Sans MS" panose="030F0702030302020204" pitchFamily="66" charset="0"/>
+              </a:rPr>
+              <a:t>&lt;/</a:t>
+            </a:r>
+            <a:r>
+              <a:rPr lang="fr-BE" sz="1900" b="1" dirty="0" err="1">
+                <a:solidFill>
+                  <a:schemeClr val="accent4">
+                    <a:lumMod val="75000"/>
+                  </a:schemeClr>
+                </a:solidFill>
+                <a:latin typeface="Comic Sans MS" panose="030F0702030302020204" pitchFamily="66" charset="0"/>
+              </a:rPr>
+              <a:t>SwitchVlan</a:t>
+            </a:r>
+            <a:r>
+              <a:rPr lang="fr-BE" sz="1900" b="1" dirty="0">
+                <a:solidFill>
+                  <a:schemeClr val="accent4">
+                    <a:lumMod val="75000"/>
+                  </a:schemeClr>
+                </a:solidFill>
+                <a:latin typeface="Comic Sans MS" panose="030F0702030302020204" pitchFamily="66" charset="0"/>
+              </a:rPr>
+              <a:t>&gt;</a:t>
+            </a:r>
+          </a:p>
+          <a:p>
+            <a:pPr marL="0" indent="0">
+              <a:buNone/>
+            </a:pPr>
+            <a:r>
+              <a:rPr lang="fr-BE" sz="1900" dirty="0">
+                <a:latin typeface="Comic Sans MS" panose="030F0702030302020204" pitchFamily="66" charset="0"/>
+              </a:rPr>
+              <a:t>		…</a:t>
+            </a:r>
+          </a:p>
+          <a:p>
+            <a:pPr marL="0" indent="0">
+              <a:buNone/>
+            </a:pPr>
+            <a:r>
+              <a:rPr lang="fr-BE" sz="1900" dirty="0">
+                <a:latin typeface="Comic Sans MS" panose="030F0702030302020204" pitchFamily="66" charset="0"/>
+              </a:rPr>
+              <a:t>	</a:t>
+            </a:r>
+            <a:r>
+              <a:rPr lang="fr-BE" sz="1900" b="1" dirty="0">
+                <a:solidFill>
+                  <a:schemeClr val="accent2">
+                    <a:lumMod val="50000"/>
+                  </a:schemeClr>
+                </a:solidFill>
+                <a:latin typeface="Comic Sans MS" panose="030F0702030302020204" pitchFamily="66" charset="0"/>
+              </a:rPr>
+              <a:t>&lt;/Actions&gt;</a:t>
+            </a:r>
+          </a:p>
+          <a:p>
+            <a:pPr marL="0" indent="0">
+              <a:buNone/>
+            </a:pPr>
+            <a:r>
+              <a:rPr lang="fr-BE" sz="1900" b="1" dirty="0">
+                <a:solidFill>
+                  <a:schemeClr val="accent1">
+                    <a:lumMod val="50000"/>
+                  </a:schemeClr>
+                </a:solidFill>
+                <a:latin typeface="Comic Sans MS" panose="030F0702030302020204" pitchFamily="66" charset="0"/>
+              </a:rPr>
+              <a:t>&lt;/Engine&gt;</a:t>
+            </a:r>
+          </a:p>
+        </p:txBody>
+      </p:sp>
+      <p:sp>
+        <p:nvSpPr>
+          <p:cNvPr id="6" name="Espace réservé de la date 5">
+            <a:extLst>
+              <a:ext uri="{FF2B5EF4-FFF2-40B4-BE49-F238E27FC236}">
+                <a16:creationId xmlns:a16="http://schemas.microsoft.com/office/drawing/2014/main" id="{CBA4FE89-B6D2-420F-99D0-7420939D38F9}"/>
+              </a:ext>
+            </a:extLst>
+          </p:cNvPr>
+          <p:cNvSpPr>
+            <a:spLocks noGrp="1"/>
+          </p:cNvSpPr>
+          <p:nvPr>
+            <p:ph type="dt" sz="half" idx="10"/>
+          </p:nvPr>
+        </p:nvSpPr>
+        <p:spPr/>
+        <p:txBody>
+          <a:bodyPr/>
+          <a:lstStyle/>
+          <a:p>
+            <a:fld id="{C377ACCB-38FC-47E4-B190-701398D5C7B8}" type="datetime1">
+              <a:rPr lang="fr-BE" smtClean="0"/>
+              <a:t>04-06-17</a:t>
+            </a:fld>
+            <a:endParaRPr lang="fr-BE"/>
+          </a:p>
+        </p:txBody>
+      </p:sp>
+      <p:sp>
+        <p:nvSpPr>
+          <p:cNvPr id="7" name="Espace réservé du pied de page 6">
+            <a:extLst>
+              <a:ext uri="{FF2B5EF4-FFF2-40B4-BE49-F238E27FC236}">
+                <a16:creationId xmlns:a16="http://schemas.microsoft.com/office/drawing/2014/main" id="{6B85F08C-6CB0-4DA9-ABAC-412D0D98AA08}"/>
+              </a:ext>
+            </a:extLst>
+          </p:cNvPr>
+          <p:cNvSpPr>
+            <a:spLocks noGrp="1"/>
+          </p:cNvSpPr>
+          <p:nvPr>
+            <p:ph type="ftr" sz="quarter" idx="11"/>
+          </p:nvPr>
+        </p:nvSpPr>
+        <p:spPr/>
+        <p:txBody>
+          <a:bodyPr/>
+          <a:lstStyle/>
+          <a:p>
+            <a:r>
+              <a:rPr lang="fr-BE" dirty="0"/>
+              <a:t>YASC</a:t>
+            </a:r>
+          </a:p>
+        </p:txBody>
+      </p:sp>
+      <p:sp>
+        <p:nvSpPr>
+          <p:cNvPr id="8" name="Espace réservé du numéro de diapositive 7">
+            <a:extLst>
+              <a:ext uri="{FF2B5EF4-FFF2-40B4-BE49-F238E27FC236}">
+                <a16:creationId xmlns:a16="http://schemas.microsoft.com/office/drawing/2014/main" id="{1C7E189A-94BD-459E-B491-5C568B00C4AF}"/>
+              </a:ext>
+            </a:extLst>
+          </p:cNvPr>
+          <p:cNvSpPr>
+            <a:spLocks noGrp="1"/>
+          </p:cNvSpPr>
+          <p:nvPr>
+            <p:ph type="sldNum" sz="quarter" idx="12"/>
+          </p:nvPr>
+        </p:nvSpPr>
+        <p:spPr/>
+        <p:txBody>
+          <a:bodyPr/>
+          <a:lstStyle/>
+          <a:p>
+            <a:fld id="{6EE1A1CC-AF33-4215-8A11-806382416FAD}" type="slidenum">
+              <a:rPr lang="fr-BE" smtClean="0"/>
+              <a:t>15</a:t>
+            </a:fld>
+            <a:endParaRPr lang="fr-BE"/>
+          </a:p>
+        </p:txBody>
+      </p:sp>
+    </p:spTree>
+    <p:extLst>
+      <p:ext uri="{BB962C8B-B14F-4D97-AF65-F5344CB8AC3E}">
+        <p14:creationId xmlns:p14="http://schemas.microsoft.com/office/powerpoint/2010/main" val="101235719"/>
+      </p:ext>
+    </p:extLst>
+  </p:cSld>
+  <p:clrMapOvr>
+    <a:masterClrMapping/>
+  </p:clrMapOvr>
+  <p:timing>
+    <p:tnLst>
+      <p:par>
+        <p:cTn id="1" dur="indefinite" restart="never" nodeType="tmRoot">
+          <p:childTnLst>
+            <p:seq concurrent="1" nextAc="seek">
+              <p:cTn id="2" dur="indefinite" nodeType="mainSeq">
+                <p:childTnLst>
+                  <p:par>
+                    <p:cTn id="3" fill="hold">
+                      <p:stCondLst>
+                        <p:cond delay="indefinite"/>
+                      </p:stCondLst>
+                      <p:childTnLst>
+                        <p:par>
+                          <p:cTn id="4" fill="hold">
+                            <p:stCondLst>
+                              <p:cond delay="0"/>
+                            </p:stCondLst>
+                            <p:childTnLst>
+                              <p:par>
+                                <p:cTn id="5" presetID="10" presetClass="entr" presetSubtype="0" fill="hold" nodeType="clickEffect">
+                                  <p:stCondLst>
+                                    <p:cond delay="0"/>
+                                  </p:stCondLst>
+                                  <p:childTnLst>
+                                    <p:set>
+                                      <p:cBhvr>
+                                        <p:cTn id="6" dur="1" fill="hold">
+                                          <p:stCondLst>
+                                            <p:cond delay="0"/>
+                                          </p:stCondLst>
+                                        </p:cTn>
+                                        <p:tgtEl>
+                                          <p:spTgt spid="3">
+                                            <p:txEl>
+                                              <p:pRg st="11" end="11"/>
+                                            </p:txEl>
+                                          </p:spTgt>
+                                        </p:tgtEl>
+                                        <p:attrNameLst>
+                                          <p:attrName>style.visibility</p:attrName>
+                                        </p:attrNameLst>
+                                      </p:cBhvr>
+                                      <p:to>
+                                        <p:strVal val="visible"/>
+                                      </p:to>
+                                    </p:set>
+                                    <p:animEffect transition="in" filter="fade">
+                                      <p:cBhvr>
+                                        <p:cTn id="7" dur="500"/>
+                                        <p:tgtEl>
+                                          <p:spTgt spid="3">
+                                            <p:txEl>
+                                              <p:pRg st="11" end="11"/>
+                                            </p:txEl>
+                                          </p:spTgt>
+                                        </p:tgtEl>
+                                      </p:cBhvr>
+                                    </p:animEffect>
+                                  </p:childTnLst>
+                                </p:cTn>
+                              </p:par>
+                              <p:par>
+                                <p:cTn id="8" presetID="10" presetClass="entr" presetSubtype="0" fill="hold" nodeType="withEffect">
+                                  <p:stCondLst>
+                                    <p:cond delay="0"/>
+                                  </p:stCondLst>
+                                  <p:childTnLst>
+                                    <p:set>
+                                      <p:cBhvr>
+                                        <p:cTn id="9" dur="1" fill="hold">
+                                          <p:stCondLst>
+                                            <p:cond delay="0"/>
+                                          </p:stCondLst>
+                                        </p:cTn>
+                                        <p:tgtEl>
+                                          <p:spTgt spid="3">
+                                            <p:txEl>
+                                              <p:pRg st="1" end="1"/>
+                                            </p:txEl>
+                                          </p:spTgt>
+                                        </p:tgtEl>
+                                        <p:attrNameLst>
+                                          <p:attrName>style.visibility</p:attrName>
+                                        </p:attrNameLst>
+                                      </p:cBhvr>
+                                      <p:to>
+                                        <p:strVal val="visible"/>
+                                      </p:to>
+                                    </p:set>
+                                    <p:animEffect transition="in" filter="fade">
+                                      <p:cBhvr>
+                                        <p:cTn id="10" dur="500"/>
+                                        <p:tgtEl>
+                                          <p:spTgt spid="3">
+                                            <p:txEl>
+                                              <p:pRg st="1" end="1"/>
+                                            </p:txEl>
+                                          </p:spTgt>
+                                        </p:tgtEl>
+                                      </p:cBhvr>
+                                    </p:animEffect>
+                                  </p:childTnLst>
+                                </p:cTn>
+                              </p:par>
+                            </p:childTnLst>
+                          </p:cTn>
+                        </p:par>
+                      </p:childTnLst>
+                    </p:cTn>
+                  </p:par>
+                  <p:par>
+                    <p:cTn id="11" fill="hold">
+                      <p:stCondLst>
+                        <p:cond delay="indefinite"/>
+                      </p:stCondLst>
+                      <p:childTnLst>
+                        <p:par>
+                          <p:cTn id="12" fill="hold">
+                            <p:stCondLst>
+                              <p:cond delay="0"/>
+                            </p:stCondLst>
+                            <p:childTnLst>
+                              <p:par>
+                                <p:cTn id="13" presetID="10" presetClass="entr" presetSubtype="0" fill="hold" nodeType="clickEffect">
+                                  <p:stCondLst>
+                                    <p:cond delay="0"/>
+                                  </p:stCondLst>
+                                  <p:childTnLst>
+                                    <p:set>
+                                      <p:cBhvr>
+                                        <p:cTn id="14" dur="1" fill="hold">
+                                          <p:stCondLst>
+                                            <p:cond delay="0"/>
+                                          </p:stCondLst>
+                                        </p:cTn>
+                                        <p:tgtEl>
+                                          <p:spTgt spid="3">
+                                            <p:txEl>
+                                              <p:pRg st="2" end="2"/>
+                                            </p:txEl>
+                                          </p:spTgt>
+                                        </p:tgtEl>
+                                        <p:attrNameLst>
+                                          <p:attrName>style.visibility</p:attrName>
+                                        </p:attrNameLst>
+                                      </p:cBhvr>
+                                      <p:to>
+                                        <p:strVal val="visible"/>
+                                      </p:to>
+                                    </p:set>
+                                    <p:animEffect transition="in" filter="fade">
+                                      <p:cBhvr>
+                                        <p:cTn id="15" dur="500"/>
+                                        <p:tgtEl>
+                                          <p:spTgt spid="3">
+                                            <p:txEl>
+                                              <p:pRg st="2" end="2"/>
+                                            </p:txEl>
+                                          </p:spTgt>
+                                        </p:tgtEl>
+                                      </p:cBhvr>
+                                    </p:animEffect>
+                                  </p:childTnLst>
+                                </p:cTn>
+                              </p:par>
+                            </p:childTnLst>
+                          </p:cTn>
+                        </p:par>
+                      </p:childTnLst>
+                    </p:cTn>
+                  </p:par>
+                  <p:par>
+                    <p:cTn id="16" fill="hold">
+                      <p:stCondLst>
+                        <p:cond delay="indefinite"/>
+                      </p:stCondLst>
+                      <p:childTnLst>
+                        <p:par>
+                          <p:cTn id="17" fill="hold">
+                            <p:stCondLst>
+                              <p:cond delay="0"/>
+                            </p:stCondLst>
+                            <p:childTnLst>
+                              <p:par>
+                                <p:cTn id="18" presetID="10" presetClass="entr" presetSubtype="0" fill="hold" nodeType="clickEffect">
+                                  <p:stCondLst>
+                                    <p:cond delay="0"/>
+                                  </p:stCondLst>
+                                  <p:childTnLst>
+                                    <p:set>
+                                      <p:cBhvr>
+                                        <p:cTn id="19" dur="1" fill="hold">
+                                          <p:stCondLst>
+                                            <p:cond delay="0"/>
+                                          </p:stCondLst>
+                                        </p:cTn>
+                                        <p:tgtEl>
+                                          <p:spTgt spid="3">
+                                            <p:txEl>
+                                              <p:pRg st="3" end="3"/>
+                                            </p:txEl>
+                                          </p:spTgt>
+                                        </p:tgtEl>
+                                        <p:attrNameLst>
+                                          <p:attrName>style.visibility</p:attrName>
+                                        </p:attrNameLst>
+                                      </p:cBhvr>
+                                      <p:to>
+                                        <p:strVal val="visible"/>
+                                      </p:to>
+                                    </p:set>
+                                    <p:animEffect transition="in" filter="fade">
+                                      <p:cBhvr>
+                                        <p:cTn id="20" dur="500"/>
+                                        <p:tgtEl>
+                                          <p:spTgt spid="3">
+                                            <p:txEl>
+                                              <p:pRg st="3" end="3"/>
+                                            </p:txEl>
+                                          </p:spTgt>
+                                        </p:tgtEl>
+                                      </p:cBhvr>
+                                    </p:animEffect>
+                                  </p:childTnLst>
+                                </p:cTn>
+                              </p:par>
+                              <p:par>
+                                <p:cTn id="21" presetID="10" presetClass="entr" presetSubtype="0" fill="hold" nodeType="withEffect">
+                                  <p:stCondLst>
+                                    <p:cond delay="0"/>
+                                  </p:stCondLst>
+                                  <p:childTnLst>
+                                    <p:set>
+                                      <p:cBhvr>
+                                        <p:cTn id="22" dur="1" fill="hold">
+                                          <p:stCondLst>
+                                            <p:cond delay="0"/>
+                                          </p:stCondLst>
+                                        </p:cTn>
+                                        <p:tgtEl>
+                                          <p:spTgt spid="3">
+                                            <p:txEl>
+                                              <p:pRg st="10" end="10"/>
+                                            </p:txEl>
+                                          </p:spTgt>
+                                        </p:tgtEl>
+                                        <p:attrNameLst>
+                                          <p:attrName>style.visibility</p:attrName>
+                                        </p:attrNameLst>
+                                      </p:cBhvr>
+                                      <p:to>
+                                        <p:strVal val="visible"/>
+                                      </p:to>
+                                    </p:set>
+                                    <p:animEffect transition="in" filter="fade">
+                                      <p:cBhvr>
+                                        <p:cTn id="23" dur="500"/>
+                                        <p:tgtEl>
+                                          <p:spTgt spid="3">
+                                            <p:txEl>
+                                              <p:pRg st="10" end="10"/>
+                                            </p:txEl>
+                                          </p:spTgt>
+                                        </p:tgtEl>
+                                      </p:cBhvr>
+                                    </p:animEffect>
+                                  </p:childTnLst>
+                                </p:cTn>
+                              </p:par>
+                            </p:childTnLst>
+                          </p:cTn>
+                        </p:par>
+                      </p:childTnLst>
+                    </p:cTn>
+                  </p:par>
+                  <p:par>
+                    <p:cTn id="24" fill="hold">
+                      <p:stCondLst>
+                        <p:cond delay="indefinite"/>
+                      </p:stCondLst>
+                      <p:childTnLst>
+                        <p:par>
+                          <p:cTn id="25" fill="hold">
+                            <p:stCondLst>
+                              <p:cond delay="0"/>
+                            </p:stCondLst>
+                            <p:childTnLst>
+                              <p:par>
+                                <p:cTn id="26" presetID="10" presetClass="entr" presetSubtype="0" fill="hold" nodeType="clickEffect">
+                                  <p:stCondLst>
+                                    <p:cond delay="0"/>
+                                  </p:stCondLst>
+                                  <p:childTnLst>
+                                    <p:set>
+                                      <p:cBhvr>
+                                        <p:cTn id="27" dur="1" fill="hold">
+                                          <p:stCondLst>
+                                            <p:cond delay="0"/>
+                                          </p:stCondLst>
+                                        </p:cTn>
+                                        <p:tgtEl>
+                                          <p:spTgt spid="3">
+                                            <p:txEl>
+                                              <p:pRg st="8" end="8"/>
+                                            </p:txEl>
+                                          </p:spTgt>
+                                        </p:tgtEl>
+                                        <p:attrNameLst>
+                                          <p:attrName>style.visibility</p:attrName>
+                                        </p:attrNameLst>
+                                      </p:cBhvr>
+                                      <p:to>
+                                        <p:strVal val="visible"/>
+                                      </p:to>
+                                    </p:set>
+                                    <p:animEffect transition="in" filter="fade">
+                                      <p:cBhvr>
+                                        <p:cTn id="28" dur="500"/>
+                                        <p:tgtEl>
+                                          <p:spTgt spid="3">
+                                            <p:txEl>
+                                              <p:pRg st="8" end="8"/>
+                                            </p:txEl>
+                                          </p:spTgt>
+                                        </p:tgtEl>
+                                      </p:cBhvr>
+                                    </p:animEffect>
+                                  </p:childTnLst>
+                                </p:cTn>
+                              </p:par>
+                              <p:par>
+                                <p:cTn id="29" presetID="10" presetClass="entr" presetSubtype="0" fill="hold" nodeType="withEffect">
+                                  <p:stCondLst>
+                                    <p:cond delay="0"/>
+                                  </p:stCondLst>
+                                  <p:childTnLst>
+                                    <p:set>
+                                      <p:cBhvr>
+                                        <p:cTn id="30" dur="1" fill="hold">
+                                          <p:stCondLst>
+                                            <p:cond delay="0"/>
+                                          </p:stCondLst>
+                                        </p:cTn>
+                                        <p:tgtEl>
+                                          <p:spTgt spid="3">
+                                            <p:txEl>
+                                              <p:pRg st="4" end="4"/>
+                                            </p:txEl>
+                                          </p:spTgt>
+                                        </p:tgtEl>
+                                        <p:attrNameLst>
+                                          <p:attrName>style.visibility</p:attrName>
+                                        </p:attrNameLst>
+                                      </p:cBhvr>
+                                      <p:to>
+                                        <p:strVal val="visible"/>
+                                      </p:to>
+                                    </p:set>
+                                    <p:animEffect transition="in" filter="fade">
+                                      <p:cBhvr>
+                                        <p:cTn id="31" dur="500"/>
+                                        <p:tgtEl>
+                                          <p:spTgt spid="3">
+                                            <p:txEl>
+                                              <p:pRg st="4" end="4"/>
+                                            </p:txEl>
+                                          </p:spTgt>
+                                        </p:tgtEl>
+                                      </p:cBhvr>
+                                    </p:animEffect>
+                                  </p:childTnLst>
+                                </p:cTn>
+                              </p:par>
+                            </p:childTnLst>
+                          </p:cTn>
+                        </p:par>
+                      </p:childTnLst>
+                    </p:cTn>
+                  </p:par>
+                  <p:par>
+                    <p:cTn id="32" fill="hold">
+                      <p:stCondLst>
+                        <p:cond delay="indefinite"/>
+                      </p:stCondLst>
+                      <p:childTnLst>
+                        <p:par>
+                          <p:cTn id="33" fill="hold">
+                            <p:stCondLst>
+                              <p:cond delay="0"/>
+                            </p:stCondLst>
+                            <p:childTnLst>
+                              <p:par>
+                                <p:cTn id="34" presetID="10" presetClass="entr" presetSubtype="0" fill="hold" nodeType="clickEffect">
+                                  <p:stCondLst>
+                                    <p:cond delay="0"/>
+                                  </p:stCondLst>
+                                  <p:childTnLst>
+                                    <p:set>
+                                      <p:cBhvr>
+                                        <p:cTn id="35" dur="1" fill="hold">
+                                          <p:stCondLst>
+                                            <p:cond delay="0"/>
+                                          </p:stCondLst>
+                                        </p:cTn>
+                                        <p:tgtEl>
+                                          <p:spTgt spid="3">
+                                            <p:txEl>
+                                              <p:pRg st="5" end="5"/>
+                                            </p:txEl>
+                                          </p:spTgt>
+                                        </p:tgtEl>
+                                        <p:attrNameLst>
+                                          <p:attrName>style.visibility</p:attrName>
+                                        </p:attrNameLst>
+                                      </p:cBhvr>
+                                      <p:to>
+                                        <p:strVal val="visible"/>
+                                      </p:to>
+                                    </p:set>
+                                    <p:animEffect transition="in" filter="fade">
+                                      <p:cBhvr>
+                                        <p:cTn id="36" dur="500"/>
+                                        <p:tgtEl>
+                                          <p:spTgt spid="3">
+                                            <p:txEl>
+                                              <p:pRg st="5" end="5"/>
+                                            </p:txEl>
+                                          </p:spTgt>
+                                        </p:tgtEl>
+                                      </p:cBhvr>
+                                    </p:animEffect>
+                                  </p:childTnLst>
+                                </p:cTn>
+                              </p:par>
+                              <p:par>
+                                <p:cTn id="37" presetID="10" presetClass="entr" presetSubtype="0" fill="hold" nodeType="withEffect">
+                                  <p:stCondLst>
+                                    <p:cond delay="0"/>
+                                  </p:stCondLst>
+                                  <p:childTnLst>
+                                    <p:set>
+                                      <p:cBhvr>
+                                        <p:cTn id="38" dur="1" fill="hold">
+                                          <p:stCondLst>
+                                            <p:cond delay="0"/>
+                                          </p:stCondLst>
+                                        </p:cTn>
+                                        <p:tgtEl>
+                                          <p:spTgt spid="3">
+                                            <p:txEl>
+                                              <p:pRg st="6" end="6"/>
+                                            </p:txEl>
+                                          </p:spTgt>
+                                        </p:tgtEl>
+                                        <p:attrNameLst>
+                                          <p:attrName>style.visibility</p:attrName>
+                                        </p:attrNameLst>
+                                      </p:cBhvr>
+                                      <p:to>
+                                        <p:strVal val="visible"/>
+                                      </p:to>
+                                    </p:set>
+                                    <p:animEffect transition="in" filter="fade">
+                                      <p:cBhvr>
+                                        <p:cTn id="39" dur="500"/>
+                                        <p:tgtEl>
+                                          <p:spTgt spid="3">
+                                            <p:txEl>
+                                              <p:pRg st="6" end="6"/>
+                                            </p:txEl>
+                                          </p:spTgt>
+                                        </p:tgtEl>
+                                      </p:cBhvr>
+                                    </p:animEffect>
+                                  </p:childTnLst>
+                                </p:cTn>
+                              </p:par>
+                              <p:par>
+                                <p:cTn id="40" presetID="10" presetClass="entr" presetSubtype="0" fill="hold" nodeType="withEffect">
+                                  <p:stCondLst>
+                                    <p:cond delay="0"/>
+                                  </p:stCondLst>
+                                  <p:childTnLst>
+                                    <p:set>
+                                      <p:cBhvr>
+                                        <p:cTn id="41" dur="1" fill="hold">
+                                          <p:stCondLst>
+                                            <p:cond delay="0"/>
+                                          </p:stCondLst>
+                                        </p:cTn>
+                                        <p:tgtEl>
+                                          <p:spTgt spid="3">
+                                            <p:txEl>
+                                              <p:pRg st="7" end="7"/>
+                                            </p:txEl>
+                                          </p:spTgt>
+                                        </p:tgtEl>
+                                        <p:attrNameLst>
+                                          <p:attrName>style.visibility</p:attrName>
+                                        </p:attrNameLst>
+                                      </p:cBhvr>
+                                      <p:to>
+                                        <p:strVal val="visible"/>
+                                      </p:to>
+                                    </p:set>
+                                    <p:animEffect transition="in" filter="fade">
+                                      <p:cBhvr>
+                                        <p:cTn id="42" dur="500"/>
+                                        <p:tgtEl>
+                                          <p:spTgt spid="3">
+                                            <p:txEl>
+                                              <p:pRg st="7" end="7"/>
+                                            </p:txEl>
+                                          </p:spTgt>
+                                        </p:tgtEl>
+                                      </p:cBhvr>
+                                    </p:animEffect>
+                                  </p:childTnLst>
+                                </p:cTn>
+                              </p:par>
+                            </p:childTnLst>
+                          </p:cTn>
+                        </p:par>
+                      </p:childTnLst>
+                    </p:cTn>
+                  </p:par>
+                  <p:par>
+                    <p:cTn id="43" fill="hold">
+                      <p:stCondLst>
+                        <p:cond delay="indefinite"/>
+                      </p:stCondLst>
+                      <p:childTnLst>
+                        <p:par>
+                          <p:cTn id="44" fill="hold">
+                            <p:stCondLst>
+                              <p:cond delay="0"/>
+                            </p:stCondLst>
+                            <p:childTnLst>
+                              <p:par>
+                                <p:cTn id="45" presetID="10" presetClass="entr" presetSubtype="0" fill="hold" nodeType="clickEffect">
+                                  <p:stCondLst>
+                                    <p:cond delay="0"/>
+                                  </p:stCondLst>
+                                  <p:childTnLst>
+                                    <p:set>
+                                      <p:cBhvr>
+                                        <p:cTn id="46" dur="1" fill="hold">
+                                          <p:stCondLst>
+                                            <p:cond delay="0"/>
+                                          </p:stCondLst>
+                                        </p:cTn>
+                                        <p:tgtEl>
+                                          <p:spTgt spid="5">
+                                            <p:txEl>
+                                              <p:pRg st="15" end="15"/>
+                                            </p:txEl>
+                                          </p:spTgt>
+                                        </p:tgtEl>
+                                        <p:attrNameLst>
+                                          <p:attrName>style.visibility</p:attrName>
+                                        </p:attrNameLst>
+                                      </p:cBhvr>
+                                      <p:to>
+                                        <p:strVal val="visible"/>
+                                      </p:to>
+                                    </p:set>
+                                    <p:animEffect transition="in" filter="fade">
+                                      <p:cBhvr>
+                                        <p:cTn id="47" dur="500"/>
+                                        <p:tgtEl>
+                                          <p:spTgt spid="5">
+                                            <p:txEl>
+                                              <p:pRg st="15" end="15"/>
+                                            </p:txEl>
+                                          </p:spTgt>
+                                        </p:tgtEl>
+                                      </p:cBhvr>
+                                    </p:animEffect>
+                                  </p:childTnLst>
+                                </p:cTn>
+                              </p:par>
+                              <p:par>
+                                <p:cTn id="48" presetID="10" presetClass="entr" presetSubtype="0" fill="hold" nodeType="withEffect">
+                                  <p:stCondLst>
+                                    <p:cond delay="0"/>
+                                  </p:stCondLst>
+                                  <p:childTnLst>
+                                    <p:set>
+                                      <p:cBhvr>
+                                        <p:cTn id="49" dur="1" fill="hold">
+                                          <p:stCondLst>
+                                            <p:cond delay="0"/>
+                                          </p:stCondLst>
+                                        </p:cTn>
+                                        <p:tgtEl>
+                                          <p:spTgt spid="5">
+                                            <p:txEl>
+                                              <p:pRg st="1" end="1"/>
+                                            </p:txEl>
+                                          </p:spTgt>
+                                        </p:tgtEl>
+                                        <p:attrNameLst>
+                                          <p:attrName>style.visibility</p:attrName>
+                                        </p:attrNameLst>
+                                      </p:cBhvr>
+                                      <p:to>
+                                        <p:strVal val="visible"/>
+                                      </p:to>
+                                    </p:set>
+                                    <p:animEffect transition="in" filter="fade">
+                                      <p:cBhvr>
+                                        <p:cTn id="50" dur="500"/>
+                                        <p:tgtEl>
+                                          <p:spTgt spid="5">
+                                            <p:txEl>
+                                              <p:pRg st="1" end="1"/>
+                                            </p:txEl>
+                                          </p:spTgt>
+                                        </p:tgtEl>
+                                      </p:cBhvr>
+                                    </p:animEffect>
+                                  </p:childTnLst>
+                                </p:cTn>
+                              </p:par>
+                            </p:childTnLst>
+                          </p:cTn>
+                        </p:par>
+                      </p:childTnLst>
+                    </p:cTn>
+                  </p:par>
+                  <p:par>
+                    <p:cTn id="51" fill="hold">
+                      <p:stCondLst>
+                        <p:cond delay="indefinite"/>
+                      </p:stCondLst>
+                      <p:childTnLst>
+                        <p:par>
+                          <p:cTn id="52" fill="hold">
+                            <p:stCondLst>
+                              <p:cond delay="0"/>
+                            </p:stCondLst>
+                            <p:childTnLst>
+                              <p:par>
+                                <p:cTn id="53" presetID="10" presetClass="entr" presetSubtype="0" fill="hold" nodeType="clickEffect">
+                                  <p:stCondLst>
+                                    <p:cond delay="0"/>
+                                  </p:stCondLst>
+                                  <p:childTnLst>
+                                    <p:set>
+                                      <p:cBhvr>
+                                        <p:cTn id="54" dur="1" fill="hold">
+                                          <p:stCondLst>
+                                            <p:cond delay="0"/>
+                                          </p:stCondLst>
+                                        </p:cTn>
+                                        <p:tgtEl>
+                                          <p:spTgt spid="5">
+                                            <p:txEl>
+                                              <p:pRg st="14" end="14"/>
+                                            </p:txEl>
+                                          </p:spTgt>
+                                        </p:tgtEl>
+                                        <p:attrNameLst>
+                                          <p:attrName>style.visibility</p:attrName>
+                                        </p:attrNameLst>
+                                      </p:cBhvr>
+                                      <p:to>
+                                        <p:strVal val="visible"/>
+                                      </p:to>
+                                    </p:set>
+                                    <p:animEffect transition="in" filter="fade">
+                                      <p:cBhvr>
+                                        <p:cTn id="55" dur="500"/>
+                                        <p:tgtEl>
+                                          <p:spTgt spid="5">
+                                            <p:txEl>
+                                              <p:pRg st="14" end="14"/>
+                                            </p:txEl>
+                                          </p:spTgt>
+                                        </p:tgtEl>
+                                      </p:cBhvr>
+                                    </p:animEffect>
+                                  </p:childTnLst>
+                                </p:cTn>
+                              </p:par>
+                              <p:par>
+                                <p:cTn id="56" presetID="10" presetClass="entr" presetSubtype="0" fill="hold" nodeType="withEffect">
+                                  <p:stCondLst>
+                                    <p:cond delay="0"/>
+                                  </p:stCondLst>
+                                  <p:childTnLst>
+                                    <p:set>
+                                      <p:cBhvr>
+                                        <p:cTn id="57" dur="1" fill="hold">
+                                          <p:stCondLst>
+                                            <p:cond delay="0"/>
+                                          </p:stCondLst>
+                                        </p:cTn>
+                                        <p:tgtEl>
+                                          <p:spTgt spid="5">
+                                            <p:txEl>
+                                              <p:pRg st="4" end="4"/>
+                                            </p:txEl>
+                                          </p:spTgt>
+                                        </p:tgtEl>
+                                        <p:attrNameLst>
+                                          <p:attrName>style.visibility</p:attrName>
+                                        </p:attrNameLst>
+                                      </p:cBhvr>
+                                      <p:to>
+                                        <p:strVal val="visible"/>
+                                      </p:to>
+                                    </p:set>
+                                    <p:animEffect transition="in" filter="fade">
+                                      <p:cBhvr>
+                                        <p:cTn id="58" dur="500"/>
+                                        <p:tgtEl>
+                                          <p:spTgt spid="5">
+                                            <p:txEl>
+                                              <p:pRg st="4" end="4"/>
+                                            </p:txEl>
+                                          </p:spTgt>
+                                        </p:tgtEl>
+                                      </p:cBhvr>
+                                    </p:animEffect>
+                                  </p:childTnLst>
+                                </p:cTn>
+                              </p:par>
+                              <p:par>
+                                <p:cTn id="59" presetID="10" presetClass="entr" presetSubtype="0" fill="hold" nodeType="withEffect">
+                                  <p:stCondLst>
+                                    <p:cond delay="0"/>
+                                  </p:stCondLst>
+                                  <p:childTnLst>
+                                    <p:set>
+                                      <p:cBhvr>
+                                        <p:cTn id="60" dur="1" fill="hold">
+                                          <p:stCondLst>
+                                            <p:cond delay="0"/>
+                                          </p:stCondLst>
+                                        </p:cTn>
+                                        <p:tgtEl>
+                                          <p:spTgt spid="5">
+                                            <p:txEl>
+                                              <p:pRg st="5" end="5"/>
+                                            </p:txEl>
+                                          </p:spTgt>
+                                        </p:tgtEl>
+                                        <p:attrNameLst>
+                                          <p:attrName>style.visibility</p:attrName>
+                                        </p:attrNameLst>
+                                      </p:cBhvr>
+                                      <p:to>
+                                        <p:strVal val="visible"/>
+                                      </p:to>
+                                    </p:set>
+                                    <p:animEffect transition="in" filter="fade">
+                                      <p:cBhvr>
+                                        <p:cTn id="61" dur="500"/>
+                                        <p:tgtEl>
+                                          <p:spTgt spid="5">
+                                            <p:txEl>
+                                              <p:pRg st="5" end="5"/>
+                                            </p:txEl>
+                                          </p:spTgt>
+                                        </p:tgtEl>
+                                      </p:cBhvr>
+                                    </p:animEffect>
+                                  </p:childTnLst>
+                                </p:cTn>
+                              </p:par>
+                              <p:par>
+                                <p:cTn id="62" presetID="10" presetClass="entr" presetSubtype="0" fill="hold" nodeType="withEffect">
+                                  <p:stCondLst>
+                                    <p:cond delay="0"/>
+                                  </p:stCondLst>
+                                  <p:childTnLst>
+                                    <p:set>
+                                      <p:cBhvr>
+                                        <p:cTn id="63" dur="1" fill="hold">
+                                          <p:stCondLst>
+                                            <p:cond delay="0"/>
+                                          </p:stCondLst>
+                                        </p:cTn>
+                                        <p:tgtEl>
+                                          <p:spTgt spid="5">
+                                            <p:txEl>
+                                              <p:pRg st="2" end="2"/>
+                                            </p:txEl>
+                                          </p:spTgt>
+                                        </p:tgtEl>
+                                        <p:attrNameLst>
+                                          <p:attrName>style.visibility</p:attrName>
+                                        </p:attrNameLst>
+                                      </p:cBhvr>
+                                      <p:to>
+                                        <p:strVal val="visible"/>
+                                      </p:to>
+                                    </p:set>
+                                    <p:animEffect transition="in" filter="fade">
+                                      <p:cBhvr>
+                                        <p:cTn id="64" dur="500"/>
+                                        <p:tgtEl>
+                                          <p:spTgt spid="5">
+                                            <p:txEl>
+                                              <p:pRg st="2" end="2"/>
+                                            </p:txEl>
+                                          </p:spTgt>
+                                        </p:tgtEl>
+                                      </p:cBhvr>
+                                    </p:animEffect>
+                                  </p:childTnLst>
+                                </p:cTn>
+                              </p:par>
+                            </p:childTnLst>
+                          </p:cTn>
+                        </p:par>
+                      </p:childTnLst>
+                    </p:cTn>
+                  </p:par>
+                  <p:par>
+                    <p:cTn id="65" fill="hold">
+                      <p:stCondLst>
+                        <p:cond delay="indefinite"/>
+                      </p:stCondLst>
+                      <p:childTnLst>
+                        <p:par>
+                          <p:cTn id="66" fill="hold">
+                            <p:stCondLst>
+                              <p:cond delay="0"/>
+                            </p:stCondLst>
+                            <p:childTnLst>
+                              <p:par>
+                                <p:cTn id="67" presetID="10" presetClass="entr" presetSubtype="0" fill="hold" nodeType="clickEffect">
+                                  <p:stCondLst>
+                                    <p:cond delay="0"/>
+                                  </p:stCondLst>
+                                  <p:childTnLst>
+                                    <p:set>
+                                      <p:cBhvr>
+                                        <p:cTn id="68" dur="1" fill="hold">
+                                          <p:stCondLst>
+                                            <p:cond delay="0"/>
+                                          </p:stCondLst>
+                                        </p:cTn>
+                                        <p:tgtEl>
+                                          <p:spTgt spid="5">
+                                            <p:txEl>
+                                              <p:pRg st="6" end="6"/>
+                                            </p:txEl>
+                                          </p:spTgt>
+                                        </p:tgtEl>
+                                        <p:attrNameLst>
+                                          <p:attrName>style.visibility</p:attrName>
+                                        </p:attrNameLst>
+                                      </p:cBhvr>
+                                      <p:to>
+                                        <p:strVal val="visible"/>
+                                      </p:to>
+                                    </p:set>
+                                    <p:animEffect transition="in" filter="fade">
+                                      <p:cBhvr>
+                                        <p:cTn id="69" dur="500"/>
+                                        <p:tgtEl>
+                                          <p:spTgt spid="5">
+                                            <p:txEl>
+                                              <p:pRg st="6" end="6"/>
+                                            </p:txEl>
+                                          </p:spTgt>
+                                        </p:tgtEl>
+                                      </p:cBhvr>
+                                    </p:animEffect>
+                                  </p:childTnLst>
+                                </p:cTn>
+                              </p:par>
+                              <p:par>
+                                <p:cTn id="70" presetID="10" presetClass="entr" presetSubtype="0" fill="hold" nodeType="withEffect">
+                                  <p:stCondLst>
+                                    <p:cond delay="0"/>
+                                  </p:stCondLst>
+                                  <p:childTnLst>
+                                    <p:set>
+                                      <p:cBhvr>
+                                        <p:cTn id="71" dur="1" fill="hold">
+                                          <p:stCondLst>
+                                            <p:cond delay="0"/>
+                                          </p:stCondLst>
+                                        </p:cTn>
+                                        <p:tgtEl>
+                                          <p:spTgt spid="5">
+                                            <p:txEl>
+                                              <p:pRg st="12" end="12"/>
+                                            </p:txEl>
+                                          </p:spTgt>
+                                        </p:tgtEl>
+                                        <p:attrNameLst>
+                                          <p:attrName>style.visibility</p:attrName>
+                                        </p:attrNameLst>
+                                      </p:cBhvr>
+                                      <p:to>
+                                        <p:strVal val="visible"/>
+                                      </p:to>
+                                    </p:set>
+                                    <p:animEffect transition="in" filter="fade">
+                                      <p:cBhvr>
+                                        <p:cTn id="72" dur="500"/>
+                                        <p:tgtEl>
+                                          <p:spTgt spid="5">
+                                            <p:txEl>
+                                              <p:pRg st="12" end="12"/>
+                                            </p:txEl>
+                                          </p:spTgt>
+                                        </p:tgtEl>
+                                      </p:cBhvr>
+                                    </p:animEffect>
+                                  </p:childTnLst>
+                                </p:cTn>
+                              </p:par>
+                            </p:childTnLst>
+                          </p:cTn>
+                        </p:par>
+                      </p:childTnLst>
+                    </p:cTn>
+                  </p:par>
+                  <p:par>
+                    <p:cTn id="73" fill="hold">
+                      <p:stCondLst>
+                        <p:cond delay="indefinite"/>
+                      </p:stCondLst>
+                      <p:childTnLst>
+                        <p:par>
+                          <p:cTn id="74" fill="hold">
+                            <p:stCondLst>
+                              <p:cond delay="0"/>
+                            </p:stCondLst>
+                            <p:childTnLst>
+                              <p:par>
+                                <p:cTn id="75" presetID="10" presetClass="entr" presetSubtype="0" fill="hold" nodeType="clickEffect">
+                                  <p:stCondLst>
+                                    <p:cond delay="0"/>
+                                  </p:stCondLst>
+                                  <p:childTnLst>
+                                    <p:set>
+                                      <p:cBhvr>
+                                        <p:cTn id="76" dur="1" fill="hold">
+                                          <p:stCondLst>
+                                            <p:cond delay="0"/>
+                                          </p:stCondLst>
+                                        </p:cTn>
+                                        <p:tgtEl>
+                                          <p:spTgt spid="5">
+                                            <p:txEl>
+                                              <p:pRg st="7" end="7"/>
+                                            </p:txEl>
+                                          </p:spTgt>
+                                        </p:tgtEl>
+                                        <p:attrNameLst>
+                                          <p:attrName>style.visibility</p:attrName>
+                                        </p:attrNameLst>
+                                      </p:cBhvr>
+                                      <p:to>
+                                        <p:strVal val="visible"/>
+                                      </p:to>
+                                    </p:set>
+                                    <p:animEffect transition="in" filter="fade">
+                                      <p:cBhvr>
+                                        <p:cTn id="77" dur="500"/>
+                                        <p:tgtEl>
+                                          <p:spTgt spid="5">
+                                            <p:txEl>
+                                              <p:pRg st="7" end="7"/>
+                                            </p:txEl>
+                                          </p:spTgt>
+                                        </p:tgtEl>
+                                      </p:cBhvr>
+                                    </p:animEffect>
+                                  </p:childTnLst>
+                                </p:cTn>
+                              </p:par>
+                              <p:par>
+                                <p:cTn id="78" presetID="10" presetClass="entr" presetSubtype="0" fill="hold" nodeType="withEffect">
+                                  <p:stCondLst>
+                                    <p:cond delay="0"/>
+                                  </p:stCondLst>
+                                  <p:childTnLst>
+                                    <p:set>
+                                      <p:cBhvr>
+                                        <p:cTn id="79" dur="1" fill="hold">
+                                          <p:stCondLst>
+                                            <p:cond delay="0"/>
+                                          </p:stCondLst>
+                                        </p:cTn>
+                                        <p:tgtEl>
+                                          <p:spTgt spid="5">
+                                            <p:txEl>
+                                              <p:pRg st="8" end="8"/>
+                                            </p:txEl>
+                                          </p:spTgt>
+                                        </p:tgtEl>
+                                        <p:attrNameLst>
+                                          <p:attrName>style.visibility</p:attrName>
+                                        </p:attrNameLst>
+                                      </p:cBhvr>
+                                      <p:to>
+                                        <p:strVal val="visible"/>
+                                      </p:to>
+                                    </p:set>
+                                    <p:animEffect transition="in" filter="fade">
+                                      <p:cBhvr>
+                                        <p:cTn id="80" dur="500"/>
+                                        <p:tgtEl>
+                                          <p:spTgt spid="5">
+                                            <p:txEl>
+                                              <p:pRg st="8" end="8"/>
+                                            </p:txEl>
+                                          </p:spTgt>
+                                        </p:tgtEl>
+                                      </p:cBhvr>
+                                    </p:animEffect>
+                                  </p:childTnLst>
+                                </p:cTn>
+                              </p:par>
+                              <p:par>
+                                <p:cTn id="81" presetID="10" presetClass="entr" presetSubtype="0" fill="hold" nodeType="withEffect">
+                                  <p:stCondLst>
+                                    <p:cond delay="0"/>
+                                  </p:stCondLst>
+                                  <p:childTnLst>
+                                    <p:set>
+                                      <p:cBhvr>
+                                        <p:cTn id="82" dur="1" fill="hold">
+                                          <p:stCondLst>
+                                            <p:cond delay="0"/>
+                                          </p:stCondLst>
+                                        </p:cTn>
+                                        <p:tgtEl>
+                                          <p:spTgt spid="5">
+                                            <p:txEl>
+                                              <p:pRg st="9" end="9"/>
+                                            </p:txEl>
+                                          </p:spTgt>
+                                        </p:tgtEl>
+                                        <p:attrNameLst>
+                                          <p:attrName>style.visibility</p:attrName>
+                                        </p:attrNameLst>
+                                      </p:cBhvr>
+                                      <p:to>
+                                        <p:strVal val="visible"/>
+                                      </p:to>
+                                    </p:set>
+                                    <p:animEffect transition="in" filter="fade">
+                                      <p:cBhvr>
+                                        <p:cTn id="83" dur="500"/>
+                                        <p:tgtEl>
+                                          <p:spTgt spid="5">
+                                            <p:txEl>
+                                              <p:pRg st="9" end="9"/>
+                                            </p:txEl>
+                                          </p:spTgt>
+                                        </p:tgtEl>
+                                      </p:cBhvr>
+                                    </p:animEffect>
+                                  </p:childTnLst>
+                                </p:cTn>
+                              </p:par>
+                              <p:par>
+                                <p:cTn id="84" presetID="10" presetClass="entr" presetSubtype="0" fill="hold" nodeType="withEffect">
+                                  <p:stCondLst>
+                                    <p:cond delay="0"/>
+                                  </p:stCondLst>
+                                  <p:childTnLst>
+                                    <p:set>
+                                      <p:cBhvr>
+                                        <p:cTn id="85" dur="1" fill="hold">
+                                          <p:stCondLst>
+                                            <p:cond delay="0"/>
+                                          </p:stCondLst>
+                                        </p:cTn>
+                                        <p:tgtEl>
+                                          <p:spTgt spid="5">
+                                            <p:txEl>
+                                              <p:pRg st="10" end="10"/>
+                                            </p:txEl>
+                                          </p:spTgt>
+                                        </p:tgtEl>
+                                        <p:attrNameLst>
+                                          <p:attrName>style.visibility</p:attrName>
+                                        </p:attrNameLst>
+                                      </p:cBhvr>
+                                      <p:to>
+                                        <p:strVal val="visible"/>
+                                      </p:to>
+                                    </p:set>
+                                    <p:animEffect transition="in" filter="fade">
+                                      <p:cBhvr>
+                                        <p:cTn id="86" dur="500"/>
+                                        <p:tgtEl>
+                                          <p:spTgt spid="5">
+                                            <p:txEl>
+                                              <p:pRg st="10" end="10"/>
+                                            </p:txEl>
+                                          </p:spTgt>
+                                        </p:tgtEl>
+                                      </p:cBhvr>
+                                    </p:animEffect>
+                                  </p:childTnLst>
+                                </p:cTn>
+                              </p:par>
+                              <p:par>
+                                <p:cTn id="87" presetID="10" presetClass="entr" presetSubtype="0" fill="hold" nodeType="withEffect">
+                                  <p:stCondLst>
+                                    <p:cond delay="0"/>
+                                  </p:stCondLst>
+                                  <p:childTnLst>
+                                    <p:set>
+                                      <p:cBhvr>
+                                        <p:cTn id="88" dur="1" fill="hold">
+                                          <p:stCondLst>
+                                            <p:cond delay="0"/>
+                                          </p:stCondLst>
+                                        </p:cTn>
+                                        <p:tgtEl>
+                                          <p:spTgt spid="5">
+                                            <p:txEl>
+                                              <p:pRg st="11" end="11"/>
+                                            </p:txEl>
+                                          </p:spTgt>
+                                        </p:tgtEl>
+                                        <p:attrNameLst>
+                                          <p:attrName>style.visibility</p:attrName>
+                                        </p:attrNameLst>
+                                      </p:cBhvr>
+                                      <p:to>
+                                        <p:strVal val="visible"/>
+                                      </p:to>
+                                    </p:set>
+                                    <p:animEffect transition="in" filter="fade">
+                                      <p:cBhvr>
+                                        <p:cTn id="89" dur="500"/>
+                                        <p:tgtEl>
+                                          <p:spTgt spid="5">
+                                            <p:txEl>
+                                              <p:pRg st="11" end="11"/>
+                                            </p:txEl>
+                                          </p:spTgt>
+                                        </p:tgtEl>
+                                      </p:cBhvr>
+                                    </p:animEffect>
+                                  </p:childTnLst>
+                                </p:cTn>
+                              </p:par>
+                            </p:childTnLst>
+                          </p:cTn>
+                        </p:par>
+                      </p:childTnLst>
+                    </p:cTn>
+                  </p:par>
+                </p:childTnLst>
+              </p:cTn>
+              <p:prevCondLst>
+                <p:cond evt="onPrev" delay="0">
+                  <p:tgtEl>
+                    <p:sldTgt/>
+                  </p:tgtEl>
+                </p:cond>
+              </p:prevCondLst>
+              <p:nextCondLst>
+                <p:cond evt="onNext" delay="0">
+                  <p:tgtEl>
+                    <p:sldTgt/>
+                  </p:tgtEl>
+                </p:cond>
+              </p:nextCondLst>
+            </p:seq>
+          </p:childTnLst>
+        </p:cTn>
+      </p:par>
+    </p:tnLst>
+  </p:timing>
+</p:sld>
+</file>
+
+<file path=ppt/slides/slide16.xml><?xml version="1.0" encoding="utf-8"?>
+<p:sld xmlns:a="http://schemas.openxmlformats.org/drawingml/2006/main" xmlns:r="http://schemas.openxmlformats.org/officeDocument/2006/relationships" xmlns:p="http://schemas.openxmlformats.org/presentationml/2006/main">
+  <p:cSld>
+    <p:spTree>
+      <p:nvGrpSpPr>
+        <p:cNvPr id="1" name=""/>
+        <p:cNvGrpSpPr/>
+        <p:nvPr/>
+      </p:nvGrpSpPr>
+      <p:grpSpPr>
+        <a:xfrm>
+          <a:off x="0" y="0"/>
+          <a:ext cx="0" cy="0"/>
+          <a:chOff x="0" y="0"/>
+          <a:chExt cx="0" cy="0"/>
+        </a:xfrm>
+      </p:grpSpPr>
+      <p:sp>
+        <p:nvSpPr>
+          <p:cNvPr id="2" name="Titre 1"/>
+          <p:cNvSpPr>
+            <a:spLocks noGrp="1"/>
+          </p:cNvSpPr>
+          <p:nvPr>
+            <p:ph type="title"/>
+          </p:nvPr>
+        </p:nvSpPr>
+        <p:spPr/>
+        <p:txBody>
+          <a:bodyPr/>
+          <a:lstStyle/>
+          <a:p>
+            <a:r>
+              <a:rPr lang="fr-BE" b="1" u="sng" dirty="0"/>
+              <a:t>Table des matières</a:t>
+            </a:r>
+          </a:p>
+        </p:txBody>
+      </p:sp>
+      <p:sp>
+        <p:nvSpPr>
+          <p:cNvPr id="3" name="Espace réservé du contenu 2"/>
+          <p:cNvSpPr>
+            <a:spLocks noGrp="1"/>
+          </p:cNvSpPr>
+          <p:nvPr>
+            <p:ph idx="1"/>
+          </p:nvPr>
+        </p:nvSpPr>
+        <p:spPr/>
+        <p:txBody>
+          <a:bodyPr/>
+          <a:lstStyle/>
+          <a:p>
+            <a:r>
+              <a:rPr lang="fr-BE" dirty="0"/>
+              <a:t>Introduction</a:t>
+            </a:r>
+          </a:p>
+          <a:p>
+            <a:r>
+              <a:rPr lang="fr-BE" dirty="0"/>
+              <a:t>L’origine de YASC</a:t>
+            </a:r>
+          </a:p>
+          <a:p>
+            <a:r>
+              <a:rPr lang="fr-BE" dirty="0"/>
+              <a:t>Le fonctionnement de YASC </a:t>
+            </a:r>
+          </a:p>
+          <a:p>
+            <a:r>
+              <a:rPr lang="fr-BE" dirty="0"/>
+              <a:t>Après YASC</a:t>
+            </a:r>
+          </a:p>
+          <a:p>
+            <a:r>
+              <a:rPr lang="fr-BE" dirty="0"/>
+              <a:t>Conclusions</a:t>
+            </a:r>
+          </a:p>
+          <a:p>
+            <a:endParaRPr lang="fr-BE" dirty="0"/>
+          </a:p>
+        </p:txBody>
+      </p:sp>
+      <p:sp>
+        <p:nvSpPr>
+          <p:cNvPr id="4" name="Espace réservé de la date 3"/>
+          <p:cNvSpPr>
+            <a:spLocks noGrp="1"/>
+          </p:cNvSpPr>
+          <p:nvPr>
+            <p:ph type="dt" sz="half" idx="10"/>
+          </p:nvPr>
+        </p:nvSpPr>
+        <p:spPr/>
+        <p:txBody>
+          <a:bodyPr/>
+          <a:lstStyle/>
+          <a:p>
+            <a:fld id="{79D041C4-9CF1-402E-A8EB-3685967486CC}" type="datetime1">
+              <a:rPr lang="fr-BE" smtClean="0"/>
+              <a:t>04-06-17</a:t>
+            </a:fld>
+            <a:endParaRPr lang="fr-BE"/>
+          </a:p>
+        </p:txBody>
+      </p:sp>
+      <p:sp>
+        <p:nvSpPr>
+          <p:cNvPr id="5" name="Espace réservé du pied de page 4"/>
+          <p:cNvSpPr>
+            <a:spLocks noGrp="1"/>
+          </p:cNvSpPr>
+          <p:nvPr>
+            <p:ph type="ftr" sz="quarter" idx="11"/>
+          </p:nvPr>
+        </p:nvSpPr>
+        <p:spPr/>
+        <p:txBody>
+          <a:bodyPr/>
+          <a:lstStyle/>
+          <a:p>
+            <a:r>
+              <a:rPr lang="fr-BE"/>
+              <a:t>YASC</a:t>
+            </a:r>
+          </a:p>
+        </p:txBody>
+      </p:sp>
+      <p:sp>
+        <p:nvSpPr>
+          <p:cNvPr id="6" name="Espace réservé du numéro de diapositive 5"/>
+          <p:cNvSpPr>
+            <a:spLocks noGrp="1"/>
+          </p:cNvSpPr>
+          <p:nvPr>
+            <p:ph type="sldNum" sz="quarter" idx="12"/>
+          </p:nvPr>
+        </p:nvSpPr>
+        <p:spPr/>
+        <p:txBody>
+          <a:bodyPr/>
+          <a:lstStyle/>
+          <a:p>
+            <a:fld id="{6EE1A1CC-AF33-4215-8A11-806382416FAD}" type="slidenum">
+              <a:rPr lang="fr-BE" smtClean="0"/>
+              <a:t>16</a:t>
+            </a:fld>
+            <a:endParaRPr lang="fr-BE"/>
+          </a:p>
+        </p:txBody>
+      </p:sp>
+    </p:spTree>
+    <p:extLst>
+      <p:ext uri="{BB962C8B-B14F-4D97-AF65-F5344CB8AC3E}">
+        <p14:creationId xmlns:p14="http://schemas.microsoft.com/office/powerpoint/2010/main" val="2142454817"/>
+      </p:ext>
+    </p:extLst>
+  </p:cSld>
+  <p:clrMapOvr>
+    <a:masterClrMapping/>
+  </p:clrMapOvr>
+  <p:timing>
+    <p:tnLst>
+      <p:par>
+        <p:cTn id="1" dur="indefinite" restart="never" nodeType="tmRoot">
+          <p:childTnLst>
+            <p:seq concurrent="1" nextAc="seek">
+              <p:cTn id="2" dur="indefinite" nodeType="mainSeq">
+                <p:childTnLst>
+                  <p:par>
+                    <p:cTn id="3" fill="hold">
+                      <p:stCondLst>
+                        <p:cond delay="indefinite"/>
+                        <p:cond evt="onBegin" delay="0">
+                          <p:tn val="2"/>
+                        </p:cond>
+                      </p:stCondLst>
+                      <p:childTnLst>
+                        <p:par>
+                          <p:cTn id="4" fill="hold">
+                            <p:stCondLst>
+                              <p:cond delay="0"/>
+                            </p:stCondLst>
+                            <p:childTnLst>
+                              <p:par>
+                                <p:cTn id="5" presetID="9" presetClass="emph" presetSubtype="0" nodeType="withEffect">
+                                  <p:stCondLst>
+                                    <p:cond delay="1500"/>
+                                  </p:stCondLst>
+                                  <p:childTnLst>
+                                    <p:set>
+                                      <p:cBhvr>
+                                        <p:cTn id="6" dur="indefinite"/>
+                                        <p:tgtEl>
+                                          <p:spTgt spid="3">
+                                            <p:txEl>
+                                              <p:pRg st="0" end="0"/>
+                                            </p:txEl>
+                                          </p:spTgt>
+                                        </p:tgtEl>
+                                        <p:attrNameLst>
+                                          <p:attrName>style.opacity</p:attrName>
+                                        </p:attrNameLst>
+                                      </p:cBhvr>
+                                      <p:to>
+                                        <p:strVal val="0.5"/>
+                                      </p:to>
+                                    </p:set>
+                                    <p:animEffect filter="image" prLst="opacity: 0.5">
+                                      <p:cBhvr rctx="IE">
+                                        <p:cTn id="7" dur="indefinite"/>
+                                        <p:tgtEl>
+                                          <p:spTgt spid="3">
+                                            <p:txEl>
+                                              <p:pRg st="0" end="0"/>
+                                            </p:txEl>
+                                          </p:spTgt>
+                                        </p:tgtEl>
+                                      </p:cBhvr>
+                                    </p:animEffect>
+                                  </p:childTnLst>
+                                </p:cTn>
+                              </p:par>
+                              <p:par>
+                                <p:cTn id="8" presetID="9" presetClass="emph" presetSubtype="0" nodeType="withEffect">
+                                  <p:stCondLst>
+                                    <p:cond delay="1500"/>
+                                  </p:stCondLst>
+                                  <p:childTnLst>
+                                    <p:set>
+                                      <p:cBhvr>
+                                        <p:cTn id="9" dur="indefinite"/>
+                                        <p:tgtEl>
+                                          <p:spTgt spid="3">
+                                            <p:txEl>
+                                              <p:pRg st="1" end="1"/>
+                                            </p:txEl>
+                                          </p:spTgt>
+                                        </p:tgtEl>
+                                        <p:attrNameLst>
+                                          <p:attrName>style.opacity</p:attrName>
+                                        </p:attrNameLst>
+                                      </p:cBhvr>
+                                      <p:to>
+                                        <p:strVal val="0.5"/>
+                                      </p:to>
+                                    </p:set>
+                                    <p:animEffect filter="image" prLst="opacity: 0.5">
+                                      <p:cBhvr rctx="IE">
+                                        <p:cTn id="10" dur="indefinite"/>
+                                        <p:tgtEl>
+                                          <p:spTgt spid="3">
+                                            <p:txEl>
+                                              <p:pRg st="1" end="1"/>
+                                            </p:txEl>
+                                          </p:spTgt>
+                                        </p:tgtEl>
+                                      </p:cBhvr>
+                                    </p:animEffect>
+                                  </p:childTnLst>
+                                </p:cTn>
+                              </p:par>
+                              <p:par>
+                                <p:cTn id="11" presetID="9" presetClass="emph" presetSubtype="0" nodeType="withEffect">
+                                  <p:stCondLst>
+                                    <p:cond delay="1500"/>
+                                  </p:stCondLst>
+                                  <p:childTnLst>
+                                    <p:set>
+                                      <p:cBhvr>
+                                        <p:cTn id="12" dur="indefinite"/>
+                                        <p:tgtEl>
+                                          <p:spTgt spid="3">
+                                            <p:txEl>
+                                              <p:pRg st="2" end="2"/>
+                                            </p:txEl>
+                                          </p:spTgt>
+                                        </p:tgtEl>
+                                        <p:attrNameLst>
+                                          <p:attrName>style.opacity</p:attrName>
+                                        </p:attrNameLst>
+                                      </p:cBhvr>
+                                      <p:to>
+                                        <p:strVal val="0.5"/>
+                                      </p:to>
+                                    </p:set>
+                                    <p:animEffect filter="image" prLst="opacity: 0.5">
+                                      <p:cBhvr rctx="IE">
+                                        <p:cTn id="13" dur="indefinite"/>
+                                        <p:tgtEl>
+                                          <p:spTgt spid="3">
+                                            <p:txEl>
+                                              <p:pRg st="2" end="2"/>
+                                            </p:txEl>
+                                          </p:spTgt>
+                                        </p:tgtEl>
+                                      </p:cBhvr>
+                                    </p:animEffect>
+                                  </p:childTnLst>
+                                </p:cTn>
+                              </p:par>
+                              <p:par>
+                                <p:cTn id="14" presetID="24" presetClass="emph" presetSubtype="0" fill="hold" nodeType="withEffect">
+                                  <p:stCondLst>
+                                    <p:cond delay="1500"/>
+                                  </p:stCondLst>
+                                  <p:childTnLst>
+                                    <p:animClr clrSpc="hsl" dir="cw">
+                                      <p:cBhvr override="childStyle">
+                                        <p:cTn id="15" dur="500" fill="hold"/>
+                                        <p:tgtEl>
+                                          <p:spTgt spid="3">
+                                            <p:txEl>
+                                              <p:pRg st="3" end="3"/>
+                                            </p:txEl>
+                                          </p:spTgt>
+                                        </p:tgtEl>
+                                        <p:attrNameLst>
+                                          <p:attrName>style.color</p:attrName>
+                                        </p:attrNameLst>
+                                      </p:cBhvr>
+                                      <p:by>
+                                        <p:hsl h="0" s="-12549" l="-25098"/>
+                                      </p:by>
+                                    </p:animClr>
+                                    <p:animClr clrSpc="hsl" dir="cw">
+                                      <p:cBhvr>
+                                        <p:cTn id="16" dur="500" fill="hold"/>
+                                        <p:tgtEl>
+                                          <p:spTgt spid="3">
+                                            <p:txEl>
+                                              <p:pRg st="3" end="3"/>
+                                            </p:txEl>
+                                          </p:spTgt>
+                                        </p:tgtEl>
+                                        <p:attrNameLst>
+                                          <p:attrName>fillcolor</p:attrName>
+                                        </p:attrNameLst>
+                                      </p:cBhvr>
+                                      <p:by>
+                                        <p:hsl h="0" s="-12549" l="-25098"/>
+                                      </p:by>
+                                    </p:animClr>
+                                    <p:animClr clrSpc="hsl" dir="cw">
+                                      <p:cBhvr>
+                                        <p:cTn id="17" dur="500" fill="hold"/>
+                                        <p:tgtEl>
+                                          <p:spTgt spid="3">
+                                            <p:txEl>
+                                              <p:pRg st="3" end="3"/>
+                                            </p:txEl>
+                                          </p:spTgt>
+                                        </p:tgtEl>
+                                        <p:attrNameLst>
+                                          <p:attrName>stroke.color</p:attrName>
+                                        </p:attrNameLst>
+                                      </p:cBhvr>
+                                      <p:by>
+                                        <p:hsl h="0" s="-12549" l="-25098"/>
+                                      </p:by>
+                                    </p:animClr>
+                                    <p:set>
+                                      <p:cBhvr>
+                                        <p:cTn id="18" dur="500" fill="hold"/>
+                                        <p:tgtEl>
+                                          <p:spTgt spid="3">
+                                            <p:txEl>
+                                              <p:pRg st="3" end="3"/>
+                                            </p:txEl>
+                                          </p:spTgt>
+                                        </p:tgtEl>
+                                        <p:attrNameLst>
+                                          <p:attrName>fill.type</p:attrName>
+                                        </p:attrNameLst>
+                                      </p:cBhvr>
+                                      <p:to>
+                                        <p:strVal val="solid"/>
+                                      </p:to>
+                                    </p:set>
+                                  </p:childTnLst>
+                                </p:cTn>
+                              </p:par>
+                              <p:par>
+                                <p:cTn id="19" presetID="9" presetClass="emph" presetSubtype="0" nodeType="withEffect">
+                                  <p:stCondLst>
+                                    <p:cond delay="1500"/>
+                                  </p:stCondLst>
+                                  <p:childTnLst>
+                                    <p:set>
+                                      <p:cBhvr>
+                                        <p:cTn id="20" dur="indefinite"/>
+                                        <p:tgtEl>
+                                          <p:spTgt spid="3">
+                                            <p:txEl>
+                                              <p:pRg st="4" end="4"/>
+                                            </p:txEl>
+                                          </p:spTgt>
+                                        </p:tgtEl>
+                                        <p:attrNameLst>
+                                          <p:attrName>style.opacity</p:attrName>
+                                        </p:attrNameLst>
+                                      </p:cBhvr>
+                                      <p:to>
+                                        <p:strVal val="0.5"/>
+                                      </p:to>
+                                    </p:set>
+                                    <p:animEffect filter="image" prLst="opacity: 0.5">
+                                      <p:cBhvr rctx="IE">
+                                        <p:cTn id="21" dur="indefinite"/>
+                                        <p:tgtEl>
+                                          <p:spTgt spid="3">
+                                            <p:txEl>
+                                              <p:pRg st="4" end="4"/>
+                                            </p:txEl>
+                                          </p:spTgt>
+                                        </p:tgtEl>
+                                      </p:cBhvr>
+                                    </p:animEffect>
+                                  </p:childTnLst>
+                                </p:cTn>
+                              </p:par>
+                            </p:childTnLst>
+                          </p:cTn>
+                        </p:par>
+                      </p:childTnLst>
+                    </p:cTn>
+                  </p:par>
+                </p:childTnLst>
+              </p:cTn>
+              <p:prevCondLst>
+                <p:cond evt="onPrev" delay="0">
+                  <p:tgtEl>
+                    <p:sldTgt/>
+                  </p:tgtEl>
+                </p:cond>
+              </p:prevCondLst>
+              <p:nextCondLst>
+                <p:cond evt="onNext" delay="0">
+                  <p:tgtEl>
+                    <p:sldTgt/>
+                  </p:tgtEl>
+                </p:cond>
+              </p:nextCondLst>
+            </p:seq>
+          </p:childTnLst>
+        </p:cTn>
+      </p:par>
+    </p:tnLst>
+  </p:timing>
+</p:sld>
+</file>
+
+<file path=ppt/slides/slide17.xml><?xml version="1.0" encoding="utf-8"?>
+<p:sld xmlns:a="http://schemas.openxmlformats.org/drawingml/2006/main" xmlns:r="http://schemas.openxmlformats.org/officeDocument/2006/relationships" xmlns:p="http://schemas.openxmlformats.org/presentationml/2006/main">
+  <p:cSld>
+    <p:spTree>
+      <p:nvGrpSpPr>
+        <p:cNvPr id="1" name=""/>
+        <p:cNvGrpSpPr/>
+        <p:nvPr/>
+      </p:nvGrpSpPr>
+      <p:grpSpPr>
+        <a:xfrm>
+          <a:off x="0" y="0"/>
+          <a:ext cx="0" cy="0"/>
+          <a:chOff x="0" y="0"/>
+          <a:chExt cx="0" cy="0"/>
+        </a:xfrm>
+      </p:grpSpPr>
+      <p:sp>
+        <p:nvSpPr>
+          <p:cNvPr id="2" name="Titre 1">
+            <a:extLst>
+              <a:ext uri="{FF2B5EF4-FFF2-40B4-BE49-F238E27FC236}">
                 <a16:creationId xmlns:a16="http://schemas.microsoft.com/office/drawing/2014/main" id="{A67F6EEF-28A5-4AD1-8AD6-B618C9E60FCE}"/>
               </a:ext>
             </a:extLst>
@@ -9730,8 +13629,8 @@
           <a:lstStyle/>
           <a:p>
             <a:r>
-              <a:rPr lang="fr-BE" dirty="0"/>
-              <a:t>En sortie</a:t>
+              <a:rPr lang="fr-BE" b="1" u="sng" dirty="0"/>
+              <a:t>Après YASC</a:t>
             </a:r>
           </a:p>
         </p:txBody>
@@ -9759,7 +13658,7 @@
           <a:p>
             <a:fld id="{79D041C4-9CF1-402E-A8EB-3685967486CC}" type="datetime1">
               <a:rPr lang="fr-BE" smtClean="0"/>
-              <a:t>03-06-17</a:t>
+              <a:t>04-06-17</a:t>
             </a:fld>
             <a:endParaRPr lang="fr-BE" dirty="0"/>
           </a:p>
@@ -9816,7 +13715,7 @@
           <a:p>
             <a:fld id="{6EE1A1CC-AF33-4215-8A11-806382416FAD}" type="slidenum">
               <a:rPr lang="fr-BE" smtClean="0"/>
-              <a:t>13</a:t>
+              <a:t>17</a:t>
             </a:fld>
             <a:endParaRPr lang="fr-BE" dirty="0"/>
           </a:p>
@@ -10611,6 +14510,368 @@
 </p:sld>
 </file>
 
+<file path=ppt/slides/slide18.xml><?xml version="1.0" encoding="utf-8"?>
+<p:sld xmlns:a="http://schemas.openxmlformats.org/drawingml/2006/main" xmlns:r="http://schemas.openxmlformats.org/officeDocument/2006/relationships" xmlns:p="http://schemas.openxmlformats.org/presentationml/2006/main">
+  <p:cSld>
+    <p:spTree>
+      <p:nvGrpSpPr>
+        <p:cNvPr id="1" name=""/>
+        <p:cNvGrpSpPr/>
+        <p:nvPr/>
+      </p:nvGrpSpPr>
+      <p:grpSpPr>
+        <a:xfrm>
+          <a:off x="0" y="0"/>
+          <a:ext cx="0" cy="0"/>
+          <a:chOff x="0" y="0"/>
+          <a:chExt cx="0" cy="0"/>
+        </a:xfrm>
+      </p:grpSpPr>
+      <p:sp>
+        <p:nvSpPr>
+          <p:cNvPr id="4" name="Espace réservé de la date 3">
+            <a:extLst>
+              <a:ext uri="{FF2B5EF4-FFF2-40B4-BE49-F238E27FC236}">
+                <a16:creationId xmlns:a16="http://schemas.microsoft.com/office/drawing/2014/main" id="{5B1BB1F8-F26F-45CE-9A9B-1E60DD00B583}"/>
+              </a:ext>
+            </a:extLst>
+          </p:cNvPr>
+          <p:cNvSpPr>
+            <a:spLocks noGrp="1"/>
+          </p:cNvSpPr>
+          <p:nvPr>
+            <p:ph type="dt" sz="half" idx="10"/>
+          </p:nvPr>
+        </p:nvSpPr>
+        <p:spPr>
+          <a:xfrm>
+            <a:off x="9732656" y="5883275"/>
+            <a:ext cx="1143000" cy="365125"/>
+          </a:xfrm>
+        </p:spPr>
+        <p:txBody>
+          <a:bodyPr/>
+          <a:lstStyle/>
+          <a:p>
+            <a:fld id="{79D041C4-9CF1-402E-A8EB-3685967486CC}" type="datetime1">
+              <a:rPr lang="fr-BE" smtClean="0"/>
+              <a:t>04-06-17</a:t>
+            </a:fld>
+            <a:endParaRPr lang="fr-BE" dirty="0"/>
+          </a:p>
+        </p:txBody>
+      </p:sp>
+      <p:sp>
+        <p:nvSpPr>
+          <p:cNvPr id="5" name="Espace réservé du pied de page 4">
+            <a:extLst>
+              <a:ext uri="{FF2B5EF4-FFF2-40B4-BE49-F238E27FC236}">
+                <a16:creationId xmlns:a16="http://schemas.microsoft.com/office/drawing/2014/main" id="{5EF214AA-0DBE-4BAB-B7E3-1686ECF46270}"/>
+              </a:ext>
+            </a:extLst>
+          </p:cNvPr>
+          <p:cNvSpPr>
+            <a:spLocks noGrp="1"/>
+          </p:cNvSpPr>
+          <p:nvPr>
+            <p:ph type="ftr" sz="quarter" idx="11"/>
+          </p:nvPr>
+        </p:nvSpPr>
+        <p:spPr>
+          <a:xfrm>
+            <a:off x="2572279" y="5883275"/>
+            <a:ext cx="7084177" cy="365125"/>
+          </a:xfrm>
+        </p:spPr>
+        <p:txBody>
+          <a:bodyPr/>
+          <a:lstStyle/>
+          <a:p>
+            <a:r>
+              <a:rPr lang="fr-BE"/>
+              <a:t>YASC</a:t>
+            </a:r>
+            <a:endParaRPr lang="fr-BE" dirty="0"/>
+          </a:p>
+        </p:txBody>
+      </p:sp>
+      <p:sp>
+        <p:nvSpPr>
+          <p:cNvPr id="6" name="Espace réservé du numéro de diapositive 5">
+            <a:extLst>
+              <a:ext uri="{FF2B5EF4-FFF2-40B4-BE49-F238E27FC236}">
+                <a16:creationId xmlns:a16="http://schemas.microsoft.com/office/drawing/2014/main" id="{84EADFB2-FC6F-4769-9609-A6B06A3A4F00}"/>
+              </a:ext>
+            </a:extLst>
+          </p:cNvPr>
+          <p:cNvSpPr>
+            <a:spLocks noGrp="1"/>
+          </p:cNvSpPr>
+          <p:nvPr>
+            <p:ph type="sldNum" sz="quarter" idx="12"/>
+          </p:nvPr>
+        </p:nvSpPr>
+        <p:spPr>
+          <a:xfrm>
+            <a:off x="10951856" y="5867131"/>
+            <a:ext cx="551167" cy="365125"/>
+          </a:xfrm>
+        </p:spPr>
+        <p:txBody>
+          <a:bodyPr/>
+          <a:lstStyle/>
+          <a:p>
+            <a:fld id="{6EE1A1CC-AF33-4215-8A11-806382416FAD}" type="slidenum">
+              <a:rPr lang="fr-BE" smtClean="0"/>
+              <a:t>18</a:t>
+            </a:fld>
+            <a:endParaRPr lang="fr-BE" dirty="0"/>
+          </a:p>
+        </p:txBody>
+      </p:sp>
+      <p:pic>
+        <p:nvPicPr>
+          <p:cNvPr id="7" name="Image 6">
+            <a:extLst>
+              <a:ext uri="{FF2B5EF4-FFF2-40B4-BE49-F238E27FC236}">
+                <a16:creationId xmlns:a16="http://schemas.microsoft.com/office/drawing/2014/main" id="{AEDE97E7-0E2F-4167-85C4-E2E247D4856D}"/>
+              </a:ext>
+            </a:extLst>
+          </p:cNvPr>
+          <p:cNvPicPr/>
+          <p:nvPr/>
+        </p:nvPicPr>
+        <p:blipFill>
+          <a:blip r:embed="rId2">
+            <a:extLst>
+              <a:ext uri="{28A0092B-C50C-407E-A947-70E740481C1C}">
+                <a14:useLocalDpi xmlns:a14="http://schemas.microsoft.com/office/drawing/2010/main" val="0"/>
+              </a:ext>
+            </a:extLst>
+          </a:blip>
+          <a:stretch>
+            <a:fillRect/>
+          </a:stretch>
+        </p:blipFill>
+        <p:spPr>
+          <a:xfrm>
+            <a:off x="217149" y="159026"/>
+            <a:ext cx="11794435" cy="5562331"/>
+          </a:xfrm>
+          <a:prstGeom prst="rect">
+            <a:avLst/>
+          </a:prstGeom>
+          <a:effectLst>
+            <a:outerShdw blurRad="50800" dist="38100" algn="l" rotWithShape="0">
+              <a:prstClr val="black">
+                <a:alpha val="40000"/>
+              </a:prstClr>
+            </a:outerShdw>
+          </a:effectLst>
+          <a:scene3d>
+            <a:camera prst="orthographicFront"/>
+            <a:lightRig rig="threePt" dir="t"/>
+          </a:scene3d>
+          <a:sp3d>
+            <a:bevelT/>
+          </a:sp3d>
+        </p:spPr>
+      </p:pic>
+    </p:spTree>
+    <p:extLst>
+      <p:ext uri="{BB962C8B-B14F-4D97-AF65-F5344CB8AC3E}">
+        <p14:creationId xmlns:p14="http://schemas.microsoft.com/office/powerpoint/2010/main" val="1461517823"/>
+      </p:ext>
+    </p:extLst>
+  </p:cSld>
+  <p:clrMapOvr>
+    <a:masterClrMapping/>
+  </p:clrMapOvr>
+</p:sld>
+</file>
+
+<file path=ppt/slides/slide19.xml><?xml version="1.0" encoding="utf-8"?>
+<p:sld xmlns:a="http://schemas.openxmlformats.org/drawingml/2006/main" xmlns:r="http://schemas.openxmlformats.org/officeDocument/2006/relationships" xmlns:p="http://schemas.openxmlformats.org/presentationml/2006/main">
+  <p:cSld>
+    <p:spTree>
+      <p:nvGrpSpPr>
+        <p:cNvPr id="1" name=""/>
+        <p:cNvGrpSpPr/>
+        <p:nvPr/>
+      </p:nvGrpSpPr>
+      <p:grpSpPr>
+        <a:xfrm>
+          <a:off x="0" y="0"/>
+          <a:ext cx="0" cy="0"/>
+          <a:chOff x="0" y="0"/>
+          <a:chExt cx="0" cy="0"/>
+        </a:xfrm>
+      </p:grpSpPr>
+      <p:sp>
+        <p:nvSpPr>
+          <p:cNvPr id="4" name="Espace réservé de la date 3">
+            <a:extLst>
+              <a:ext uri="{FF2B5EF4-FFF2-40B4-BE49-F238E27FC236}">
+                <a16:creationId xmlns:a16="http://schemas.microsoft.com/office/drawing/2014/main" id="{5B1BB1F8-F26F-45CE-9A9B-1E60DD00B583}"/>
+              </a:ext>
+            </a:extLst>
+          </p:cNvPr>
+          <p:cNvSpPr>
+            <a:spLocks noGrp="1"/>
+          </p:cNvSpPr>
+          <p:nvPr>
+            <p:ph type="dt" sz="half" idx="10"/>
+          </p:nvPr>
+        </p:nvSpPr>
+        <p:spPr>
+          <a:xfrm>
+            <a:off x="9732656" y="5883275"/>
+            <a:ext cx="1143000" cy="365125"/>
+          </a:xfrm>
+        </p:spPr>
+        <p:txBody>
+          <a:bodyPr/>
+          <a:lstStyle/>
+          <a:p>
+            <a:fld id="{79D041C4-9CF1-402E-A8EB-3685967486CC}" type="datetime1">
+              <a:rPr lang="fr-BE" smtClean="0"/>
+              <a:t>04-06-17</a:t>
+            </a:fld>
+            <a:endParaRPr lang="fr-BE" dirty="0"/>
+          </a:p>
+        </p:txBody>
+      </p:sp>
+      <p:sp>
+        <p:nvSpPr>
+          <p:cNvPr id="5" name="Espace réservé du pied de page 4">
+            <a:extLst>
+              <a:ext uri="{FF2B5EF4-FFF2-40B4-BE49-F238E27FC236}">
+                <a16:creationId xmlns:a16="http://schemas.microsoft.com/office/drawing/2014/main" id="{5EF214AA-0DBE-4BAB-B7E3-1686ECF46270}"/>
+              </a:ext>
+            </a:extLst>
+          </p:cNvPr>
+          <p:cNvSpPr>
+            <a:spLocks noGrp="1"/>
+          </p:cNvSpPr>
+          <p:nvPr>
+            <p:ph type="ftr" sz="quarter" idx="11"/>
+          </p:nvPr>
+        </p:nvSpPr>
+        <p:spPr>
+          <a:xfrm>
+            <a:off x="2572279" y="5883275"/>
+            <a:ext cx="7084177" cy="365125"/>
+          </a:xfrm>
+        </p:spPr>
+        <p:txBody>
+          <a:bodyPr/>
+          <a:lstStyle/>
+          <a:p>
+            <a:r>
+              <a:rPr lang="fr-BE"/>
+              <a:t>YASC</a:t>
+            </a:r>
+            <a:endParaRPr lang="fr-BE" dirty="0"/>
+          </a:p>
+        </p:txBody>
+      </p:sp>
+      <p:sp>
+        <p:nvSpPr>
+          <p:cNvPr id="6" name="Espace réservé du numéro de diapositive 5">
+            <a:extLst>
+              <a:ext uri="{FF2B5EF4-FFF2-40B4-BE49-F238E27FC236}">
+                <a16:creationId xmlns:a16="http://schemas.microsoft.com/office/drawing/2014/main" id="{84EADFB2-FC6F-4769-9609-A6B06A3A4F00}"/>
+              </a:ext>
+            </a:extLst>
+          </p:cNvPr>
+          <p:cNvSpPr>
+            <a:spLocks noGrp="1"/>
+          </p:cNvSpPr>
+          <p:nvPr>
+            <p:ph type="sldNum" sz="quarter" idx="12"/>
+          </p:nvPr>
+        </p:nvSpPr>
+        <p:spPr>
+          <a:xfrm>
+            <a:off x="10951856" y="5867131"/>
+            <a:ext cx="551167" cy="365125"/>
+          </a:xfrm>
+        </p:spPr>
+        <p:txBody>
+          <a:bodyPr/>
+          <a:lstStyle/>
+          <a:p>
+            <a:fld id="{6EE1A1CC-AF33-4215-8A11-806382416FAD}" type="slidenum">
+              <a:rPr lang="fr-BE" smtClean="0"/>
+              <a:t>19</a:t>
+            </a:fld>
+            <a:endParaRPr lang="fr-BE" dirty="0"/>
+          </a:p>
+        </p:txBody>
+      </p:sp>
+      <p:pic>
+        <p:nvPicPr>
+          <p:cNvPr id="9" name="Image 8" descr="Une image contenant capture d’écran&#10;&#10;Description générée avec un niveau de confiance très élevé">
+            <a:extLst>
+              <a:ext uri="{FF2B5EF4-FFF2-40B4-BE49-F238E27FC236}">
+                <a16:creationId xmlns:a16="http://schemas.microsoft.com/office/drawing/2014/main" id="{9117D762-6B5E-4EAC-AE9C-E655FCC20C32}"/>
+              </a:ext>
+            </a:extLst>
+          </p:cNvPr>
+          <p:cNvPicPr>
+            <a:picLocks noChangeAspect="1"/>
+          </p:cNvPicPr>
+          <p:nvPr/>
+        </p:nvPicPr>
+        <p:blipFill>
+          <a:blip r:embed="rId2">
+            <a:extLst>
+              <a:ext uri="{28A0092B-C50C-407E-A947-70E740481C1C}">
+                <a14:useLocalDpi xmlns:a14="http://schemas.microsoft.com/office/drawing/2010/main" val="0"/>
+              </a:ext>
+            </a:extLst>
+          </a:blip>
+          <a:stretch>
+            <a:fillRect/>
+          </a:stretch>
+        </p:blipFill>
+        <p:spPr>
+          <a:xfrm>
+            <a:off x="239421" y="980450"/>
+            <a:ext cx="11749892" cy="3962610"/>
+          </a:xfrm>
+          <a:prstGeom prst="rect">
+            <a:avLst/>
+          </a:prstGeom>
+          <a:effectLst>
+            <a:outerShdw blurRad="50800" dist="38100" algn="l" rotWithShape="0">
+              <a:prstClr val="black">
+                <a:alpha val="40000"/>
+              </a:prstClr>
+            </a:outerShdw>
+          </a:effectLst>
+          <a:scene3d>
+            <a:camera prst="orthographicFront"/>
+            <a:lightRig rig="threePt" dir="t"/>
+          </a:scene3d>
+          <a:sp3d>
+            <a:bevelT/>
+          </a:sp3d>
+        </p:spPr>
+      </p:pic>
+    </p:spTree>
+    <p:extLst>
+      <p:ext uri="{BB962C8B-B14F-4D97-AF65-F5344CB8AC3E}">
+        <p14:creationId xmlns:p14="http://schemas.microsoft.com/office/powerpoint/2010/main" val="1968609398"/>
+      </p:ext>
+    </p:extLst>
+  </p:cSld>
+  <p:clrMapOvr>
+    <a:masterClrMapping/>
+  </p:clrMapOvr>
+</p:sld>
+</file>
+
 <file path=ppt/slides/slide2.xml><?xml version="1.0" encoding="utf-8"?>
 <p:sld xmlns:a="http://schemas.openxmlformats.org/drawingml/2006/main" xmlns:r="http://schemas.openxmlformats.org/officeDocument/2006/relationships" xmlns:p="http://schemas.openxmlformats.org/presentationml/2006/main">
   <p:cSld>
@@ -10644,7 +14905,7 @@
           <a:lstStyle/>
           <a:p>
             <a:r>
-              <a:rPr lang="fr-BE" dirty="0"/>
+              <a:rPr lang="fr-BE" b="1" u="sng" dirty="0"/>
               <a:t>Table des matières</a:t>
             </a:r>
           </a:p>
@@ -10716,7 +14977,7 @@
           <a:p>
             <a:fld id="{79D041C4-9CF1-402E-A8EB-3685967486CC}" type="datetime1">
               <a:rPr lang="fr-BE" smtClean="0"/>
-              <a:t>03-06-17</a:t>
+              <a:t>04-06-17</a:t>
             </a:fld>
             <a:endParaRPr lang="fr-BE"/>
           </a:p>
@@ -10789,6 +15050,9 @@
                     <p:cTn id="3" fill="hold">
                       <p:stCondLst>
                         <p:cond delay="indefinite"/>
+                        <p:cond evt="onBegin" delay="0">
+                          <p:tn val="2"/>
+                        </p:cond>
                       </p:stCondLst>
                       <p:childTnLst>
                         <p:par>
@@ -10798,9 +15062,9 @@
                             </p:stCondLst>
                             <p:childTnLst>
                               <p:par>
-                                <p:cTn id="5" presetID="24" presetClass="emph" presetSubtype="0" fill="hold" nodeType="clickEffect">
+                                <p:cTn id="5" presetID="24" presetClass="emph" presetSubtype="0" fill="hold" nodeType="withEffect">
                                   <p:stCondLst>
-                                    <p:cond delay="0"/>
+                                    <p:cond delay="1500"/>
                                   </p:stCondLst>
                                   <p:childTnLst>
                                     <p:animClr clrSpc="hsl" dir="cw">
@@ -10881,7 +15145,7 @@
                               <p:par>
                                 <p:cTn id="10" presetID="9" presetClass="emph" presetSubtype="0" nodeType="withEffect">
                                   <p:stCondLst>
-                                    <p:cond delay="0"/>
+                                    <p:cond delay="1500"/>
                                   </p:stCondLst>
                                   <p:childTnLst>
                                     <p:set>
@@ -10920,7 +15184,7 @@
                               <p:par>
                                 <p:cTn id="13" presetID="9" presetClass="emph" presetSubtype="0" nodeType="withEffect">
                                   <p:stCondLst>
-                                    <p:cond delay="0"/>
+                                    <p:cond delay="1500"/>
                                   </p:stCondLst>
                                   <p:childTnLst>
                                     <p:set>
@@ -10959,7 +15223,7 @@
                               <p:par>
                                 <p:cTn id="16" presetID="9" presetClass="emph" presetSubtype="0" nodeType="withEffect">
                                   <p:stCondLst>
-                                    <p:cond delay="0"/>
+                                    <p:cond delay="1500"/>
                                   </p:stCondLst>
                                   <p:childTnLst>
                                     <p:set>
@@ -10998,7 +15262,7 @@
                               <p:par>
                                 <p:cTn id="19" presetID="9" presetClass="emph" presetSubtype="0" nodeType="withEffect">
                                   <p:stCondLst>
-                                    <p:cond delay="0"/>
+                                    <p:cond delay="1500"/>
                                   </p:stCondLst>
                                   <p:childTnLst>
                                     <p:set>
@@ -11065,6 +15329,860 @@
 </p:sld>
 </file>
 
+<file path=ppt/slides/slide20.xml><?xml version="1.0" encoding="utf-8"?>
+<p:sld xmlns:a="http://schemas.openxmlformats.org/drawingml/2006/main" xmlns:r="http://schemas.openxmlformats.org/officeDocument/2006/relationships" xmlns:p="http://schemas.openxmlformats.org/presentationml/2006/main">
+  <p:cSld>
+    <p:spTree>
+      <p:nvGrpSpPr>
+        <p:cNvPr id="1" name=""/>
+        <p:cNvGrpSpPr/>
+        <p:nvPr/>
+      </p:nvGrpSpPr>
+      <p:grpSpPr>
+        <a:xfrm>
+          <a:off x="0" y="0"/>
+          <a:ext cx="0" cy="0"/>
+          <a:chOff x="0" y="0"/>
+          <a:chExt cx="0" cy="0"/>
+        </a:xfrm>
+      </p:grpSpPr>
+      <p:sp>
+        <p:nvSpPr>
+          <p:cNvPr id="2" name="Titre 1"/>
+          <p:cNvSpPr>
+            <a:spLocks noGrp="1"/>
+          </p:cNvSpPr>
+          <p:nvPr>
+            <p:ph type="title"/>
+          </p:nvPr>
+        </p:nvSpPr>
+        <p:spPr/>
+        <p:txBody>
+          <a:bodyPr/>
+          <a:lstStyle/>
+          <a:p>
+            <a:r>
+              <a:rPr lang="fr-BE" b="1" u="sng" dirty="0"/>
+              <a:t>Table des matières</a:t>
+            </a:r>
+          </a:p>
+        </p:txBody>
+      </p:sp>
+      <p:sp>
+        <p:nvSpPr>
+          <p:cNvPr id="3" name="Espace réservé du contenu 2"/>
+          <p:cNvSpPr>
+            <a:spLocks noGrp="1"/>
+          </p:cNvSpPr>
+          <p:nvPr>
+            <p:ph idx="1"/>
+          </p:nvPr>
+        </p:nvSpPr>
+        <p:spPr/>
+        <p:txBody>
+          <a:bodyPr/>
+          <a:lstStyle/>
+          <a:p>
+            <a:r>
+              <a:rPr lang="fr-BE" dirty="0"/>
+              <a:t>Introduction</a:t>
+            </a:r>
+          </a:p>
+          <a:p>
+            <a:r>
+              <a:rPr lang="fr-BE" dirty="0"/>
+              <a:t>L’origine de YASC</a:t>
+            </a:r>
+          </a:p>
+          <a:p>
+            <a:r>
+              <a:rPr lang="fr-BE" dirty="0"/>
+              <a:t>Le fonctionnement de YASC </a:t>
+            </a:r>
+          </a:p>
+          <a:p>
+            <a:r>
+              <a:rPr lang="fr-BE" dirty="0"/>
+              <a:t>Après YASC</a:t>
+            </a:r>
+          </a:p>
+          <a:p>
+            <a:r>
+              <a:rPr lang="fr-BE" dirty="0"/>
+              <a:t>Conclusions</a:t>
+            </a:r>
+          </a:p>
+          <a:p>
+            <a:endParaRPr lang="fr-BE" dirty="0"/>
+          </a:p>
+        </p:txBody>
+      </p:sp>
+      <p:sp>
+        <p:nvSpPr>
+          <p:cNvPr id="4" name="Espace réservé de la date 3"/>
+          <p:cNvSpPr>
+            <a:spLocks noGrp="1"/>
+          </p:cNvSpPr>
+          <p:nvPr>
+            <p:ph type="dt" sz="half" idx="10"/>
+          </p:nvPr>
+        </p:nvSpPr>
+        <p:spPr/>
+        <p:txBody>
+          <a:bodyPr/>
+          <a:lstStyle/>
+          <a:p>
+            <a:fld id="{79D041C4-9CF1-402E-A8EB-3685967486CC}" type="datetime1">
+              <a:rPr lang="fr-BE" smtClean="0"/>
+              <a:t>04-06-17</a:t>
+            </a:fld>
+            <a:endParaRPr lang="fr-BE"/>
+          </a:p>
+        </p:txBody>
+      </p:sp>
+      <p:sp>
+        <p:nvSpPr>
+          <p:cNvPr id="5" name="Espace réservé du pied de page 4"/>
+          <p:cNvSpPr>
+            <a:spLocks noGrp="1"/>
+          </p:cNvSpPr>
+          <p:nvPr>
+            <p:ph type="ftr" sz="quarter" idx="11"/>
+          </p:nvPr>
+        </p:nvSpPr>
+        <p:spPr/>
+        <p:txBody>
+          <a:bodyPr/>
+          <a:lstStyle/>
+          <a:p>
+            <a:r>
+              <a:rPr lang="fr-BE"/>
+              <a:t>YASC</a:t>
+            </a:r>
+          </a:p>
+        </p:txBody>
+      </p:sp>
+      <p:sp>
+        <p:nvSpPr>
+          <p:cNvPr id="6" name="Espace réservé du numéro de diapositive 5"/>
+          <p:cNvSpPr>
+            <a:spLocks noGrp="1"/>
+          </p:cNvSpPr>
+          <p:nvPr>
+            <p:ph type="sldNum" sz="quarter" idx="12"/>
+          </p:nvPr>
+        </p:nvSpPr>
+        <p:spPr/>
+        <p:txBody>
+          <a:bodyPr/>
+          <a:lstStyle/>
+          <a:p>
+            <a:fld id="{6EE1A1CC-AF33-4215-8A11-806382416FAD}" type="slidenum">
+              <a:rPr lang="fr-BE" smtClean="0"/>
+              <a:t>20</a:t>
+            </a:fld>
+            <a:endParaRPr lang="fr-BE"/>
+          </a:p>
+        </p:txBody>
+      </p:sp>
+    </p:spTree>
+    <p:extLst>
+      <p:ext uri="{BB962C8B-B14F-4D97-AF65-F5344CB8AC3E}">
+        <p14:creationId xmlns:p14="http://schemas.microsoft.com/office/powerpoint/2010/main" val="1050490115"/>
+      </p:ext>
+    </p:extLst>
+  </p:cSld>
+  <p:clrMapOvr>
+    <a:masterClrMapping/>
+  </p:clrMapOvr>
+  <p:timing>
+    <p:tnLst>
+      <p:par>
+        <p:cTn id="1" dur="indefinite" restart="never" nodeType="tmRoot">
+          <p:childTnLst>
+            <p:seq concurrent="1" nextAc="seek">
+              <p:cTn id="2" dur="indefinite" nodeType="mainSeq">
+                <p:childTnLst>
+                  <p:par>
+                    <p:cTn id="3" fill="hold">
+                      <p:stCondLst>
+                        <p:cond delay="indefinite"/>
+                        <p:cond evt="onBegin" delay="0">
+                          <p:tn val="2"/>
+                        </p:cond>
+                      </p:stCondLst>
+                      <p:childTnLst>
+                        <p:par>
+                          <p:cTn id="4" fill="hold">
+                            <p:stCondLst>
+                              <p:cond delay="0"/>
+                            </p:stCondLst>
+                            <p:childTnLst>
+                              <p:par>
+                                <p:cTn id="5" presetID="9" presetClass="emph" presetSubtype="0" nodeType="withEffect">
+                                  <p:stCondLst>
+                                    <p:cond delay="1500"/>
+                                  </p:stCondLst>
+                                  <p:childTnLst>
+                                    <p:set>
+                                      <p:cBhvr>
+                                        <p:cTn id="6" dur="indefinite"/>
+                                        <p:tgtEl>
+                                          <p:spTgt spid="3">
+                                            <p:txEl>
+                                              <p:pRg st="0" end="0"/>
+                                            </p:txEl>
+                                          </p:spTgt>
+                                        </p:tgtEl>
+                                        <p:attrNameLst>
+                                          <p:attrName>style.opacity</p:attrName>
+                                        </p:attrNameLst>
+                                      </p:cBhvr>
+                                      <p:to>
+                                        <p:strVal val="0.5"/>
+                                      </p:to>
+                                    </p:set>
+                                    <p:animEffect filter="image" prLst="opacity: 0.5">
+                                      <p:cBhvr rctx="IE">
+                                        <p:cTn id="7" dur="indefinite"/>
+                                        <p:tgtEl>
+                                          <p:spTgt spid="3">
+                                            <p:txEl>
+                                              <p:pRg st="0" end="0"/>
+                                            </p:txEl>
+                                          </p:spTgt>
+                                        </p:tgtEl>
+                                      </p:cBhvr>
+                                    </p:animEffect>
+                                  </p:childTnLst>
+                                </p:cTn>
+                              </p:par>
+                              <p:par>
+                                <p:cTn id="8" presetID="9" presetClass="emph" presetSubtype="0" nodeType="withEffect">
+                                  <p:stCondLst>
+                                    <p:cond delay="1500"/>
+                                  </p:stCondLst>
+                                  <p:childTnLst>
+                                    <p:set>
+                                      <p:cBhvr>
+                                        <p:cTn id="9" dur="indefinite"/>
+                                        <p:tgtEl>
+                                          <p:spTgt spid="3">
+                                            <p:txEl>
+                                              <p:pRg st="1" end="1"/>
+                                            </p:txEl>
+                                          </p:spTgt>
+                                        </p:tgtEl>
+                                        <p:attrNameLst>
+                                          <p:attrName>style.opacity</p:attrName>
+                                        </p:attrNameLst>
+                                      </p:cBhvr>
+                                      <p:to>
+                                        <p:strVal val="0.5"/>
+                                      </p:to>
+                                    </p:set>
+                                    <p:animEffect filter="image" prLst="opacity: 0.5">
+                                      <p:cBhvr rctx="IE">
+                                        <p:cTn id="10" dur="indefinite"/>
+                                        <p:tgtEl>
+                                          <p:spTgt spid="3">
+                                            <p:txEl>
+                                              <p:pRg st="1" end="1"/>
+                                            </p:txEl>
+                                          </p:spTgt>
+                                        </p:tgtEl>
+                                      </p:cBhvr>
+                                    </p:animEffect>
+                                  </p:childTnLst>
+                                </p:cTn>
+                              </p:par>
+                              <p:par>
+                                <p:cTn id="11" presetID="9" presetClass="emph" presetSubtype="0" nodeType="withEffect">
+                                  <p:stCondLst>
+                                    <p:cond delay="1500"/>
+                                  </p:stCondLst>
+                                  <p:childTnLst>
+                                    <p:set>
+                                      <p:cBhvr>
+                                        <p:cTn id="12" dur="indefinite"/>
+                                        <p:tgtEl>
+                                          <p:spTgt spid="3">
+                                            <p:txEl>
+                                              <p:pRg st="2" end="2"/>
+                                            </p:txEl>
+                                          </p:spTgt>
+                                        </p:tgtEl>
+                                        <p:attrNameLst>
+                                          <p:attrName>style.opacity</p:attrName>
+                                        </p:attrNameLst>
+                                      </p:cBhvr>
+                                      <p:to>
+                                        <p:strVal val="0.5"/>
+                                      </p:to>
+                                    </p:set>
+                                    <p:animEffect filter="image" prLst="opacity: 0.5">
+                                      <p:cBhvr rctx="IE">
+                                        <p:cTn id="13" dur="indefinite"/>
+                                        <p:tgtEl>
+                                          <p:spTgt spid="3">
+                                            <p:txEl>
+                                              <p:pRg st="2" end="2"/>
+                                            </p:txEl>
+                                          </p:spTgt>
+                                        </p:tgtEl>
+                                      </p:cBhvr>
+                                    </p:animEffect>
+                                  </p:childTnLst>
+                                </p:cTn>
+                              </p:par>
+                              <p:par>
+                                <p:cTn id="14" presetID="9" presetClass="emph" presetSubtype="0" nodeType="withEffect">
+                                  <p:stCondLst>
+                                    <p:cond delay="1500"/>
+                                  </p:stCondLst>
+                                  <p:childTnLst>
+                                    <p:set>
+                                      <p:cBhvr>
+                                        <p:cTn id="15" dur="indefinite"/>
+                                        <p:tgtEl>
+                                          <p:spTgt spid="3">
+                                            <p:txEl>
+                                              <p:pRg st="3" end="3"/>
+                                            </p:txEl>
+                                          </p:spTgt>
+                                        </p:tgtEl>
+                                        <p:attrNameLst>
+                                          <p:attrName>style.opacity</p:attrName>
+                                        </p:attrNameLst>
+                                      </p:cBhvr>
+                                      <p:to>
+                                        <p:strVal val="0.5"/>
+                                      </p:to>
+                                    </p:set>
+                                    <p:animEffect filter="image" prLst="opacity: 0.5">
+                                      <p:cBhvr rctx="IE">
+                                        <p:cTn id="16" dur="indefinite"/>
+                                        <p:tgtEl>
+                                          <p:spTgt spid="3">
+                                            <p:txEl>
+                                              <p:pRg st="3" end="3"/>
+                                            </p:txEl>
+                                          </p:spTgt>
+                                        </p:tgtEl>
+                                      </p:cBhvr>
+                                    </p:animEffect>
+                                  </p:childTnLst>
+                                </p:cTn>
+                              </p:par>
+                              <p:par>
+                                <p:cTn id="17" presetID="24" presetClass="emph" presetSubtype="0" fill="hold" nodeType="withEffect">
+                                  <p:stCondLst>
+                                    <p:cond delay="1500"/>
+                                  </p:stCondLst>
+                                  <p:childTnLst>
+                                    <p:animClr clrSpc="hsl" dir="cw">
+                                      <p:cBhvr override="childStyle">
+                                        <p:cTn id="18" dur="500" fill="hold"/>
+                                        <p:tgtEl>
+                                          <p:spTgt spid="3">
+                                            <p:txEl>
+                                              <p:pRg st="4" end="4"/>
+                                            </p:txEl>
+                                          </p:spTgt>
+                                        </p:tgtEl>
+                                        <p:attrNameLst>
+                                          <p:attrName>style.color</p:attrName>
+                                        </p:attrNameLst>
+                                      </p:cBhvr>
+                                      <p:by>
+                                        <p:hsl h="0" s="-12549" l="-25098"/>
+                                      </p:by>
+                                    </p:animClr>
+                                    <p:animClr clrSpc="hsl" dir="cw">
+                                      <p:cBhvr>
+                                        <p:cTn id="19" dur="500" fill="hold"/>
+                                        <p:tgtEl>
+                                          <p:spTgt spid="3">
+                                            <p:txEl>
+                                              <p:pRg st="4" end="4"/>
+                                            </p:txEl>
+                                          </p:spTgt>
+                                        </p:tgtEl>
+                                        <p:attrNameLst>
+                                          <p:attrName>fillcolor</p:attrName>
+                                        </p:attrNameLst>
+                                      </p:cBhvr>
+                                      <p:by>
+                                        <p:hsl h="0" s="-12549" l="-25098"/>
+                                      </p:by>
+                                    </p:animClr>
+                                    <p:animClr clrSpc="hsl" dir="cw">
+                                      <p:cBhvr>
+                                        <p:cTn id="20" dur="500" fill="hold"/>
+                                        <p:tgtEl>
+                                          <p:spTgt spid="3">
+                                            <p:txEl>
+                                              <p:pRg st="4" end="4"/>
+                                            </p:txEl>
+                                          </p:spTgt>
+                                        </p:tgtEl>
+                                        <p:attrNameLst>
+                                          <p:attrName>stroke.color</p:attrName>
+                                        </p:attrNameLst>
+                                      </p:cBhvr>
+                                      <p:by>
+                                        <p:hsl h="0" s="-12549" l="-25098"/>
+                                      </p:by>
+                                    </p:animClr>
+                                    <p:set>
+                                      <p:cBhvr>
+                                        <p:cTn id="21" dur="500" fill="hold"/>
+                                        <p:tgtEl>
+                                          <p:spTgt spid="3">
+                                            <p:txEl>
+                                              <p:pRg st="4" end="4"/>
+                                            </p:txEl>
+                                          </p:spTgt>
+                                        </p:tgtEl>
+                                        <p:attrNameLst>
+                                          <p:attrName>fill.type</p:attrName>
+                                        </p:attrNameLst>
+                                      </p:cBhvr>
+                                      <p:to>
+                                        <p:strVal val="solid"/>
+                                      </p:to>
+                                    </p:set>
+                                  </p:childTnLst>
+                                </p:cTn>
+                              </p:par>
+                            </p:childTnLst>
+                          </p:cTn>
+                        </p:par>
+                      </p:childTnLst>
+                    </p:cTn>
+                  </p:par>
+                </p:childTnLst>
+              </p:cTn>
+              <p:prevCondLst>
+                <p:cond evt="onPrev" delay="0">
+                  <p:tgtEl>
+                    <p:sldTgt/>
+                  </p:tgtEl>
+                </p:cond>
+              </p:prevCondLst>
+              <p:nextCondLst>
+                <p:cond evt="onNext" delay="0">
+                  <p:tgtEl>
+                    <p:sldTgt/>
+                  </p:tgtEl>
+                </p:cond>
+              </p:nextCondLst>
+            </p:seq>
+          </p:childTnLst>
+        </p:cTn>
+      </p:par>
+    </p:tnLst>
+  </p:timing>
+</p:sld>
+</file>
+
+<file path=ppt/slides/slide21.xml><?xml version="1.0" encoding="utf-8"?>
+<p:sld xmlns:a="http://schemas.openxmlformats.org/drawingml/2006/main" xmlns:r="http://schemas.openxmlformats.org/officeDocument/2006/relationships" xmlns:p="http://schemas.openxmlformats.org/presentationml/2006/main">
+  <p:cSld>
+    <p:spTree>
+      <p:nvGrpSpPr>
+        <p:cNvPr id="1" name=""/>
+        <p:cNvGrpSpPr/>
+        <p:nvPr/>
+      </p:nvGrpSpPr>
+      <p:grpSpPr>
+        <a:xfrm>
+          <a:off x="0" y="0"/>
+          <a:ext cx="0" cy="0"/>
+          <a:chOff x="0" y="0"/>
+          <a:chExt cx="0" cy="0"/>
+        </a:xfrm>
+      </p:grpSpPr>
+      <p:sp>
+        <p:nvSpPr>
+          <p:cNvPr id="2" name="Titre 1">
+            <a:extLst>
+              <a:ext uri="{FF2B5EF4-FFF2-40B4-BE49-F238E27FC236}">
+                <a16:creationId xmlns:a16="http://schemas.microsoft.com/office/drawing/2014/main" id="{63801A6C-B783-4461-8794-4B67DE5ED00E}"/>
+              </a:ext>
+            </a:extLst>
+          </p:cNvPr>
+          <p:cNvSpPr>
+            <a:spLocks noGrp="1"/>
+          </p:cNvSpPr>
+          <p:nvPr>
+            <p:ph type="title"/>
+          </p:nvPr>
+        </p:nvSpPr>
+        <p:spPr/>
+        <p:txBody>
+          <a:bodyPr/>
+          <a:lstStyle/>
+          <a:p>
+            <a:r>
+              <a:rPr lang="fr-BE" b="1" u="sng" dirty="0"/>
+              <a:t>Conclusion technique</a:t>
+            </a:r>
+          </a:p>
+        </p:txBody>
+      </p:sp>
+      <p:sp>
+        <p:nvSpPr>
+          <p:cNvPr id="3" name="Espace réservé du contenu 2">
+            <a:extLst>
+              <a:ext uri="{FF2B5EF4-FFF2-40B4-BE49-F238E27FC236}">
+                <a16:creationId xmlns:a16="http://schemas.microsoft.com/office/drawing/2014/main" id="{2108714C-11E7-4D93-BCCD-8C0B0C3B10C4}"/>
+              </a:ext>
+            </a:extLst>
+          </p:cNvPr>
+          <p:cNvSpPr>
+            <a:spLocks noGrp="1"/>
+          </p:cNvSpPr>
+          <p:nvPr>
+            <p:ph idx="1"/>
+          </p:nvPr>
+        </p:nvSpPr>
+        <p:spPr>
+          <a:xfrm>
+            <a:off x="1484311" y="2322442"/>
+            <a:ext cx="10018713" cy="3124201"/>
+          </a:xfrm>
+        </p:spPr>
+        <p:txBody>
+          <a:bodyPr/>
+          <a:lstStyle/>
+          <a:p>
+            <a:pPr>
+              <a:lnSpc>
+                <a:spcPct val="150000"/>
+              </a:lnSpc>
+            </a:pPr>
+            <a:r>
+              <a:rPr lang="fr-BE" dirty="0"/>
+              <a:t>Puissance et modularité</a:t>
+            </a:r>
+          </a:p>
+          <a:p>
+            <a:pPr>
+              <a:lnSpc>
+                <a:spcPct val="150000"/>
+              </a:lnSpc>
+            </a:pPr>
+            <a:r>
+              <a:rPr lang="fr-BE" dirty="0"/>
+              <a:t>Interface utilisateur</a:t>
+            </a:r>
+          </a:p>
+          <a:p>
+            <a:pPr>
+              <a:lnSpc>
+                <a:spcPct val="150000"/>
+              </a:lnSpc>
+            </a:pPr>
+            <a:r>
+              <a:rPr lang="fr-BE" dirty="0"/>
+              <a:t>Maître d’orchestre</a:t>
+            </a:r>
+          </a:p>
+          <a:p>
+            <a:endParaRPr lang="fr-BE" dirty="0"/>
+          </a:p>
+        </p:txBody>
+      </p:sp>
+      <p:sp>
+        <p:nvSpPr>
+          <p:cNvPr id="4" name="Espace réservé de la date 3">
+            <a:extLst>
+              <a:ext uri="{FF2B5EF4-FFF2-40B4-BE49-F238E27FC236}">
+                <a16:creationId xmlns:a16="http://schemas.microsoft.com/office/drawing/2014/main" id="{2F687AE3-B498-45AD-95E0-F49B4DD06CB3}"/>
+              </a:ext>
+            </a:extLst>
+          </p:cNvPr>
+          <p:cNvSpPr>
+            <a:spLocks noGrp="1"/>
+          </p:cNvSpPr>
+          <p:nvPr>
+            <p:ph type="dt" sz="half" idx="10"/>
+          </p:nvPr>
+        </p:nvSpPr>
+        <p:spPr/>
+        <p:txBody>
+          <a:bodyPr/>
+          <a:lstStyle/>
+          <a:p>
+            <a:fld id="{79D041C4-9CF1-402E-A8EB-3685967486CC}" type="datetime1">
+              <a:rPr lang="fr-BE" smtClean="0"/>
+              <a:t>04-06-17</a:t>
+            </a:fld>
+            <a:endParaRPr lang="fr-BE" dirty="0"/>
+          </a:p>
+        </p:txBody>
+      </p:sp>
+      <p:sp>
+        <p:nvSpPr>
+          <p:cNvPr id="5" name="Espace réservé du pied de page 4">
+            <a:extLst>
+              <a:ext uri="{FF2B5EF4-FFF2-40B4-BE49-F238E27FC236}">
+                <a16:creationId xmlns:a16="http://schemas.microsoft.com/office/drawing/2014/main" id="{B60C79F2-2104-4B0C-985F-FD8C3196319B}"/>
+              </a:ext>
+            </a:extLst>
+          </p:cNvPr>
+          <p:cNvSpPr>
+            <a:spLocks noGrp="1"/>
+          </p:cNvSpPr>
+          <p:nvPr>
+            <p:ph type="ftr" sz="quarter" idx="11"/>
+          </p:nvPr>
+        </p:nvSpPr>
+        <p:spPr/>
+        <p:txBody>
+          <a:bodyPr/>
+          <a:lstStyle/>
+          <a:p>
+            <a:r>
+              <a:rPr lang="fr-BE"/>
+              <a:t>YASC</a:t>
+            </a:r>
+            <a:endParaRPr lang="fr-BE" dirty="0"/>
+          </a:p>
+        </p:txBody>
+      </p:sp>
+      <p:sp>
+        <p:nvSpPr>
+          <p:cNvPr id="6" name="Espace réservé du numéro de diapositive 5">
+            <a:extLst>
+              <a:ext uri="{FF2B5EF4-FFF2-40B4-BE49-F238E27FC236}">
+                <a16:creationId xmlns:a16="http://schemas.microsoft.com/office/drawing/2014/main" id="{2508FF98-640F-45A4-81F1-6E166688E488}"/>
+              </a:ext>
+            </a:extLst>
+          </p:cNvPr>
+          <p:cNvSpPr>
+            <a:spLocks noGrp="1"/>
+          </p:cNvSpPr>
+          <p:nvPr>
+            <p:ph type="sldNum" sz="quarter" idx="12"/>
+          </p:nvPr>
+        </p:nvSpPr>
+        <p:spPr/>
+        <p:txBody>
+          <a:bodyPr/>
+          <a:lstStyle/>
+          <a:p>
+            <a:fld id="{6EE1A1CC-AF33-4215-8A11-806382416FAD}" type="slidenum">
+              <a:rPr lang="fr-BE" smtClean="0"/>
+              <a:t>21</a:t>
+            </a:fld>
+            <a:endParaRPr lang="fr-BE" dirty="0"/>
+          </a:p>
+        </p:txBody>
+      </p:sp>
+    </p:spTree>
+    <p:extLst>
+      <p:ext uri="{BB962C8B-B14F-4D97-AF65-F5344CB8AC3E}">
+        <p14:creationId xmlns:p14="http://schemas.microsoft.com/office/powerpoint/2010/main" val="3459038339"/>
+      </p:ext>
+    </p:extLst>
+  </p:cSld>
+  <p:clrMapOvr>
+    <a:masterClrMapping/>
+  </p:clrMapOvr>
+</p:sld>
+</file>
+
+<file path=ppt/slides/slide22.xml><?xml version="1.0" encoding="utf-8"?>
+<p:sld xmlns:a="http://schemas.openxmlformats.org/drawingml/2006/main" xmlns:r="http://schemas.openxmlformats.org/officeDocument/2006/relationships" xmlns:p="http://schemas.openxmlformats.org/presentationml/2006/main">
+  <p:cSld>
+    <p:spTree>
+      <p:nvGrpSpPr>
+        <p:cNvPr id="1" name=""/>
+        <p:cNvGrpSpPr/>
+        <p:nvPr/>
+      </p:nvGrpSpPr>
+      <p:grpSpPr>
+        <a:xfrm>
+          <a:off x="0" y="0"/>
+          <a:ext cx="0" cy="0"/>
+          <a:chOff x="0" y="0"/>
+          <a:chExt cx="0" cy="0"/>
+        </a:xfrm>
+      </p:grpSpPr>
+      <p:sp>
+        <p:nvSpPr>
+          <p:cNvPr id="2" name="Titre 1">
+            <a:extLst>
+              <a:ext uri="{FF2B5EF4-FFF2-40B4-BE49-F238E27FC236}">
+                <a16:creationId xmlns:a16="http://schemas.microsoft.com/office/drawing/2014/main" id="{AF6834EE-A8EE-447C-9561-0752F9D3CE91}"/>
+              </a:ext>
+            </a:extLst>
+          </p:cNvPr>
+          <p:cNvSpPr>
+            <a:spLocks noGrp="1"/>
+          </p:cNvSpPr>
+          <p:nvPr>
+            <p:ph type="title"/>
+          </p:nvPr>
+        </p:nvSpPr>
+        <p:spPr/>
+        <p:txBody>
+          <a:bodyPr/>
+          <a:lstStyle/>
+          <a:p>
+            <a:r>
+              <a:rPr lang="fr-BE" b="1" u="sng" dirty="0"/>
+              <a:t>Conclusion personnelle</a:t>
+            </a:r>
+          </a:p>
+        </p:txBody>
+      </p:sp>
+      <p:sp>
+        <p:nvSpPr>
+          <p:cNvPr id="4" name="Espace réservé de la date 3">
+            <a:extLst>
+              <a:ext uri="{FF2B5EF4-FFF2-40B4-BE49-F238E27FC236}">
+                <a16:creationId xmlns:a16="http://schemas.microsoft.com/office/drawing/2014/main" id="{43BB2B37-C6AB-434B-B8BD-3CF7EB579BF6}"/>
+              </a:ext>
+            </a:extLst>
+          </p:cNvPr>
+          <p:cNvSpPr>
+            <a:spLocks noGrp="1"/>
+          </p:cNvSpPr>
+          <p:nvPr>
+            <p:ph type="dt" sz="half" idx="10"/>
+          </p:nvPr>
+        </p:nvSpPr>
+        <p:spPr/>
+        <p:txBody>
+          <a:bodyPr/>
+          <a:lstStyle/>
+          <a:p>
+            <a:fld id="{79D041C4-9CF1-402E-A8EB-3685967486CC}" type="datetime1">
+              <a:rPr lang="fr-BE" smtClean="0"/>
+              <a:t>04-06-17</a:t>
+            </a:fld>
+            <a:endParaRPr lang="fr-BE" dirty="0"/>
+          </a:p>
+        </p:txBody>
+      </p:sp>
+      <p:sp>
+        <p:nvSpPr>
+          <p:cNvPr id="5" name="Espace réservé du pied de page 4">
+            <a:extLst>
+              <a:ext uri="{FF2B5EF4-FFF2-40B4-BE49-F238E27FC236}">
+                <a16:creationId xmlns:a16="http://schemas.microsoft.com/office/drawing/2014/main" id="{13937646-21A7-4DB7-BE14-70114762DBA1}"/>
+              </a:ext>
+            </a:extLst>
+          </p:cNvPr>
+          <p:cNvSpPr>
+            <a:spLocks noGrp="1"/>
+          </p:cNvSpPr>
+          <p:nvPr>
+            <p:ph type="ftr" sz="quarter" idx="11"/>
+          </p:nvPr>
+        </p:nvSpPr>
+        <p:spPr/>
+        <p:txBody>
+          <a:bodyPr/>
+          <a:lstStyle/>
+          <a:p>
+            <a:r>
+              <a:rPr lang="fr-BE"/>
+              <a:t>YASC</a:t>
+            </a:r>
+            <a:endParaRPr lang="fr-BE" dirty="0"/>
+          </a:p>
+        </p:txBody>
+      </p:sp>
+      <p:sp>
+        <p:nvSpPr>
+          <p:cNvPr id="6" name="Espace réservé du numéro de diapositive 5">
+            <a:extLst>
+              <a:ext uri="{FF2B5EF4-FFF2-40B4-BE49-F238E27FC236}">
+                <a16:creationId xmlns:a16="http://schemas.microsoft.com/office/drawing/2014/main" id="{DF9FBB46-CC0A-4F7C-8317-F1A7D58FEC02}"/>
+              </a:ext>
+            </a:extLst>
+          </p:cNvPr>
+          <p:cNvSpPr>
+            <a:spLocks noGrp="1"/>
+          </p:cNvSpPr>
+          <p:nvPr>
+            <p:ph type="sldNum" sz="quarter" idx="12"/>
+          </p:nvPr>
+        </p:nvSpPr>
+        <p:spPr/>
+        <p:txBody>
+          <a:bodyPr/>
+          <a:lstStyle/>
+          <a:p>
+            <a:fld id="{6EE1A1CC-AF33-4215-8A11-806382416FAD}" type="slidenum">
+              <a:rPr lang="fr-BE" smtClean="0"/>
+              <a:t>22</a:t>
+            </a:fld>
+            <a:endParaRPr lang="fr-BE" dirty="0"/>
+          </a:p>
+        </p:txBody>
+      </p:sp>
+      <p:sp>
+        <p:nvSpPr>
+          <p:cNvPr id="8" name="Espace réservé du contenu 7">
+            <a:extLst>
+              <a:ext uri="{FF2B5EF4-FFF2-40B4-BE49-F238E27FC236}">
+                <a16:creationId xmlns:a16="http://schemas.microsoft.com/office/drawing/2014/main" id="{14D2B1D5-EDED-4443-9D6F-52FE82606266}"/>
+              </a:ext>
+            </a:extLst>
+          </p:cNvPr>
+          <p:cNvSpPr>
+            <a:spLocks noGrp="1"/>
+          </p:cNvSpPr>
+          <p:nvPr>
+            <p:ph idx="1"/>
+          </p:nvPr>
+        </p:nvSpPr>
+        <p:spPr/>
+        <p:txBody>
+          <a:bodyPr/>
+          <a:lstStyle/>
+          <a:p>
+            <a:pPr>
+              <a:lnSpc>
+                <a:spcPct val="150000"/>
+              </a:lnSpc>
+            </a:pPr>
+            <a:r>
+              <a:rPr lang="fr-BE" dirty="0"/>
+              <a:t>Expérience professionnelle </a:t>
+            </a:r>
+          </a:p>
+          <a:p>
+            <a:pPr>
+              <a:lnSpc>
+                <a:spcPct val="150000"/>
+              </a:lnSpc>
+            </a:pPr>
+            <a:r>
+              <a:rPr lang="fr-BE" dirty="0"/>
+              <a:t>Expérience personnelle</a:t>
+            </a:r>
+          </a:p>
+        </p:txBody>
+      </p:sp>
+    </p:spTree>
+    <p:extLst>
+      <p:ext uri="{BB962C8B-B14F-4D97-AF65-F5344CB8AC3E}">
+        <p14:creationId xmlns:p14="http://schemas.microsoft.com/office/powerpoint/2010/main" val="3202393362"/>
+      </p:ext>
+    </p:extLst>
+  </p:cSld>
+  <p:clrMapOvr>
+    <a:masterClrMapping/>
+  </p:clrMapOvr>
+</p:sld>
+</file>
+
 <file path=ppt/slides/slide3.xml><?xml version="1.0" encoding="utf-8"?>
 <p:sld xmlns:a="http://schemas.openxmlformats.org/drawingml/2006/main" xmlns:r="http://schemas.openxmlformats.org/officeDocument/2006/relationships" xmlns:p="http://schemas.openxmlformats.org/presentationml/2006/main">
   <p:cSld>
@@ -11098,7 +16216,7 @@
           <a:lstStyle/>
           <a:p>
             <a:r>
-              <a:rPr lang="fr-BE" dirty="0"/>
+              <a:rPr lang="fr-BE" b="1" u="sng" dirty="0"/>
               <a:t>Introduction</a:t>
             </a:r>
           </a:p>
@@ -11125,19 +16243,19 @@
           <a:lstStyle/>
           <a:p>
             <a:r>
-              <a:rPr lang="fr-BE" dirty="0"/>
+              <a:rPr lang="fr-BE" b="1" dirty="0"/>
               <a:t>Cerfontaine Mathieu</a:t>
             </a:r>
           </a:p>
           <a:p>
             <a:r>
-              <a:rPr lang="fr-BE" dirty="0"/>
+              <a:rPr lang="fr-BE" b="1" dirty="0"/>
               <a:t>Limelogic</a:t>
             </a:r>
           </a:p>
           <a:p>
             <a:r>
-              <a:rPr lang="fr-BE" dirty="0"/>
+              <a:rPr lang="fr-BE" b="1" dirty="0"/>
               <a:t>YASC, un outil de gestion de déploiements d’applications.</a:t>
             </a:r>
           </a:p>
@@ -11160,7 +16278,7 @@
           <a:p>
             <a:fld id="{79D041C4-9CF1-402E-A8EB-3685967486CC}" type="datetime1">
               <a:rPr lang="fr-BE" smtClean="0"/>
-              <a:t>03-06-17</a:t>
+              <a:t>04-06-17</a:t>
             </a:fld>
             <a:endParaRPr lang="fr-BE" dirty="0"/>
           </a:p>
@@ -11259,7 +16377,7 @@
           <a:p>
             <a:fld id="{79D041C4-9CF1-402E-A8EB-3685967486CC}" type="datetime1">
               <a:rPr lang="fr-BE" smtClean="0"/>
-              <a:t>03-06-17</a:t>
+              <a:t>04-06-17</a:t>
             </a:fld>
             <a:endParaRPr lang="fr-BE" dirty="0"/>
           </a:p>
@@ -11929,7 +17047,7 @@
           <a:lstStyle/>
           <a:p>
             <a:r>
-              <a:rPr lang="fr-BE" dirty="0"/>
+              <a:rPr lang="fr-BE" b="1" u="sng" dirty="0"/>
               <a:t>Table des matières</a:t>
             </a:r>
           </a:p>
@@ -12001,7 +17119,7 @@
           <a:p>
             <a:fld id="{79D041C4-9CF1-402E-A8EB-3685967486CC}" type="datetime1">
               <a:rPr lang="fr-BE" smtClean="0"/>
-              <a:t>03-06-17</a:t>
+              <a:t>04-06-17</a:t>
             </a:fld>
             <a:endParaRPr lang="fr-BE"/>
           </a:p>
@@ -12074,6 +17192,9 @@
                     <p:cTn id="3" fill="hold">
                       <p:stCondLst>
                         <p:cond delay="indefinite"/>
+                        <p:cond evt="onBegin" delay="0">
+                          <p:tn val="2"/>
+                        </p:cond>
                       </p:stCondLst>
                       <p:childTnLst>
                         <p:par>
@@ -12083,53 +17204,14 @@
                             </p:stCondLst>
                             <p:childTnLst>
                               <p:par>
-                                <p:cTn id="5" presetID="9" presetClass="emph" presetSubtype="0" nodeType="clickEffect">
+                                <p:cTn id="5" presetID="24" presetClass="emph" presetSubtype="0" fill="hold" nodeType="withEffect">
                                   <p:stCondLst>
-                                    <p:cond delay="0"/>
-                                  </p:stCondLst>
-                                  <p:childTnLst>
-                                    <p:set>
-                                      <p:cBhvr>
-                                        <p:cTn id="6" dur="indefinite"/>
-                                        <p:tgtEl>
-                                          <p:spTgt spid="3">
-                                            <p:txEl>
-                                              <p:pRg st="0" end="0"/>
-                                            </p:txEl>
-                                          </p:spTgt>
-                                        </p:tgtEl>
-                                        <p:attrNameLst>
-                                          <p:attrName>style.opacity</p:attrName>
-                                        </p:attrNameLst>
-                                      </p:cBhvr>
-                                      <p:to>
-                                        <p:strVal val="0.5"/>
-                                      </p:to>
-                                    </p:set>
-                                    <p:animEffect filter="image" prLst="opacity: 0.5">
-                                      <p:cBhvr rctx="IE">
-                                        <p:cTn id="7" dur="indefinite"/>
-                                        <p:tgtEl>
-                                          <p:spTgt spid="3">
-                                            <p:txEl>
-                                              <p:pRg st="0" end="0"/>
-                                            </p:txEl>
-                                          </p:spTgt>
-                                        </p:tgtEl>
-                                      </p:cBhvr>
-                                    </p:animEffect>
-                                  </p:childTnLst>
-                                </p:cTn>
-                              </p:par>
-                              <p:par>
-                                <p:cTn id="8" presetID="24" presetClass="emph" presetSubtype="0" fill="hold" nodeType="withEffect">
-                                  <p:stCondLst>
-                                    <p:cond delay="0"/>
+                                    <p:cond delay="1500"/>
                                   </p:stCondLst>
                                   <p:childTnLst>
                                     <p:animClr clrSpc="hsl" dir="cw">
                                       <p:cBhvr override="childStyle">
-                                        <p:cTn id="9" dur="500" fill="hold"/>
+                                        <p:cTn id="6" dur="500" fill="hold"/>
                                         <p:tgtEl>
                                           <p:spTgt spid="3">
                                             <p:txEl>
@@ -12147,7 +17229,7 @@
                                     </p:animClr>
                                     <p:animClr clrSpc="hsl" dir="cw">
                                       <p:cBhvr>
-                                        <p:cTn id="10" dur="500" fill="hold"/>
+                                        <p:cTn id="7" dur="500" fill="hold"/>
                                         <p:tgtEl>
                                           <p:spTgt spid="3">
                                             <p:txEl>
@@ -12165,7 +17247,7 @@
                                     </p:animClr>
                                     <p:animClr clrSpc="hsl" dir="cw">
                                       <p:cBhvr>
-                                        <p:cTn id="11" dur="500" fill="hold"/>
+                                        <p:cTn id="8" dur="500" fill="hold"/>
                                         <p:tgtEl>
                                           <p:spTgt spid="3">
                                             <p:txEl>
@@ -12183,7 +17265,7 @@
                                     </p:animClr>
                                     <p:set>
                                       <p:cBhvr>
-                                        <p:cTn id="12" dur="500" fill="hold"/>
+                                        <p:cTn id="9" dur="500" fill="hold"/>
                                         <p:tgtEl>
                                           <p:spTgt spid="3">
                                             <p:txEl>
@@ -12203,9 +17285,48 @@
                                 </p:cTn>
                               </p:par>
                               <p:par>
+                                <p:cTn id="10" presetID="9" presetClass="emph" presetSubtype="0" nodeType="withEffect">
+                                  <p:stCondLst>
+                                    <p:cond delay="1500"/>
+                                  </p:stCondLst>
+                                  <p:childTnLst>
+                                    <p:set>
+                                      <p:cBhvr>
+                                        <p:cTn id="11" dur="indefinite"/>
+                                        <p:tgtEl>
+                                          <p:spTgt spid="3">
+                                            <p:txEl>
+                                              <p:pRg st="2" end="2"/>
+                                            </p:txEl>
+                                          </p:spTgt>
+                                        </p:tgtEl>
+                                        <p:attrNameLst>
+                                          <p:attrName>style.opacity</p:attrName>
+                                        </p:attrNameLst>
+                                      </p:cBhvr>
+                                      <p:to>
+                                        <p:strVal val="0.5"/>
+                                      </p:to>
+                                    </p:set>
+                                    <p:animEffect filter="image" prLst="opacity: 0.5">
+                                      <p:cBhvr rctx="IE">
+                                        <p:cTn id="12" dur="indefinite"/>
+                                        <p:tgtEl>
+                                          <p:spTgt spid="3">
+                                            <p:txEl>
+                                              <p:pRg st="2" end="2"/>
+                                            </p:txEl>
+                                          </p:spTgt>
+                                        </p:tgtEl>
+                                      </p:cBhvr>
+                                    </p:animEffect>
+                                  </p:childTnLst>
+                                </p:cTn>
+                              </p:par>
+                              <p:par>
                                 <p:cTn id="13" presetID="9" presetClass="emph" presetSubtype="0" nodeType="withEffect">
                                   <p:stCondLst>
-                                    <p:cond delay="0"/>
+                                    <p:cond delay="1500"/>
                                   </p:stCondLst>
                                   <p:childTnLst>
                                     <p:set>
@@ -12214,7 +17335,7 @@
                                         <p:tgtEl>
                                           <p:spTgt spid="3">
                                             <p:txEl>
-                                              <p:pRg st="2" end="2"/>
+                                              <p:pRg st="3" end="3"/>
                                             </p:txEl>
                                           </p:spTgt>
                                         </p:tgtEl>
@@ -12232,7 +17353,7 @@
                                         <p:tgtEl>
                                           <p:spTgt spid="3">
                                             <p:txEl>
-                                              <p:pRg st="2" end="2"/>
+                                              <p:pRg st="3" end="3"/>
                                             </p:txEl>
                                           </p:spTgt>
                                         </p:tgtEl>
@@ -12244,7 +17365,7 @@
                               <p:par>
                                 <p:cTn id="16" presetID="9" presetClass="emph" presetSubtype="0" nodeType="withEffect">
                                   <p:stCondLst>
-                                    <p:cond delay="0"/>
+                                    <p:cond delay="1500"/>
                                   </p:stCondLst>
                                   <p:childTnLst>
                                     <p:set>
@@ -12253,7 +17374,7 @@
                                         <p:tgtEl>
                                           <p:spTgt spid="3">
                                             <p:txEl>
-                                              <p:pRg st="3" end="3"/>
+                                              <p:pRg st="4" end="4"/>
                                             </p:txEl>
                                           </p:spTgt>
                                         </p:tgtEl>
@@ -12271,7 +17392,7 @@
                                         <p:tgtEl>
                                           <p:spTgt spid="3">
                                             <p:txEl>
-                                              <p:pRg st="3" end="3"/>
+                                              <p:pRg st="4" end="4"/>
                                             </p:txEl>
                                           </p:spTgt>
                                         </p:tgtEl>
@@ -12283,7 +17404,7 @@
                               <p:par>
                                 <p:cTn id="19" presetID="9" presetClass="emph" presetSubtype="0" nodeType="withEffect">
                                   <p:stCondLst>
-                                    <p:cond delay="0"/>
+                                    <p:cond delay="1500"/>
                                   </p:stCondLst>
                                   <p:childTnLst>
                                     <p:set>
@@ -12292,7 +17413,7 @@
                                         <p:tgtEl>
                                           <p:spTgt spid="3">
                                             <p:txEl>
-                                              <p:pRg st="4" end="4"/>
+                                              <p:pRg st="0" end="0"/>
                                             </p:txEl>
                                           </p:spTgt>
                                         </p:tgtEl>
@@ -12310,7 +17431,7 @@
                                         <p:tgtEl>
                                           <p:spTgt spid="3">
                                             <p:txEl>
-                                              <p:pRg st="4" end="4"/>
+                                              <p:pRg st="0" end="0"/>
                                             </p:txEl>
                                           </p:spTgt>
                                         </p:tgtEl>
@@ -12383,7 +17504,7 @@
           <a:lstStyle/>
           <a:p>
             <a:r>
-              <a:rPr lang="fr-BE" dirty="0"/>
+              <a:rPr lang="fr-BE" b="1" u="sng" dirty="0"/>
               <a:t>L’origine de YASC</a:t>
             </a:r>
           </a:p>
@@ -12406,7 +17527,7 @@
           <a:p>
             <a:fld id="{79D041C4-9CF1-402E-A8EB-3685967486CC}" type="datetime1">
               <a:rPr lang="fr-BE" smtClean="0"/>
-              <a:t>03-06-17</a:t>
+              <a:t>04-06-17</a:t>
             </a:fld>
             <a:endParaRPr lang="fr-BE" dirty="0"/>
           </a:p>
@@ -13182,7 +18303,7 @@
           <a:lstStyle/>
           <a:p>
             <a:r>
-              <a:rPr lang="fr-BE" dirty="0"/>
+              <a:rPr lang="fr-BE" b="1" u="sng" dirty="0"/>
               <a:t>Objectifs</a:t>
             </a:r>
           </a:p>
@@ -13244,7 +18365,7 @@
           <a:p>
             <a:fld id="{79D041C4-9CF1-402E-A8EB-3685967486CC}" type="datetime1">
               <a:rPr lang="fr-BE" smtClean="0"/>
-              <a:t>03-06-17</a:t>
+              <a:t>04-06-17</a:t>
             </a:fld>
             <a:endParaRPr lang="fr-BE" dirty="0"/>
           </a:p>
@@ -13750,7 +18871,7 @@
           <a:lstStyle/>
           <a:p>
             <a:r>
-              <a:rPr lang="fr-BE" dirty="0"/>
+              <a:rPr lang="fr-BE" b="1" u="sng" dirty="0"/>
               <a:t>Table des matières</a:t>
             </a:r>
           </a:p>
@@ -13822,7 +18943,7 @@
           <a:p>
             <a:fld id="{79D041C4-9CF1-402E-A8EB-3685967486CC}" type="datetime1">
               <a:rPr lang="fr-BE" smtClean="0"/>
-              <a:t>03-06-17</a:t>
+              <a:t>04-06-17</a:t>
             </a:fld>
             <a:endParaRPr lang="fr-BE"/>
           </a:p>
@@ -13895,6 +19016,9 @@
                     <p:cTn id="3" fill="hold">
                       <p:stCondLst>
                         <p:cond delay="indefinite"/>
+                        <p:cond evt="onBegin" delay="0">
+                          <p:tn val="2"/>
+                        </p:cond>
                       </p:stCondLst>
                       <p:childTnLst>
                         <p:par>
@@ -13904,9 +19028,9 @@
                             </p:stCondLst>
                             <p:childTnLst>
                               <p:par>
-                                <p:cTn id="5" presetID="9" presetClass="emph" presetSubtype="0" nodeType="clickEffect">
+                                <p:cTn id="5" presetID="9" presetClass="emph" presetSubtype="0" nodeType="withEffect">
                                   <p:stCondLst>
-                                    <p:cond delay="0"/>
+                                    <p:cond delay="1500"/>
                                   </p:stCondLst>
                                   <p:childTnLst>
                                     <p:set>
@@ -13945,7 +19069,7 @@
                               <p:par>
                                 <p:cTn id="8" presetID="9" presetClass="emph" presetSubtype="0" nodeType="withEffect">
                                   <p:stCondLst>
-                                    <p:cond delay="0"/>
+                                    <p:cond delay="1500"/>
                                   </p:stCondLst>
                                   <p:childTnLst>
                                     <p:set>
@@ -13984,7 +19108,7 @@
                               <p:par>
                                 <p:cTn id="11" presetID="24" presetClass="emph" presetSubtype="0" fill="hold" nodeType="withEffect">
                                   <p:stCondLst>
-                                    <p:cond delay="0"/>
+                                    <p:cond delay="1500"/>
                                   </p:stCondLst>
                                   <p:childTnLst>
                                     <p:animClr clrSpc="hsl" dir="cw">
@@ -14065,7 +19189,7 @@
                               <p:par>
                                 <p:cTn id="16" presetID="9" presetClass="emph" presetSubtype="0" nodeType="withEffect">
                                   <p:stCondLst>
-                                    <p:cond delay="0"/>
+                                    <p:cond delay="1500"/>
                                   </p:stCondLst>
                                   <p:childTnLst>
                                     <p:set>
@@ -14104,7 +19228,7 @@
                               <p:par>
                                 <p:cTn id="19" presetID="9" presetClass="emph" presetSubtype="0" nodeType="withEffect">
                                   <p:stCondLst>
-                                    <p:cond delay="0"/>
+                                    <p:cond delay="1500"/>
                                   </p:stCondLst>
                                   <p:childTnLst>
                                     <p:set>
@@ -14204,7 +19328,7 @@
           <a:lstStyle/>
           <a:p>
             <a:r>
-              <a:rPr lang="fr-BE" dirty="0"/>
+              <a:rPr lang="fr-BE" b="1" u="sng" dirty="0"/>
               <a:t>Vocabulaire</a:t>
             </a:r>
           </a:p>
@@ -14272,7 +19396,7 @@
           <a:p>
             <a:fld id="{79D041C4-9CF1-402E-A8EB-3685967486CC}" type="datetime1">
               <a:rPr lang="fr-BE" smtClean="0"/>
-              <a:t>03-06-17</a:t>
+              <a:t>04-06-17</a:t>
             </a:fld>
             <a:endParaRPr lang="fr-BE" dirty="0"/>
           </a:p>

--- a/Automatisation des déploiements d’applications et d’équipements réseaux via.pptx
+++ b/Automatisation des déploiements d’applications et d’équipements réseaux via.pptx
@@ -321,7 +321,7 @@
           <a:p>
             <a:fld id="{3EDF3FFF-8697-4D76-BBA4-6FCA23460B13}" type="datetimeFigureOut">
               <a:rPr lang="fr-BE" smtClean="0"/>
-              <a:t>07-06-17</a:t>
+              <a:t>10-06-17</a:t>
             </a:fld>
             <a:endParaRPr lang="fr-BE"/>
           </a:p>
@@ -6554,7 +6554,7 @@
             </a:pPr>
             <a:r>
               <a:rPr lang="fr-BE" dirty="0"/>
-              <a:t>Déclarés dans le fichier des métadonnées,</a:t>
+              <a:t>Déclarés dans le fichier engine,</a:t>
             </a:r>
           </a:p>
           <a:p>
@@ -21459,7 +21459,7 @@
             </a:pPr>
             <a:r>
               <a:rPr lang="fr-BE" dirty="0"/>
-              <a:t>Cmdlet</a:t>
+              <a:t>Modules .psm1</a:t>
             </a:r>
           </a:p>
           <a:p>
@@ -21470,7 +21470,7 @@
             </a:pPr>
             <a:r>
               <a:rPr lang="fr-BE" dirty="0"/>
-              <a:t>Modules .psm1</a:t>
+              <a:t>Cmdlet</a:t>
             </a:r>
           </a:p>
         </p:txBody>
@@ -23280,8 +23280,13 @@
           <a:p>
             <a:r>
               <a:rPr lang="fr-BE" dirty="0"/>
-              <a:t>Génération de documentation</a:t>
-            </a:r>
+              <a:t>Génération </a:t>
+            </a:r>
+            <a:r>
+              <a:rPr lang="fr-BE"/>
+              <a:t>de documentation</a:t>
+            </a:r>
+            <a:endParaRPr lang="fr-BE" dirty="0"/>
           </a:p>
         </p:txBody>
       </p:sp>

--- a/Automatisation des déploiements d’applications et d’équipements réseaux via.pptx
+++ b/Automatisation des déploiements d’applications et d’équipements réseaux via.pptx
@@ -321,7 +321,7 @@
           <a:p>
             <a:fld id="{3EDF3FFF-8697-4D76-BBA4-6FCA23460B13}" type="datetimeFigureOut">
               <a:rPr lang="fr-BE" smtClean="0"/>
-              <a:t>10-06-17</a:t>
+              <a:t>11-06-17</a:t>
             </a:fld>
             <a:endParaRPr lang="fr-BE"/>
           </a:p>
@@ -647,6 +647,13 @@
               <a:rPr lang="fr-BE" dirty="0"/>
               <a:t>Attention application = applications générale != software</a:t>
             </a:r>
+          </a:p>
+          <a:p>
+            <a:r>
+              <a:rPr lang="en-GB" dirty="0"/>
+              <a:t>Yet Another Software Configurator</a:t>
+            </a:r>
+            <a:endParaRPr lang="fr-BE" dirty="0"/>
           </a:p>
         </p:txBody>
       </p:sp>
